--- a/Slides/3 建立物理仿真程序基础/NewVersion.pptx
+++ b/Slides/3 建立物理仿真程序基础/NewVersion.pptx
@@ -2,7 +2,7 @@
 <file path=ppt/presentation.xml><?xml version="1.0" encoding="utf-8"?>
 <p:presentation xmlns:a="http://schemas.openxmlformats.org/drawingml/2006/main" xmlns:r="http://schemas.openxmlformats.org/officeDocument/2006/relationships" xmlns:p="http://schemas.openxmlformats.org/presentationml/2006/main" saveSubsetFonts="1">
   <p:sldMasterIdLst>
-    <p:sldMasterId id="2147483648" r:id="rId1"/>
+    <p:sldMasterId id="2147483660" r:id="rId1"/>
   </p:sldMasterIdLst>
   <p:sldIdLst>
     <p:sldId id="256" r:id="rId2"/>
@@ -14,7 +14,7 @@
     <p:sldId id="262" r:id="rId8"/>
     <p:sldId id="263" r:id="rId9"/>
     <p:sldId id="264" r:id="rId10"/>
-    <p:sldId id="265" r:id="rId11"/>
+    <p:sldId id="275" r:id="rId11"/>
     <p:sldId id="266" r:id="rId12"/>
     <p:sldId id="267" r:id="rId13"/>
     <p:sldId id="268" r:id="rId14"/>
@@ -25,7 +25,7 @@
     <p:sldId id="273" r:id="rId19"/>
     <p:sldId id="274" r:id="rId20"/>
   </p:sldIdLst>
-  <p:sldSz cx="9144000" cy="6858000" type="screen4x3"/>
+  <p:sldSz cx="9144000" cy="5143500" type="screen16x9"/>
   <p:notesSz cx="6858000" cy="9144000"/>
   <p:defaultTextStyle>
     <a:defPPr>
@@ -128,6 +128,11 @@
 <file path=ppt/slideLayouts/slideLayout1.xml><?xml version="1.0" encoding="utf-8"?>
 <p:sldLayout xmlns:a="http://schemas.openxmlformats.org/drawingml/2006/main" xmlns:r="http://schemas.openxmlformats.org/officeDocument/2006/relationships" xmlns:p="http://schemas.openxmlformats.org/presentationml/2006/main" type="title" preserve="1">
   <p:cSld name="标题幻灯片">
+    <p:bg>
+      <p:bgRef idx="1003">
+        <a:schemeClr val="bg2"/>
+      </p:bgRef>
+    </p:bg>
     <p:spTree>
       <p:nvGrpSpPr>
         <p:cNvPr id="1" name=""/>
@@ -142,31 +147,69 @@
           <a:chExt cx="0" cy="0"/>
         </a:xfrm>
       </p:grpSpPr>
-      <p:sp>
-        <p:nvSpPr>
-          <p:cNvPr id="2" name="标题 1"/>
-          <p:cNvSpPr>
-            <a:spLocks noGrp="1"/>
-          </p:cNvSpPr>
-          <p:nvPr>
-            <p:ph type="ctrTitle"/>
-          </p:nvPr>
-        </p:nvSpPr>
+      <p:pic>
+        <p:nvPicPr>
+          <p:cNvPr id="9" name="图片 8"/>
+          <p:cNvPicPr>
+            <a:picLocks noChangeAspect="1"/>
+          </p:cNvPicPr>
+          <p:nvPr/>
+        </p:nvPicPr>
+        <p:blipFill>
+          <a:blip r:embed="rId2">
+            <a:duotone>
+              <a:schemeClr val="bg2"/>
+              <a:srgbClr val="FFF1C1"/>
+            </a:duotone>
+            <a:lum bright="-10000" contrast="-40000"/>
+          </a:blip>
+          <a:stretch>
+            <a:fillRect/>
+          </a:stretch>
+        </p:blipFill>
         <p:spPr>
           <a:xfrm>
-            <a:off x="685800" y="2130425"/>
-            <a:ext cx="7772400" cy="1470025"/>
+            <a:off x="2" y="3911212"/>
+            <a:ext cx="1472173" cy="1232288"/>
+          </a:xfrm>
+          <a:prstGeom prst="rect">
+            <a:avLst/>
+          </a:prstGeom>
+          <a:noFill/>
+          <a:ln>
+            <a:noFill/>
+          </a:ln>
+        </p:spPr>
+      </p:pic>
+      <p:sp>
+        <p:nvSpPr>
+          <p:cNvPr id="2" name="标题 1"/>
+          <p:cNvSpPr>
+            <a:spLocks noGrp="1"/>
+          </p:cNvSpPr>
+          <p:nvPr>
+            <p:ph type="ctrTitle"/>
+          </p:nvPr>
+        </p:nvSpPr>
+        <p:spPr>
+          <a:xfrm>
+            <a:off x="685800" y="910817"/>
+            <a:ext cx="7772400" cy="1102519"/>
           </a:xfrm>
         </p:spPr>
         <p:txBody>
           <a:bodyPr/>
-          <a:lstStyle/>
-          <a:p>
-            <a:r>
-              <a:rPr lang="zh-CN" altLang="en-US" smtClean="0"/>
+          <a:lstStyle>
+            <a:lvl1pPr algn="ctr">
+              <a:defRPr sz="4800"/>
+            </a:lvl1pPr>
+          </a:lstStyle>
+          <a:p>
+            <a:r>
+              <a:rPr kumimoji="0" lang="zh-CN" altLang="en-US" smtClean="0"/>
               <a:t>单击此处编辑母版标题样式</a:t>
             </a:r>
-            <a:endParaRPr lang="zh-CN" altLang="en-US"/>
+            <a:endParaRPr kumimoji="0" lang="en-US"/>
           </a:p>
         </p:txBody>
       </p:sp>
@@ -182,21 +225,17 @@
         </p:nvSpPr>
         <p:spPr>
           <a:xfrm>
-            <a:off x="1371600" y="3886200"/>
-            <a:ext cx="6400800" cy="1752600"/>
+            <a:off x="1521733" y="2069686"/>
+            <a:ext cx="6100534" cy="1305742"/>
           </a:xfrm>
         </p:spPr>
         <p:txBody>
-          <a:bodyPr/>
+          <a:bodyPr anchor="t"/>
           <a:lstStyle>
             <a:lvl1pPr marL="0" indent="0" algn="ctr">
               <a:buNone/>
-              <a:defRPr>
-                <a:solidFill>
-                  <a:schemeClr val="tx1">
-                    <a:tint val="75000"/>
-                  </a:schemeClr>
-                </a:solidFill>
+              <a:defRPr lang="zh-CN" altLang="en-US" dirty="0">
+                <a:effectLst/>
               </a:defRPr>
             </a:lvl1pPr>
             <a:lvl2pPr marL="457200" indent="0" algn="ctr">
@@ -282,10 +321,10 @@
           </a:lstStyle>
           <a:p>
             <a:r>
-              <a:rPr lang="zh-CN" altLang="en-US" smtClean="0"/>
+              <a:rPr kumimoji="0" lang="zh-CN" altLang="en-US" smtClean="0"/>
               <a:t>单击此处编辑母版副标题样式</a:t>
             </a:r>
-            <a:endParaRPr lang="zh-CN" altLang="en-US"/>
+            <a:endParaRPr kumimoji="0" lang="en-US"/>
           </a:p>
         </p:txBody>
       </p:sp>
@@ -306,7 +345,7 @@
           <a:p>
             <a:fld id="{530820CF-B880-4189-942D-D702A7CBA730}" type="datetimeFigureOut">
               <a:rPr lang="zh-CN" altLang="en-US" smtClean="0"/>
-              <a:t>2012/10/12</a:t>
+              <a:t>2017/9/28</a:t>
             </a:fld>
             <a:endParaRPr lang="zh-CN" altLang="en-US"/>
           </a:p>
@@ -357,7 +396,7 @@
     </p:spTree>
   </p:cSld>
   <p:clrMapOvr>
-    <a:masterClrMapping/>
+    <a:overrideClrMapping bg1="dk1" tx1="lt1" bg2="dk2" tx2="lt2" accent1="accent1" accent2="accent2" accent3="accent3" accent4="accent4" accent5="accent5" accent6="accent6" hlink="hlink" folHlink="folHlink"/>
   </p:clrMapOvr>
 </p:sldLayout>
 </file>
@@ -381,6 +420,54 @@
       </p:grpSpPr>
       <p:sp>
         <p:nvSpPr>
+          <p:cNvPr id="7" name="矩形 6"/>
+          <p:cNvSpPr/>
+          <p:nvPr/>
+        </p:nvSpPr>
+        <p:spPr>
+          <a:xfrm>
+            <a:off x="0" y="0"/>
+            <a:ext cx="669600" cy="5143500"/>
+          </a:xfrm>
+          <a:prstGeom prst="rect">
+            <a:avLst/>
+          </a:prstGeom>
+          <a:blipFill>
+            <a:blip r:embed="rId2">
+              <a:alphaModFix amt="40000"/>
+            </a:blip>
+            <a:tile tx="0" ty="0" sx="50000" sy="50000" flip="x" algn="tl"/>
+          </a:blipFill>
+          <a:ln w="25400" cap="rnd" cmpd="sng" algn="ctr">
+            <a:noFill/>
+            <a:prstDash val="solid"/>
+          </a:ln>
+        </p:spPr>
+        <p:style>
+          <a:lnRef idx="2">
+            <a:schemeClr val="accent1"/>
+          </a:lnRef>
+          <a:fillRef idx="1">
+            <a:schemeClr val="accent1"/>
+          </a:fillRef>
+          <a:effectRef idx="0">
+            <a:schemeClr val="accent1"/>
+          </a:effectRef>
+          <a:fontRef idx="minor">
+            <a:schemeClr val="lt1"/>
+          </a:fontRef>
+        </p:style>
+        <p:txBody>
+          <a:bodyPr rtlCol="0" anchor="ctr"/>
+          <a:lstStyle/>
+          <a:p>
+            <a:pPr algn="ctr" eaLnBrk="1" latinLnBrk="0" hangingPunct="1"/>
+            <a:endParaRPr kumimoji="0" lang="zh-CN" altLang="en-US"/>
+          </a:p>
+        </p:txBody>
+      </p:sp>
+      <p:sp>
+        <p:nvSpPr>
           <p:cNvPr id="2" name="标题 1"/>
           <p:cNvSpPr>
             <a:spLocks noGrp="1"/>
@@ -392,13 +479,17 @@
         <p:spPr/>
         <p:txBody>
           <a:bodyPr/>
-          <a:lstStyle/>
-          <a:p>
-            <a:r>
-              <a:rPr lang="zh-CN" altLang="en-US" smtClean="0"/>
+          <a:lstStyle>
+            <a:lvl1pPr algn="r">
+              <a:defRPr/>
+            </a:lvl1pPr>
+          </a:lstStyle>
+          <a:p>
+            <a:r>
+              <a:rPr kumimoji="0" lang="zh-CN" altLang="en-US" smtClean="0"/>
               <a:t>单击此处编辑母版标题样式</a:t>
             </a:r>
-            <a:endParaRPr lang="zh-CN" altLang="en-US"/>
+            <a:endParaRPr kumimoji="0" lang="en-US"/>
           </a:p>
         </p:txBody>
       </p:sp>
@@ -412,45 +503,50 @@
             <p:ph type="body" orient="vert" idx="1"/>
           </p:nvPr>
         </p:nvSpPr>
-        <p:spPr/>
+        <p:spPr>
+          <a:xfrm>
+            <a:off x="457200" y="1125133"/>
+            <a:ext cx="8229600" cy="3536180"/>
+          </a:xfrm>
+        </p:spPr>
         <p:txBody>
           <a:bodyPr vert="eaVert"/>
           <a:lstStyle/>
           <a:p>
-            <a:pPr lvl="0"/>
+            <a:pPr lvl="0" eaLnBrk="1" latinLnBrk="0" hangingPunct="1"/>
             <a:r>
               <a:rPr lang="zh-CN" altLang="en-US" smtClean="0"/>
               <a:t>单击此处编辑母版文本样式</a:t>
             </a:r>
           </a:p>
           <a:p>
-            <a:pPr lvl="1"/>
+            <a:pPr lvl="1" eaLnBrk="1" latinLnBrk="0" hangingPunct="1"/>
             <a:r>
               <a:rPr lang="zh-CN" altLang="en-US" smtClean="0"/>
               <a:t>第二级</a:t>
             </a:r>
           </a:p>
           <a:p>
-            <a:pPr lvl="2"/>
+            <a:pPr lvl="2" eaLnBrk="1" latinLnBrk="0" hangingPunct="1"/>
             <a:r>
               <a:rPr lang="zh-CN" altLang="en-US" smtClean="0"/>
               <a:t>第三级</a:t>
             </a:r>
           </a:p>
           <a:p>
-            <a:pPr lvl="3"/>
+            <a:pPr lvl="3" eaLnBrk="1" latinLnBrk="0" hangingPunct="1"/>
             <a:r>
               <a:rPr lang="zh-CN" altLang="en-US" smtClean="0"/>
               <a:t>第四级</a:t>
             </a:r>
           </a:p>
           <a:p>
-            <a:pPr lvl="4"/>
+            <a:pPr lvl="4" eaLnBrk="1" latinLnBrk="0" hangingPunct="1"/>
             <a:r>
               <a:rPr lang="zh-CN" altLang="en-US" smtClean="0"/>
               <a:t>第五级</a:t>
             </a:r>
-            <a:endParaRPr lang="zh-CN" altLang="en-US"/>
+            <a:endParaRPr kumimoji="0" lang="en-US"/>
           </a:p>
         </p:txBody>
       </p:sp>
@@ -471,7 +567,7 @@
           <a:p>
             <a:fld id="{530820CF-B880-4189-942D-D702A7CBA730}" type="datetimeFigureOut">
               <a:rPr lang="zh-CN" altLang="en-US" smtClean="0"/>
-              <a:t>2012/10/12</a:t>
+              <a:t>2017/9/28</a:t>
             </a:fld>
             <a:endParaRPr lang="zh-CN" altLang="en-US"/>
           </a:p>
@@ -519,6 +615,39 @@
           </a:p>
         </p:txBody>
       </p:sp>
+      <p:pic>
+        <p:nvPicPr>
+          <p:cNvPr id="8" name="图片 7"/>
+          <p:cNvPicPr>
+            <a:picLocks noChangeAspect="1"/>
+          </p:cNvPicPr>
+          <p:nvPr/>
+        </p:nvPicPr>
+        <p:blipFill>
+          <a:blip r:embed="rId3">
+            <a:duotone>
+              <a:schemeClr val="bg2"/>
+              <a:srgbClr val="FFF1C1"/>
+            </a:duotone>
+          </a:blip>
+          <a:stretch>
+            <a:fillRect/>
+          </a:stretch>
+        </p:blipFill>
+        <p:spPr>
+          <a:xfrm>
+            <a:off x="8135908" y="0"/>
+            <a:ext cx="1008093" cy="1071552"/>
+          </a:xfrm>
+          <a:prstGeom prst="rect">
+            <a:avLst/>
+          </a:prstGeom>
+          <a:noFill/>
+          <a:ln>
+            <a:noFill/>
+          </a:ln>
+        </p:spPr>
+      </p:pic>
     </p:spTree>
   </p:cSld>
   <p:clrMapOvr>
@@ -546,29 +675,89 @@
       </p:grpSpPr>
       <p:sp>
         <p:nvSpPr>
-          <p:cNvPr id="2" name="竖排标题 1"/>
-          <p:cNvSpPr>
-            <a:spLocks noGrp="1"/>
-          </p:cNvSpPr>
-          <p:nvPr>
-            <p:ph type="title" orient="vert"/>
-          </p:nvPr>
+          <p:cNvPr id="7" name="矩形 6"/>
+          <p:cNvSpPr/>
+          <p:nvPr/>
         </p:nvSpPr>
         <p:spPr>
           <a:xfrm>
-            <a:off x="6629400" y="274638"/>
-            <a:ext cx="2057400" cy="5851525"/>
+            <a:off x="0" y="0"/>
+            <a:ext cx="669600" cy="5143500"/>
+          </a:xfrm>
+          <a:prstGeom prst="rect">
+            <a:avLst/>
+          </a:prstGeom>
+          <a:blipFill>
+            <a:blip r:embed="rId2">
+              <a:alphaModFix amt="40000"/>
+            </a:blip>
+            <a:tile tx="0" ty="0" sx="50000" sy="50000" flip="x" algn="tl"/>
+          </a:blipFill>
+          <a:ln w="25400" cap="rnd" cmpd="sng" algn="ctr">
+            <a:noFill/>
+            <a:prstDash val="solid"/>
+          </a:ln>
+        </p:spPr>
+        <p:style>
+          <a:lnRef idx="2">
+            <a:schemeClr val="accent1"/>
+          </a:lnRef>
+          <a:fillRef idx="1">
+            <a:schemeClr val="accent1"/>
+          </a:fillRef>
+          <a:effectRef idx="0">
+            <a:schemeClr val="accent1"/>
+          </a:effectRef>
+          <a:fontRef idx="minor">
+            <a:schemeClr val="lt1"/>
+          </a:fontRef>
+        </p:style>
+        <p:txBody>
+          <a:bodyPr rtlCol="0" anchor="ctr"/>
+          <a:lstStyle/>
+          <a:p>
+            <a:pPr algn="ctr" eaLnBrk="1" latinLnBrk="0" hangingPunct="1"/>
+            <a:endParaRPr kumimoji="0" lang="zh-CN" altLang="en-US"/>
+          </a:p>
+        </p:txBody>
+      </p:sp>
+      <p:sp>
+        <p:nvSpPr>
+          <p:cNvPr id="2" name="竖排标题 1"/>
+          <p:cNvSpPr>
+            <a:spLocks noGrp="1"/>
+          </p:cNvSpPr>
+          <p:nvPr>
+            <p:ph type="title" orient="vert"/>
+          </p:nvPr>
+        </p:nvSpPr>
+        <p:spPr>
+          <a:xfrm>
+            <a:off x="7286644" y="205979"/>
+            <a:ext cx="1400156" cy="4455333"/>
           </a:xfrm>
         </p:spPr>
         <p:txBody>
           <a:bodyPr vert="eaVert"/>
-          <a:lstStyle/>
-          <a:p>
-            <a:r>
-              <a:rPr lang="zh-CN" altLang="en-US" smtClean="0"/>
+          <a:lstStyle>
+            <a:lvl1pPr algn="ctr">
+              <a:defRPr>
+                <a:effectLst>
+                  <a:outerShdw dist="50800" dir="18900000" algn="tl" rotWithShape="0">
+                    <a:srgbClr val="000000">
+                      <a:alpha val="75000"/>
+                    </a:srgbClr>
+                  </a:outerShdw>
+                </a:effectLst>
+              </a:defRPr>
+            </a:lvl1pPr>
+          </a:lstStyle>
+          <a:p>
+            <a:r>
+              <a:rPr kumimoji="0" lang="zh-CN" altLang="en-US" smtClean="0"/>
               <a:t>单击此处编辑母版标题样式</a:t>
             </a:r>
-            <a:endParaRPr lang="zh-CN" altLang="en-US"/>
+            <a:endParaRPr kumimoji="0" lang="en-US"/>
           </a:p>
         </p:txBody>
       </p:sp>
@@ -584,48 +773,48 @@
         </p:nvSpPr>
         <p:spPr>
           <a:xfrm>
-            <a:off x="457200" y="274638"/>
-            <a:ext cx="6019800" cy="5851525"/>
+            <a:off x="457200" y="205979"/>
+            <a:ext cx="6758006" cy="4455333"/>
           </a:xfrm>
         </p:spPr>
         <p:txBody>
           <a:bodyPr vert="eaVert"/>
           <a:lstStyle/>
           <a:p>
-            <a:pPr lvl="0"/>
+            <a:pPr lvl="0" eaLnBrk="1" latinLnBrk="0" hangingPunct="1"/>
             <a:r>
               <a:rPr lang="zh-CN" altLang="en-US" smtClean="0"/>
               <a:t>单击此处编辑母版文本样式</a:t>
             </a:r>
           </a:p>
           <a:p>
-            <a:pPr lvl="1"/>
+            <a:pPr lvl="1" eaLnBrk="1" latinLnBrk="0" hangingPunct="1"/>
             <a:r>
               <a:rPr lang="zh-CN" altLang="en-US" smtClean="0"/>
               <a:t>第二级</a:t>
             </a:r>
           </a:p>
           <a:p>
-            <a:pPr lvl="2"/>
+            <a:pPr lvl="2" eaLnBrk="1" latinLnBrk="0" hangingPunct="1"/>
             <a:r>
               <a:rPr lang="zh-CN" altLang="en-US" smtClean="0"/>
               <a:t>第三级</a:t>
             </a:r>
           </a:p>
           <a:p>
-            <a:pPr lvl="3"/>
+            <a:pPr lvl="3" eaLnBrk="1" latinLnBrk="0" hangingPunct="1"/>
             <a:r>
               <a:rPr lang="zh-CN" altLang="en-US" smtClean="0"/>
               <a:t>第四级</a:t>
             </a:r>
           </a:p>
           <a:p>
-            <a:pPr lvl="4"/>
+            <a:pPr lvl="4" eaLnBrk="1" latinLnBrk="0" hangingPunct="1"/>
             <a:r>
               <a:rPr lang="zh-CN" altLang="en-US" smtClean="0"/>
               <a:t>第五级</a:t>
             </a:r>
-            <a:endParaRPr lang="zh-CN" altLang="en-US"/>
+            <a:endParaRPr kumimoji="0" lang="en-US"/>
           </a:p>
         </p:txBody>
       </p:sp>
@@ -646,7 +835,7 @@
           <a:p>
             <a:fld id="{530820CF-B880-4189-942D-D702A7CBA730}" type="datetimeFigureOut">
               <a:rPr lang="zh-CN" altLang="en-US" smtClean="0"/>
-              <a:t>2012/10/12</a:t>
+              <a:t>2017/9/28</a:t>
             </a:fld>
             <a:endParaRPr lang="zh-CN" altLang="en-US"/>
           </a:p>
@@ -694,6 +883,39 @@
           </a:p>
         </p:txBody>
       </p:sp>
+      <p:pic>
+        <p:nvPicPr>
+          <p:cNvPr id="8" name="图片 7"/>
+          <p:cNvPicPr>
+            <a:picLocks noChangeAspect="1"/>
+          </p:cNvPicPr>
+          <p:nvPr/>
+        </p:nvPicPr>
+        <p:blipFill>
+          <a:blip r:embed="rId3">
+            <a:duotone>
+              <a:schemeClr val="bg2"/>
+              <a:srgbClr val="FFF1C1"/>
+            </a:duotone>
+          </a:blip>
+          <a:stretch>
+            <a:fillRect/>
+          </a:stretch>
+        </p:blipFill>
+        <p:spPr>
+          <a:xfrm>
+            <a:off x="8135908" y="0"/>
+            <a:ext cx="1008093" cy="1071552"/>
+          </a:xfrm>
+          <a:prstGeom prst="rect">
+            <a:avLst/>
+          </a:prstGeom>
+          <a:noFill/>
+          <a:ln>
+            <a:noFill/>
+          </a:ln>
+        </p:spPr>
+      </p:pic>
     </p:spTree>
   </p:cSld>
   <p:clrMapOvr>
@@ -721,6 +943,54 @@
       </p:grpSpPr>
       <p:sp>
         <p:nvSpPr>
+          <p:cNvPr id="7" name="矩形 6"/>
+          <p:cNvSpPr/>
+          <p:nvPr/>
+        </p:nvSpPr>
+        <p:spPr>
+          <a:xfrm>
+            <a:off x="0" y="0"/>
+            <a:ext cx="669600" cy="5143500"/>
+          </a:xfrm>
+          <a:prstGeom prst="rect">
+            <a:avLst/>
+          </a:prstGeom>
+          <a:blipFill>
+            <a:blip r:embed="rId2">
+              <a:alphaModFix amt="40000"/>
+            </a:blip>
+            <a:tile tx="0" ty="0" sx="50000" sy="50000" flip="x" algn="tl"/>
+          </a:blipFill>
+          <a:ln w="25400" cap="rnd" cmpd="sng" algn="ctr">
+            <a:noFill/>
+            <a:prstDash val="solid"/>
+          </a:ln>
+        </p:spPr>
+        <p:style>
+          <a:lnRef idx="2">
+            <a:schemeClr val="accent1"/>
+          </a:lnRef>
+          <a:fillRef idx="1">
+            <a:schemeClr val="accent1"/>
+          </a:fillRef>
+          <a:effectRef idx="0">
+            <a:schemeClr val="accent1"/>
+          </a:effectRef>
+          <a:fontRef idx="minor">
+            <a:schemeClr val="lt1"/>
+          </a:fontRef>
+        </p:style>
+        <p:txBody>
+          <a:bodyPr rtlCol="0" anchor="ctr"/>
+          <a:lstStyle/>
+          <a:p>
+            <a:pPr algn="ctr" eaLnBrk="1" latinLnBrk="0" hangingPunct="1"/>
+            <a:endParaRPr kumimoji="0" lang="zh-CN" altLang="en-US"/>
+          </a:p>
+        </p:txBody>
+      </p:sp>
+      <p:sp>
+        <p:nvSpPr>
           <p:cNvPr id="2" name="标题 1"/>
           <p:cNvSpPr>
             <a:spLocks noGrp="1"/>
@@ -732,13 +1002,17 @@
         <p:spPr/>
         <p:txBody>
           <a:bodyPr/>
-          <a:lstStyle/>
-          <a:p>
-            <a:r>
-              <a:rPr lang="zh-CN" altLang="en-US" smtClean="0"/>
+          <a:lstStyle>
+            <a:lvl1pPr algn="l">
+              <a:defRPr/>
+            </a:lvl1pPr>
+          </a:lstStyle>
+          <a:p>
+            <a:r>
+              <a:rPr kumimoji="0" lang="zh-CN" altLang="en-US" smtClean="0"/>
               <a:t>单击此处编辑母版标题样式</a:t>
             </a:r>
-            <a:endParaRPr lang="zh-CN" altLang="en-US"/>
+            <a:endParaRPr kumimoji="0" lang="en-US"/>
           </a:p>
         </p:txBody>
       </p:sp>
@@ -757,40 +1031,40 @@
           <a:bodyPr/>
           <a:lstStyle/>
           <a:p>
-            <a:pPr lvl="0"/>
+            <a:pPr lvl="0" eaLnBrk="1" latinLnBrk="0" hangingPunct="1"/>
             <a:r>
               <a:rPr lang="zh-CN" altLang="en-US" smtClean="0"/>
               <a:t>单击此处编辑母版文本样式</a:t>
             </a:r>
           </a:p>
           <a:p>
-            <a:pPr lvl="1"/>
+            <a:pPr lvl="1" eaLnBrk="1" latinLnBrk="0" hangingPunct="1"/>
             <a:r>
               <a:rPr lang="zh-CN" altLang="en-US" smtClean="0"/>
               <a:t>第二级</a:t>
             </a:r>
           </a:p>
           <a:p>
-            <a:pPr lvl="2"/>
+            <a:pPr lvl="2" eaLnBrk="1" latinLnBrk="0" hangingPunct="1"/>
             <a:r>
               <a:rPr lang="zh-CN" altLang="en-US" smtClean="0"/>
               <a:t>第三级</a:t>
             </a:r>
           </a:p>
           <a:p>
-            <a:pPr lvl="3"/>
+            <a:pPr lvl="3" eaLnBrk="1" latinLnBrk="0" hangingPunct="1"/>
             <a:r>
               <a:rPr lang="zh-CN" altLang="en-US" smtClean="0"/>
               <a:t>第四级</a:t>
             </a:r>
           </a:p>
           <a:p>
-            <a:pPr lvl="4"/>
+            <a:pPr lvl="4" eaLnBrk="1" latinLnBrk="0" hangingPunct="1"/>
             <a:r>
               <a:rPr lang="zh-CN" altLang="en-US" smtClean="0"/>
               <a:t>第五级</a:t>
             </a:r>
-            <a:endParaRPr lang="zh-CN" altLang="en-US"/>
+            <a:endParaRPr kumimoji="0" lang="en-US"/>
           </a:p>
         </p:txBody>
       </p:sp>
@@ -811,7 +1085,7 @@
           <a:p>
             <a:fld id="{530820CF-B880-4189-942D-D702A7CBA730}" type="datetimeFigureOut">
               <a:rPr lang="zh-CN" altLang="en-US" smtClean="0"/>
-              <a:t>2012/10/12</a:t>
+              <a:t>2017/9/28</a:t>
             </a:fld>
             <a:endParaRPr lang="zh-CN" altLang="en-US"/>
           </a:p>
@@ -859,6 +1133,39 @@
           </a:p>
         </p:txBody>
       </p:sp>
+      <p:pic>
+        <p:nvPicPr>
+          <p:cNvPr id="8" name="图片 7"/>
+          <p:cNvPicPr>
+            <a:picLocks noChangeAspect="1"/>
+          </p:cNvPicPr>
+          <p:nvPr/>
+        </p:nvPicPr>
+        <p:blipFill>
+          <a:blip r:embed="rId3">
+            <a:duotone>
+              <a:schemeClr val="bg2"/>
+              <a:srgbClr val="FFF1C1"/>
+            </a:duotone>
+          </a:blip>
+          <a:stretch>
+            <a:fillRect/>
+          </a:stretch>
+        </p:blipFill>
+        <p:spPr>
+          <a:xfrm>
+            <a:off x="8135908" y="0"/>
+            <a:ext cx="1008093" cy="1071552"/>
+          </a:xfrm>
+          <a:prstGeom prst="rect">
+            <a:avLst/>
+          </a:prstGeom>
+          <a:noFill/>
+          <a:ln>
+            <a:noFill/>
+          </a:ln>
+        </p:spPr>
+      </p:pic>
     </p:spTree>
   </p:cSld>
   <p:clrMapOvr>
@@ -870,6 +1177,11 @@
 <file path=ppt/slideLayouts/slideLayout3.xml><?xml version="1.0" encoding="utf-8"?>
 <p:sldLayout xmlns:a="http://schemas.openxmlformats.org/drawingml/2006/main" xmlns:r="http://schemas.openxmlformats.org/officeDocument/2006/relationships" xmlns:p="http://schemas.openxmlformats.org/presentationml/2006/main" type="secHead" preserve="1">
   <p:cSld name="节标题">
+    <p:bg>
+      <p:bgRef idx="1003">
+        <a:schemeClr val="bg2"/>
+      </p:bgRef>
+    </p:bg>
     <p:spTree>
       <p:nvGrpSpPr>
         <p:cNvPr id="1" name=""/>
@@ -896,8 +1208,8 @@
         </p:nvSpPr>
         <p:spPr>
           <a:xfrm>
-            <a:off x="722313" y="4406900"/>
-            <a:ext cx="7772400" cy="1362075"/>
+            <a:off x="722313" y="3107527"/>
+            <a:ext cx="7772400" cy="1021556"/>
           </a:xfrm>
         </p:spPr>
         <p:txBody>
@@ -909,10 +1221,10 @@
           </a:lstStyle>
           <a:p>
             <a:r>
-              <a:rPr lang="zh-CN" altLang="en-US" smtClean="0"/>
+              <a:rPr kumimoji="0" lang="zh-CN" altLang="en-US" smtClean="0"/>
               <a:t>单击此处编辑母版标题样式</a:t>
             </a:r>
-            <a:endParaRPr lang="zh-CN" altLang="en-US"/>
+            <a:endParaRPr kumimoji="0" lang="en-US"/>
           </a:p>
         </p:txBody>
       </p:sp>
@@ -928,8 +1240,8 @@
         </p:nvSpPr>
         <p:spPr>
           <a:xfrm>
-            <a:off x="722313" y="2906713"/>
-            <a:ext cx="7772400" cy="1500187"/>
+            <a:off x="722313" y="1982387"/>
+            <a:ext cx="7772400" cy="1125140"/>
           </a:xfrm>
         </p:spPr>
         <p:txBody>
@@ -937,52 +1249,32 @@
           <a:lstStyle>
             <a:lvl1pPr marL="0" indent="0">
               <a:buNone/>
-              <a:defRPr sz="2000">
-                <a:solidFill>
-                  <a:schemeClr val="tx1">
-                    <a:tint val="75000"/>
-                  </a:schemeClr>
-                </a:solidFill>
+              <a:defRPr lang="zh-CN" altLang="en-US" sz="2800" smtClean="0">
+                <a:effectLst/>
               </a:defRPr>
             </a:lvl1pPr>
             <a:lvl2pPr marL="457200" indent="0">
               <a:buNone/>
-              <a:defRPr sz="1800">
-                <a:solidFill>
-                  <a:schemeClr val="tx1">
-                    <a:tint val="75000"/>
-                  </a:schemeClr>
-                </a:solidFill>
+              <a:defRPr lang="zh-CN" altLang="en-US" sz="2400" smtClean="0">
+                <a:effectLst/>
               </a:defRPr>
             </a:lvl2pPr>
             <a:lvl3pPr marL="914400" indent="0">
               <a:buNone/>
-              <a:defRPr sz="1600">
-                <a:solidFill>
-                  <a:schemeClr val="tx1">
-                    <a:tint val="75000"/>
-                  </a:schemeClr>
-                </a:solidFill>
+              <a:defRPr lang="zh-CN" altLang="en-US" sz="2000" smtClean="0">
+                <a:effectLst/>
               </a:defRPr>
             </a:lvl3pPr>
             <a:lvl4pPr marL="1371600" indent="0">
               <a:buNone/>
-              <a:defRPr sz="1400">
-                <a:solidFill>
-                  <a:schemeClr val="tx1">
-                    <a:tint val="75000"/>
-                  </a:schemeClr>
-                </a:solidFill>
+              <a:defRPr lang="zh-CN" altLang="en-US" sz="1600" smtClean="0">
+                <a:effectLst/>
               </a:defRPr>
             </a:lvl4pPr>
             <a:lvl5pPr marL="1828800" indent="0">
               <a:buNone/>
-              <a:defRPr sz="1400">
-                <a:solidFill>
-                  <a:schemeClr val="tx1">
-                    <a:tint val="75000"/>
-                  </a:schemeClr>
-                </a:solidFill>
+              <a:defRPr lang="zh-CN" altLang="en-US" sz="1400" dirty="0" smtClean="0">
+                <a:effectLst/>
               </a:defRPr>
             </a:lvl5pPr>
             <a:lvl6pPr marL="2286000" indent="0">
@@ -1027,9 +1319,9 @@
             </a:lvl9pPr>
           </a:lstStyle>
           <a:p>
-            <a:pPr lvl="0"/>
-            <a:r>
-              <a:rPr lang="zh-CN" altLang="en-US" smtClean="0"/>
+            <a:pPr lvl="0" eaLnBrk="1" latinLnBrk="0" hangingPunct="1"/>
+            <a:r>
+              <a:rPr kumimoji="0" lang="zh-CN" altLang="en-US" smtClean="0"/>
               <a:t>单击此处编辑母版文本样式</a:t>
             </a:r>
           </a:p>
@@ -1052,7 +1344,7 @@
           <a:p>
             <a:fld id="{530820CF-B880-4189-942D-D702A7CBA730}" type="datetimeFigureOut">
               <a:rPr lang="zh-CN" altLang="en-US" smtClean="0"/>
-              <a:t>2012/10/12</a:t>
+              <a:t>2017/9/28</a:t>
             </a:fld>
             <a:endParaRPr lang="zh-CN" altLang="en-US"/>
           </a:p>
@@ -1100,10 +1392,44 @@
           </a:p>
         </p:txBody>
       </p:sp>
+      <p:pic>
+        <p:nvPicPr>
+          <p:cNvPr id="7" name="图片 6"/>
+          <p:cNvPicPr>
+            <a:picLocks noChangeAspect="1"/>
+          </p:cNvPicPr>
+          <p:nvPr/>
+        </p:nvPicPr>
+        <p:blipFill>
+          <a:blip r:embed="rId2">
+            <a:duotone>
+              <a:schemeClr val="bg2"/>
+              <a:srgbClr val="FFF1C1"/>
+            </a:duotone>
+            <a:lum bright="-10000" contrast="-30000"/>
+          </a:blip>
+          <a:stretch>
+            <a:fillRect/>
+          </a:stretch>
+        </p:blipFill>
+        <p:spPr>
+          <a:xfrm>
+            <a:off x="7480636" y="0"/>
+            <a:ext cx="1663364" cy="1768073"/>
+          </a:xfrm>
+          <a:prstGeom prst="rect">
+            <a:avLst/>
+          </a:prstGeom>
+          <a:noFill/>
+          <a:ln>
+            <a:noFill/>
+          </a:ln>
+        </p:spPr>
+      </p:pic>
     </p:spTree>
   </p:cSld>
   <p:clrMapOvr>
-    <a:masterClrMapping/>
+    <a:overrideClrMapping bg1="dk1" tx1="lt1" bg2="dk2" tx2="lt2" accent1="accent1" accent2="accent2" accent3="accent3" accent4="accent4" accent5="accent5" accent6="accent6" hlink="hlink" folHlink="folHlink"/>
   </p:clrMapOvr>
 </p:sldLayout>
 </file>
@@ -1127,41 +1453,89 @@
       </p:grpSpPr>
       <p:sp>
         <p:nvSpPr>
-          <p:cNvPr id="2" name="标题 1"/>
-          <p:cNvSpPr>
-            <a:spLocks noGrp="1"/>
-          </p:cNvSpPr>
-          <p:nvPr>
-            <p:ph type="title"/>
-          </p:nvPr>
-        </p:nvSpPr>
-        <p:spPr/>
-        <p:txBody>
-          <a:bodyPr/>
-          <a:lstStyle/>
-          <a:p>
-            <a:r>
-              <a:rPr lang="zh-CN" altLang="en-US" smtClean="0"/>
-              <a:t>单击此处编辑母版标题样式</a:t>
-            </a:r>
-            <a:endParaRPr lang="zh-CN" altLang="en-US"/>
-          </a:p>
-        </p:txBody>
-      </p:sp>
-      <p:sp>
-        <p:nvSpPr>
-          <p:cNvPr id="3" name="内容占位符 2"/>
-          <p:cNvSpPr>
-            <a:spLocks noGrp="1"/>
-          </p:cNvSpPr>
-          <p:nvPr>
-            <p:ph sz="half" idx="1"/>
-          </p:nvPr>
+          <p:cNvPr id="8" name="矩形 7"/>
+          <p:cNvSpPr/>
+          <p:nvPr/>
         </p:nvSpPr>
         <p:spPr>
           <a:xfrm>
-            <a:off x="457200" y="1600200"/>
-            <a:ext cx="4038600" cy="4525963"/>
+            <a:off x="0" y="0"/>
+            <a:ext cx="655200" cy="5143500"/>
+          </a:xfrm>
+          <a:prstGeom prst="rect">
+            <a:avLst/>
+          </a:prstGeom>
+          <a:blipFill>
+            <a:blip r:embed="rId2">
+              <a:alphaModFix amt="40000"/>
+            </a:blip>
+            <a:tile tx="0" ty="0" sx="50000" sy="50000" flip="x" algn="tl"/>
+          </a:blipFill>
+          <a:ln w="25400" cap="rnd" cmpd="sng" algn="ctr">
+            <a:noFill/>
+            <a:prstDash val="solid"/>
+          </a:ln>
+        </p:spPr>
+        <p:style>
+          <a:lnRef idx="2">
+            <a:schemeClr val="accent1"/>
+          </a:lnRef>
+          <a:fillRef idx="1">
+            <a:schemeClr val="accent1"/>
+          </a:fillRef>
+          <a:effectRef idx="0">
+            <a:schemeClr val="accent1"/>
+          </a:effectRef>
+          <a:fontRef idx="minor">
+            <a:schemeClr val="lt1"/>
+          </a:fontRef>
+        </p:style>
+        <p:txBody>
+          <a:bodyPr rtlCol="0" anchor="ctr"/>
+          <a:lstStyle/>
+          <a:p>
+            <a:pPr algn="ctr" eaLnBrk="1" latinLnBrk="0" hangingPunct="1"/>
+            <a:endParaRPr kumimoji="0" lang="zh-CN" altLang="en-US"/>
+          </a:p>
+        </p:txBody>
+      </p:sp>
+      <p:sp>
+        <p:nvSpPr>
+          <p:cNvPr id="2" name="标题 1"/>
+          <p:cNvSpPr>
+            <a:spLocks noGrp="1"/>
+          </p:cNvSpPr>
+          <p:nvPr>
+            <p:ph type="title"/>
+          </p:nvPr>
+        </p:nvSpPr>
+        <p:spPr/>
+        <p:txBody>
+          <a:bodyPr/>
+          <a:lstStyle/>
+          <a:p>
+            <a:r>
+              <a:rPr kumimoji="0" lang="zh-CN" altLang="en-US" smtClean="0"/>
+              <a:t>单击此处编辑母版标题样式</a:t>
+            </a:r>
+            <a:endParaRPr kumimoji="0" lang="en-US"/>
+          </a:p>
+        </p:txBody>
+      </p:sp>
+      <p:sp>
+        <p:nvSpPr>
+          <p:cNvPr id="3" name="内容占位符 2"/>
+          <p:cNvSpPr>
+            <a:spLocks noGrp="1"/>
+          </p:cNvSpPr>
+          <p:nvPr>
+            <p:ph sz="half" idx="1"/>
+          </p:nvPr>
+        </p:nvSpPr>
+        <p:spPr>
+          <a:xfrm>
+            <a:off x="457200" y="1200151"/>
+            <a:ext cx="4038600" cy="3394472"/>
           </a:xfrm>
         </p:spPr>
         <p:txBody>
@@ -1196,40 +1570,40 @@
             </a:lvl9pPr>
           </a:lstStyle>
           <a:p>
-            <a:pPr lvl="0"/>
+            <a:pPr lvl="0" eaLnBrk="1" latinLnBrk="0" hangingPunct="1"/>
             <a:r>
               <a:rPr lang="zh-CN" altLang="en-US" smtClean="0"/>
               <a:t>单击此处编辑母版文本样式</a:t>
             </a:r>
           </a:p>
           <a:p>
-            <a:pPr lvl="1"/>
+            <a:pPr lvl="1" eaLnBrk="1" latinLnBrk="0" hangingPunct="1"/>
             <a:r>
               <a:rPr lang="zh-CN" altLang="en-US" smtClean="0"/>
               <a:t>第二级</a:t>
             </a:r>
           </a:p>
           <a:p>
-            <a:pPr lvl="2"/>
+            <a:pPr lvl="2" eaLnBrk="1" latinLnBrk="0" hangingPunct="1"/>
             <a:r>
               <a:rPr lang="zh-CN" altLang="en-US" smtClean="0"/>
               <a:t>第三级</a:t>
             </a:r>
           </a:p>
           <a:p>
-            <a:pPr lvl="3"/>
+            <a:pPr lvl="3" eaLnBrk="1" latinLnBrk="0" hangingPunct="1"/>
             <a:r>
               <a:rPr lang="zh-CN" altLang="en-US" smtClean="0"/>
               <a:t>第四级</a:t>
             </a:r>
           </a:p>
           <a:p>
-            <a:pPr lvl="4"/>
+            <a:pPr lvl="4" eaLnBrk="1" latinLnBrk="0" hangingPunct="1"/>
             <a:r>
               <a:rPr lang="zh-CN" altLang="en-US" smtClean="0"/>
               <a:t>第五级</a:t>
             </a:r>
-            <a:endParaRPr lang="zh-CN" altLang="en-US"/>
+            <a:endParaRPr kumimoji="0" lang="en-US"/>
           </a:p>
         </p:txBody>
       </p:sp>
@@ -1245,8 +1619,8 @@
         </p:nvSpPr>
         <p:spPr>
           <a:xfrm>
-            <a:off x="4648200" y="1600200"/>
-            <a:ext cx="4038600" cy="4525963"/>
+            <a:off x="4648200" y="1200151"/>
+            <a:ext cx="4038600" cy="3394472"/>
           </a:xfrm>
         </p:spPr>
         <p:txBody>
@@ -1281,40 +1655,40 @@
             </a:lvl9pPr>
           </a:lstStyle>
           <a:p>
-            <a:pPr lvl="0"/>
+            <a:pPr lvl="0" eaLnBrk="1" latinLnBrk="0" hangingPunct="1"/>
             <a:r>
               <a:rPr lang="zh-CN" altLang="en-US" smtClean="0"/>
               <a:t>单击此处编辑母版文本样式</a:t>
             </a:r>
           </a:p>
           <a:p>
-            <a:pPr lvl="1"/>
+            <a:pPr lvl="1" eaLnBrk="1" latinLnBrk="0" hangingPunct="1"/>
             <a:r>
               <a:rPr lang="zh-CN" altLang="en-US" smtClean="0"/>
               <a:t>第二级</a:t>
             </a:r>
           </a:p>
           <a:p>
-            <a:pPr lvl="2"/>
+            <a:pPr lvl="2" eaLnBrk="1" latinLnBrk="0" hangingPunct="1"/>
             <a:r>
               <a:rPr lang="zh-CN" altLang="en-US" smtClean="0"/>
               <a:t>第三级</a:t>
             </a:r>
           </a:p>
           <a:p>
-            <a:pPr lvl="3"/>
+            <a:pPr lvl="3" eaLnBrk="1" latinLnBrk="0" hangingPunct="1"/>
             <a:r>
               <a:rPr lang="zh-CN" altLang="en-US" smtClean="0"/>
               <a:t>第四级</a:t>
             </a:r>
           </a:p>
           <a:p>
-            <a:pPr lvl="4"/>
+            <a:pPr lvl="4" eaLnBrk="1" latinLnBrk="0" hangingPunct="1"/>
             <a:r>
               <a:rPr lang="zh-CN" altLang="en-US" smtClean="0"/>
               <a:t>第五级</a:t>
             </a:r>
-            <a:endParaRPr lang="zh-CN" altLang="en-US"/>
+            <a:endParaRPr kumimoji="0" lang="en-US"/>
           </a:p>
         </p:txBody>
       </p:sp>
@@ -1335,7 +1709,7 @@
           <a:p>
             <a:fld id="{530820CF-B880-4189-942D-D702A7CBA730}" type="datetimeFigureOut">
               <a:rPr lang="zh-CN" altLang="en-US" smtClean="0"/>
-              <a:t>2012/10/12</a:t>
+              <a:t>2017/9/28</a:t>
             </a:fld>
             <a:endParaRPr lang="zh-CN" altLang="en-US"/>
           </a:p>
@@ -1383,6 +1757,39 @@
           </a:p>
         </p:txBody>
       </p:sp>
+      <p:pic>
+        <p:nvPicPr>
+          <p:cNvPr id="9" name="图片 8"/>
+          <p:cNvPicPr>
+            <a:picLocks noChangeAspect="1"/>
+          </p:cNvPicPr>
+          <p:nvPr/>
+        </p:nvPicPr>
+        <p:blipFill>
+          <a:blip r:embed="rId3">
+            <a:duotone>
+              <a:schemeClr val="bg2"/>
+              <a:srgbClr val="FFF1C1"/>
+            </a:duotone>
+          </a:blip>
+          <a:stretch>
+            <a:fillRect/>
+          </a:stretch>
+        </p:blipFill>
+        <p:spPr>
+          <a:xfrm>
+            <a:off x="8135908" y="0"/>
+            <a:ext cx="1008093" cy="1071552"/>
+          </a:xfrm>
+          <a:prstGeom prst="rect">
+            <a:avLst/>
+          </a:prstGeom>
+          <a:noFill/>
+          <a:ln>
+            <a:noFill/>
+          </a:ln>
+        </p:spPr>
+      </p:pic>
     </p:spTree>
   </p:cSld>
   <p:clrMapOvr>
@@ -1410,6 +1817,54 @@
       </p:grpSpPr>
       <p:sp>
         <p:nvSpPr>
+          <p:cNvPr id="10" name="矩形 9"/>
+          <p:cNvSpPr/>
+          <p:nvPr/>
+        </p:nvSpPr>
+        <p:spPr>
+          <a:xfrm>
+            <a:off x="0" y="0"/>
+            <a:ext cx="640800" cy="5143500"/>
+          </a:xfrm>
+          <a:prstGeom prst="rect">
+            <a:avLst/>
+          </a:prstGeom>
+          <a:blipFill>
+            <a:blip r:embed="rId2">
+              <a:alphaModFix amt="40000"/>
+            </a:blip>
+            <a:tile tx="0" ty="0" sx="50000" sy="50000" flip="x" algn="tl"/>
+          </a:blipFill>
+          <a:ln w="25400" cap="rnd" cmpd="sng" algn="ctr">
+            <a:noFill/>
+            <a:prstDash val="solid"/>
+          </a:ln>
+        </p:spPr>
+        <p:style>
+          <a:lnRef idx="2">
+            <a:schemeClr val="accent1"/>
+          </a:lnRef>
+          <a:fillRef idx="1">
+            <a:schemeClr val="accent1"/>
+          </a:fillRef>
+          <a:effectRef idx="0">
+            <a:schemeClr val="accent1"/>
+          </a:effectRef>
+          <a:fontRef idx="minor">
+            <a:schemeClr val="lt1"/>
+          </a:fontRef>
+        </p:style>
+        <p:txBody>
+          <a:bodyPr rtlCol="0" anchor="ctr"/>
+          <a:lstStyle/>
+          <a:p>
+            <a:pPr algn="ctr" eaLnBrk="1" latinLnBrk="0" hangingPunct="1"/>
+            <a:endParaRPr kumimoji="0" lang="zh-CN" altLang="en-US"/>
+          </a:p>
+        </p:txBody>
+      </p:sp>
+      <p:sp>
+        <p:nvSpPr>
           <p:cNvPr id="2" name="标题 1"/>
           <p:cNvSpPr>
             <a:spLocks noGrp="1"/>
@@ -1428,10 +1883,10 @@
           </a:lstStyle>
           <a:p>
             <a:r>
-              <a:rPr lang="zh-CN" altLang="en-US" smtClean="0"/>
+              <a:rPr kumimoji="0" lang="zh-CN" altLang="en-US" smtClean="0"/>
               <a:t>单击此处编辑母版标题样式</a:t>
             </a:r>
-            <a:endParaRPr lang="zh-CN" altLang="en-US"/>
+            <a:endParaRPr kumimoji="0" lang="en-US"/>
           </a:p>
         </p:txBody>
       </p:sp>
@@ -1447,8 +1902,8 @@
         </p:nvSpPr>
         <p:spPr>
           <a:xfrm>
-            <a:off x="457200" y="1535113"/>
-            <a:ext cx="4040188" cy="639762"/>
+            <a:off x="457200" y="1151335"/>
+            <a:ext cx="4040188" cy="479822"/>
           </a:xfrm>
         </p:spPr>
         <p:txBody>
@@ -1492,9 +1947,9 @@
             </a:lvl9pPr>
           </a:lstStyle>
           <a:p>
-            <a:pPr lvl="0"/>
-            <a:r>
-              <a:rPr lang="zh-CN" altLang="en-US" smtClean="0"/>
+            <a:pPr lvl="0" eaLnBrk="1" latinLnBrk="0" hangingPunct="1"/>
+            <a:r>
+              <a:rPr kumimoji="0" lang="zh-CN" altLang="en-US" smtClean="0"/>
               <a:t>单击此处编辑母版文本样式</a:t>
             </a:r>
           </a:p>
@@ -1512,8 +1967,8 @@
         </p:nvSpPr>
         <p:spPr>
           <a:xfrm>
-            <a:off x="457200" y="2174875"/>
-            <a:ext cx="4040188" cy="3951288"/>
+            <a:off x="457200" y="1631156"/>
+            <a:ext cx="4040188" cy="2963466"/>
           </a:xfrm>
         </p:spPr>
         <p:txBody>
@@ -1548,40 +2003,40 @@
             </a:lvl9pPr>
           </a:lstStyle>
           <a:p>
-            <a:pPr lvl="0"/>
+            <a:pPr lvl="0" eaLnBrk="1" latinLnBrk="0" hangingPunct="1"/>
             <a:r>
               <a:rPr lang="zh-CN" altLang="en-US" smtClean="0"/>
               <a:t>单击此处编辑母版文本样式</a:t>
             </a:r>
           </a:p>
           <a:p>
-            <a:pPr lvl="1"/>
+            <a:pPr lvl="1" eaLnBrk="1" latinLnBrk="0" hangingPunct="1"/>
             <a:r>
               <a:rPr lang="zh-CN" altLang="en-US" smtClean="0"/>
               <a:t>第二级</a:t>
             </a:r>
           </a:p>
           <a:p>
-            <a:pPr lvl="2"/>
+            <a:pPr lvl="2" eaLnBrk="1" latinLnBrk="0" hangingPunct="1"/>
             <a:r>
               <a:rPr lang="zh-CN" altLang="en-US" smtClean="0"/>
               <a:t>第三级</a:t>
             </a:r>
           </a:p>
           <a:p>
-            <a:pPr lvl="3"/>
+            <a:pPr lvl="3" eaLnBrk="1" latinLnBrk="0" hangingPunct="1"/>
             <a:r>
               <a:rPr lang="zh-CN" altLang="en-US" smtClean="0"/>
               <a:t>第四级</a:t>
             </a:r>
           </a:p>
           <a:p>
-            <a:pPr lvl="4"/>
+            <a:pPr lvl="4" eaLnBrk="1" latinLnBrk="0" hangingPunct="1"/>
             <a:r>
               <a:rPr lang="zh-CN" altLang="en-US" smtClean="0"/>
               <a:t>第五级</a:t>
             </a:r>
-            <a:endParaRPr lang="zh-CN" altLang="en-US"/>
+            <a:endParaRPr kumimoji="0" lang="en-US"/>
           </a:p>
         </p:txBody>
       </p:sp>
@@ -1597,8 +2052,8 @@
         </p:nvSpPr>
         <p:spPr>
           <a:xfrm>
-            <a:off x="4645025" y="1535113"/>
-            <a:ext cx="4041775" cy="639762"/>
+            <a:off x="4645026" y="1151335"/>
+            <a:ext cx="4041775" cy="479822"/>
           </a:xfrm>
         </p:spPr>
         <p:txBody>
@@ -1642,9 +2097,9 @@
             </a:lvl9pPr>
           </a:lstStyle>
           <a:p>
-            <a:pPr lvl="0"/>
-            <a:r>
-              <a:rPr lang="zh-CN" altLang="en-US" smtClean="0"/>
+            <a:pPr lvl="0" eaLnBrk="1" latinLnBrk="0" hangingPunct="1"/>
+            <a:r>
+              <a:rPr kumimoji="0" lang="zh-CN" altLang="en-US" smtClean="0"/>
               <a:t>单击此处编辑母版文本样式</a:t>
             </a:r>
           </a:p>
@@ -1662,8 +2117,8 @@
         </p:nvSpPr>
         <p:spPr>
           <a:xfrm>
-            <a:off x="4645025" y="2174875"/>
-            <a:ext cx="4041775" cy="3951288"/>
+            <a:off x="4645026" y="1631156"/>
+            <a:ext cx="4041775" cy="2963466"/>
           </a:xfrm>
         </p:spPr>
         <p:txBody>
@@ -1698,40 +2153,40 @@
             </a:lvl9pPr>
           </a:lstStyle>
           <a:p>
-            <a:pPr lvl="0"/>
+            <a:pPr lvl="0" eaLnBrk="1" latinLnBrk="0" hangingPunct="1"/>
             <a:r>
               <a:rPr lang="zh-CN" altLang="en-US" smtClean="0"/>
               <a:t>单击此处编辑母版文本样式</a:t>
             </a:r>
           </a:p>
           <a:p>
-            <a:pPr lvl="1"/>
+            <a:pPr lvl="1" eaLnBrk="1" latinLnBrk="0" hangingPunct="1"/>
             <a:r>
               <a:rPr lang="zh-CN" altLang="en-US" smtClean="0"/>
               <a:t>第二级</a:t>
             </a:r>
           </a:p>
           <a:p>
-            <a:pPr lvl="2"/>
+            <a:pPr lvl="2" eaLnBrk="1" latinLnBrk="0" hangingPunct="1"/>
             <a:r>
               <a:rPr lang="zh-CN" altLang="en-US" smtClean="0"/>
               <a:t>第三级</a:t>
             </a:r>
           </a:p>
           <a:p>
-            <a:pPr lvl="3"/>
+            <a:pPr lvl="3" eaLnBrk="1" latinLnBrk="0" hangingPunct="1"/>
             <a:r>
               <a:rPr lang="zh-CN" altLang="en-US" smtClean="0"/>
               <a:t>第四级</a:t>
             </a:r>
           </a:p>
           <a:p>
-            <a:pPr lvl="4"/>
+            <a:pPr lvl="4" eaLnBrk="1" latinLnBrk="0" hangingPunct="1"/>
             <a:r>
               <a:rPr lang="zh-CN" altLang="en-US" smtClean="0"/>
               <a:t>第五级</a:t>
             </a:r>
-            <a:endParaRPr lang="zh-CN" altLang="en-US"/>
+            <a:endParaRPr kumimoji="0" lang="en-US"/>
           </a:p>
         </p:txBody>
       </p:sp>
@@ -1752,7 +2207,7 @@
           <a:p>
             <a:fld id="{530820CF-B880-4189-942D-D702A7CBA730}" type="datetimeFigureOut">
               <a:rPr lang="zh-CN" altLang="en-US" smtClean="0"/>
-              <a:t>2012/10/12</a:t>
+              <a:t>2017/9/28</a:t>
             </a:fld>
             <a:endParaRPr lang="zh-CN" altLang="en-US"/>
           </a:p>
@@ -1800,6 +2255,39 @@
           </a:p>
         </p:txBody>
       </p:sp>
+      <p:pic>
+        <p:nvPicPr>
+          <p:cNvPr id="11" name="图片 10"/>
+          <p:cNvPicPr>
+            <a:picLocks noChangeAspect="1"/>
+          </p:cNvPicPr>
+          <p:nvPr/>
+        </p:nvPicPr>
+        <p:blipFill>
+          <a:blip r:embed="rId3">
+            <a:duotone>
+              <a:schemeClr val="bg2"/>
+              <a:srgbClr val="FFF1C1"/>
+            </a:duotone>
+          </a:blip>
+          <a:stretch>
+            <a:fillRect/>
+          </a:stretch>
+        </p:blipFill>
+        <p:spPr>
+          <a:xfrm>
+            <a:off x="8135908" y="0"/>
+            <a:ext cx="1008093" cy="1071552"/>
+          </a:xfrm>
+          <a:prstGeom prst="rect">
+            <a:avLst/>
+          </a:prstGeom>
+          <a:noFill/>
+          <a:ln>
+            <a:noFill/>
+          </a:ln>
+        </p:spPr>
+      </p:pic>
     </p:spTree>
   </p:cSld>
   <p:clrMapOvr>
@@ -1827,6 +2315,54 @@
       </p:grpSpPr>
       <p:sp>
         <p:nvSpPr>
+          <p:cNvPr id="6" name="矩形 5"/>
+          <p:cNvSpPr/>
+          <p:nvPr/>
+        </p:nvSpPr>
+        <p:spPr>
+          <a:xfrm>
+            <a:off x="0" y="0"/>
+            <a:ext cx="669600" cy="5143500"/>
+          </a:xfrm>
+          <a:prstGeom prst="rect">
+            <a:avLst/>
+          </a:prstGeom>
+          <a:blipFill>
+            <a:blip r:embed="rId2">
+              <a:alphaModFix amt="40000"/>
+            </a:blip>
+            <a:tile tx="0" ty="0" sx="50000" sy="50000" flip="x" algn="tl"/>
+          </a:blipFill>
+          <a:ln w="25400" cap="rnd" cmpd="sng" algn="ctr">
+            <a:noFill/>
+            <a:prstDash val="solid"/>
+          </a:ln>
+        </p:spPr>
+        <p:style>
+          <a:lnRef idx="2">
+            <a:schemeClr val="accent1"/>
+          </a:lnRef>
+          <a:fillRef idx="1">
+            <a:schemeClr val="accent1"/>
+          </a:fillRef>
+          <a:effectRef idx="0">
+            <a:schemeClr val="accent1"/>
+          </a:effectRef>
+          <a:fontRef idx="minor">
+            <a:schemeClr val="lt1"/>
+          </a:fontRef>
+        </p:style>
+        <p:txBody>
+          <a:bodyPr rtlCol="0" anchor="ctr"/>
+          <a:lstStyle/>
+          <a:p>
+            <a:pPr algn="ctr" eaLnBrk="1" latinLnBrk="0" hangingPunct="1"/>
+            <a:endParaRPr kumimoji="0" lang="zh-CN" altLang="en-US"/>
+          </a:p>
+        </p:txBody>
+      </p:sp>
+      <p:sp>
+        <p:nvSpPr>
           <p:cNvPr id="2" name="标题 1"/>
           <p:cNvSpPr>
             <a:spLocks noGrp="1"/>
@@ -1841,10 +2377,10 @@
           <a:lstStyle/>
           <a:p>
             <a:r>
-              <a:rPr lang="zh-CN" altLang="en-US" smtClean="0"/>
+              <a:rPr kumimoji="0" lang="zh-CN" altLang="en-US" smtClean="0"/>
               <a:t>单击此处编辑母版标题样式</a:t>
             </a:r>
-            <a:endParaRPr lang="zh-CN" altLang="en-US"/>
+            <a:endParaRPr kumimoji="0" lang="en-US"/>
           </a:p>
         </p:txBody>
       </p:sp>
@@ -1865,7 +2401,7 @@
           <a:p>
             <a:fld id="{530820CF-B880-4189-942D-D702A7CBA730}" type="datetimeFigureOut">
               <a:rPr lang="zh-CN" altLang="en-US" smtClean="0"/>
-              <a:t>2012/10/12</a:t>
+              <a:t>2017/9/28</a:t>
             </a:fld>
             <a:endParaRPr lang="zh-CN" altLang="en-US"/>
           </a:p>
@@ -1913,6 +2449,39 @@
           </a:p>
         </p:txBody>
       </p:sp>
+      <p:pic>
+        <p:nvPicPr>
+          <p:cNvPr id="7" name="图片 6"/>
+          <p:cNvPicPr>
+            <a:picLocks noChangeAspect="1"/>
+          </p:cNvPicPr>
+          <p:nvPr/>
+        </p:nvPicPr>
+        <p:blipFill>
+          <a:blip r:embed="rId3">
+            <a:duotone>
+              <a:schemeClr val="bg2"/>
+              <a:srgbClr val="FFF1C1"/>
+            </a:duotone>
+          </a:blip>
+          <a:stretch>
+            <a:fillRect/>
+          </a:stretch>
+        </p:blipFill>
+        <p:spPr>
+          <a:xfrm>
+            <a:off x="8135908" y="0"/>
+            <a:ext cx="1008093" cy="1071552"/>
+          </a:xfrm>
+          <a:prstGeom prst="rect">
+            <a:avLst/>
+          </a:prstGeom>
+          <a:noFill/>
+          <a:ln>
+            <a:noFill/>
+          </a:ln>
+        </p:spPr>
+      </p:pic>
     </p:spTree>
   </p:cSld>
   <p:clrMapOvr>
@@ -1940,6 +2509,54 @@
       </p:grpSpPr>
       <p:sp>
         <p:nvSpPr>
+          <p:cNvPr id="5" name="矩形 4"/>
+          <p:cNvSpPr/>
+          <p:nvPr/>
+        </p:nvSpPr>
+        <p:spPr>
+          <a:xfrm>
+            <a:off x="0" y="0"/>
+            <a:ext cx="669600" cy="5143500"/>
+          </a:xfrm>
+          <a:prstGeom prst="rect">
+            <a:avLst/>
+          </a:prstGeom>
+          <a:blipFill>
+            <a:blip r:embed="rId2">
+              <a:alphaModFix amt="40000"/>
+            </a:blip>
+            <a:tile tx="0" ty="0" sx="50000" sy="50000" flip="x" algn="tl"/>
+          </a:blipFill>
+          <a:ln w="25400" cap="rnd" cmpd="sng" algn="ctr">
+            <a:noFill/>
+            <a:prstDash val="solid"/>
+          </a:ln>
+        </p:spPr>
+        <p:style>
+          <a:lnRef idx="2">
+            <a:schemeClr val="accent1"/>
+          </a:lnRef>
+          <a:fillRef idx="1">
+            <a:schemeClr val="accent1"/>
+          </a:fillRef>
+          <a:effectRef idx="0">
+            <a:schemeClr val="accent1"/>
+          </a:effectRef>
+          <a:fontRef idx="minor">
+            <a:schemeClr val="lt1"/>
+          </a:fontRef>
+        </p:style>
+        <p:txBody>
+          <a:bodyPr rtlCol="0" anchor="ctr"/>
+          <a:lstStyle/>
+          <a:p>
+            <a:pPr algn="ctr" eaLnBrk="1" latinLnBrk="0" hangingPunct="1"/>
+            <a:endParaRPr kumimoji="0" lang="zh-CN" altLang="en-US"/>
+          </a:p>
+        </p:txBody>
+      </p:sp>
+      <p:sp>
+        <p:nvSpPr>
           <p:cNvPr id="2" name="日期占位符 1"/>
           <p:cNvSpPr>
             <a:spLocks noGrp="1"/>
@@ -1955,7 +2572,7 @@
           <a:p>
             <a:fld id="{530820CF-B880-4189-942D-D702A7CBA730}" type="datetimeFigureOut">
               <a:rPr lang="zh-CN" altLang="en-US" smtClean="0"/>
-              <a:t>2012/10/12</a:t>
+              <a:t>2017/9/28</a:t>
             </a:fld>
             <a:endParaRPr lang="zh-CN" altLang="en-US"/>
           </a:p>
@@ -2003,6 +2620,39 @@
           </a:p>
         </p:txBody>
       </p:sp>
+      <p:pic>
+        <p:nvPicPr>
+          <p:cNvPr id="6" name="图片 5"/>
+          <p:cNvPicPr>
+            <a:picLocks noChangeAspect="1"/>
+          </p:cNvPicPr>
+          <p:nvPr/>
+        </p:nvPicPr>
+        <p:blipFill>
+          <a:blip r:embed="rId3">
+            <a:duotone>
+              <a:schemeClr val="bg2"/>
+              <a:srgbClr val="FFF1C1"/>
+            </a:duotone>
+          </a:blip>
+          <a:stretch>
+            <a:fillRect/>
+          </a:stretch>
+        </p:blipFill>
+        <p:spPr>
+          <a:xfrm>
+            <a:off x="8135908" y="0"/>
+            <a:ext cx="1008093" cy="1071552"/>
+          </a:xfrm>
+          <a:prstGeom prst="rect">
+            <a:avLst/>
+          </a:prstGeom>
+          <a:noFill/>
+          <a:ln>
+            <a:noFill/>
+          </a:ln>
+        </p:spPr>
+      </p:pic>
     </p:spTree>
   </p:cSld>
   <p:clrMapOvr>
@@ -2030,33 +2680,99 @@
       </p:grpSpPr>
       <p:sp>
         <p:nvSpPr>
-          <p:cNvPr id="2" name="标题 1"/>
-          <p:cNvSpPr>
-            <a:spLocks noGrp="1"/>
-          </p:cNvSpPr>
-          <p:nvPr>
-            <p:ph type="title"/>
-          </p:nvPr>
+          <p:cNvPr id="8" name="矩形 7"/>
+          <p:cNvSpPr/>
+          <p:nvPr/>
         </p:nvSpPr>
         <p:spPr>
           <a:xfrm>
-            <a:off x="457200" y="273050"/>
-            <a:ext cx="3008313" cy="1162050"/>
+            <a:off x="0" y="0"/>
+            <a:ext cx="673200" cy="5143500"/>
+          </a:xfrm>
+          <a:prstGeom prst="rect">
+            <a:avLst/>
+          </a:prstGeom>
+          <a:blipFill>
+            <a:blip r:embed="rId2">
+              <a:alphaModFix amt="40000"/>
+            </a:blip>
+            <a:tile tx="0" ty="0" sx="50000" sy="50000" flip="x" algn="tl"/>
+          </a:blipFill>
+          <a:ln w="25400" cap="rnd" cmpd="sng" algn="ctr">
+            <a:noFill/>
+            <a:prstDash val="solid"/>
+          </a:ln>
+        </p:spPr>
+        <p:style>
+          <a:lnRef idx="2">
+            <a:schemeClr val="accent1"/>
+          </a:lnRef>
+          <a:fillRef idx="1">
+            <a:schemeClr val="accent1"/>
+          </a:fillRef>
+          <a:effectRef idx="0">
+            <a:schemeClr val="accent1"/>
+          </a:effectRef>
+          <a:fontRef idx="minor">
+            <a:schemeClr val="lt1"/>
+          </a:fontRef>
+        </p:style>
+        <p:txBody>
+          <a:bodyPr rtlCol="0" anchor="ctr"/>
+          <a:lstStyle/>
+          <a:p>
+            <a:pPr algn="ctr" eaLnBrk="1" latinLnBrk="0" hangingPunct="1"/>
+            <a:endParaRPr kumimoji="0" lang="zh-CN" altLang="en-US"/>
+          </a:p>
+        </p:txBody>
+      </p:sp>
+      <p:sp>
+        <p:nvSpPr>
+          <p:cNvPr id="2" name="标题 1"/>
+          <p:cNvSpPr>
+            <a:spLocks noGrp="1"/>
+          </p:cNvSpPr>
+          <p:nvPr>
+            <p:ph type="title"/>
+          </p:nvPr>
+        </p:nvSpPr>
+        <p:spPr>
+          <a:xfrm>
+            <a:off x="461176" y="4018370"/>
+            <a:ext cx="8226225" cy="576021"/>
           </a:xfrm>
         </p:spPr>
         <p:txBody>
-          <a:bodyPr anchor="b"/>
+          <a:bodyPr anchor="ctr"/>
           <a:lstStyle>
-            <a:lvl1pPr algn="l">
-              <a:defRPr sz="2000" b="1"/>
+            <a:lvl1pPr algn="ctr">
+              <a:defRPr lang="zh-CN" altLang="en-US" sz="3600" b="0" kern="1200" spc="50" dirty="0">
+                <a:ln w="12700">
+                  <a:noFill/>
+                  <a:prstDash val="solid"/>
+                </a:ln>
+                <a:solidFill>
+                  <a:schemeClr val="accent4"/>
+                </a:solidFill>
+                <a:effectLst>
+                  <a:outerShdw blurRad="38100" dist="20320" dir="2700000" algn="tl" rotWithShape="0">
+                    <a:srgbClr val="000000">
+                      <a:alpha val="70000"/>
+                    </a:srgbClr>
+                  </a:outerShdw>
+                </a:effectLst>
+                <a:latin typeface="+mj-lt"/>
+                <a:ea typeface="+mj-ea"/>
+                <a:cs typeface="+mj-cs"/>
+              </a:defRPr>
             </a:lvl1pPr>
           </a:lstStyle>
           <a:p>
             <a:r>
-              <a:rPr lang="zh-CN" altLang="en-US" smtClean="0"/>
+              <a:rPr kumimoji="0" lang="zh-CN" altLang="en-US" smtClean="0"/>
               <a:t>单击此处编辑母版标题样式</a:t>
             </a:r>
-            <a:endParaRPr lang="zh-CN" altLang="en-US"/>
+            <a:endParaRPr kumimoji="0" lang="en-US"/>
           </a:p>
         </p:txBody>
       </p:sp>
@@ -2072,8 +2788,8 @@
         </p:nvSpPr>
         <p:spPr>
           <a:xfrm>
-            <a:off x="3575050" y="273050"/>
-            <a:ext cx="5111750" cy="5853113"/>
+            <a:off x="460382" y="321453"/>
+            <a:ext cx="5111750" cy="3643339"/>
           </a:xfrm>
         </p:spPr>
         <p:txBody>
@@ -2108,40 +2824,40 @@
             </a:lvl9pPr>
           </a:lstStyle>
           <a:p>
-            <a:pPr lvl="0"/>
+            <a:pPr lvl="0" eaLnBrk="1" latinLnBrk="0" hangingPunct="1"/>
             <a:r>
               <a:rPr lang="zh-CN" altLang="en-US" smtClean="0"/>
               <a:t>单击此处编辑母版文本样式</a:t>
             </a:r>
           </a:p>
           <a:p>
-            <a:pPr lvl="1"/>
+            <a:pPr lvl="1" eaLnBrk="1" latinLnBrk="0" hangingPunct="1"/>
             <a:r>
               <a:rPr lang="zh-CN" altLang="en-US" smtClean="0"/>
               <a:t>第二级</a:t>
             </a:r>
           </a:p>
           <a:p>
-            <a:pPr lvl="2"/>
+            <a:pPr lvl="2" eaLnBrk="1" latinLnBrk="0" hangingPunct="1"/>
             <a:r>
               <a:rPr lang="zh-CN" altLang="en-US" smtClean="0"/>
               <a:t>第三级</a:t>
             </a:r>
           </a:p>
           <a:p>
-            <a:pPr lvl="3"/>
+            <a:pPr lvl="3" eaLnBrk="1" latinLnBrk="0" hangingPunct="1"/>
             <a:r>
               <a:rPr lang="zh-CN" altLang="en-US" smtClean="0"/>
               <a:t>第四级</a:t>
             </a:r>
           </a:p>
           <a:p>
-            <a:pPr lvl="4"/>
+            <a:pPr lvl="4" eaLnBrk="1" latinLnBrk="0" hangingPunct="1"/>
             <a:r>
               <a:rPr lang="zh-CN" altLang="en-US" smtClean="0"/>
               <a:t>第五级</a:t>
             </a:r>
-            <a:endParaRPr lang="zh-CN" altLang="en-US"/>
+            <a:endParaRPr kumimoji="0" lang="en-US"/>
           </a:p>
         </p:txBody>
       </p:sp>
@@ -2157,8 +2873,8 @@
         </p:nvSpPr>
         <p:spPr>
           <a:xfrm>
-            <a:off x="457200" y="1435100"/>
-            <a:ext cx="3008313" cy="4691063"/>
+            <a:off x="5679087" y="1017973"/>
+            <a:ext cx="3008313" cy="2946818"/>
           </a:xfrm>
         </p:spPr>
         <p:txBody>
@@ -2202,12 +2918,41 @@
             </a:lvl9pPr>
           </a:lstStyle>
           <a:p>
-            <a:pPr lvl="0"/>
+            <a:pPr lvl="0" eaLnBrk="1" latinLnBrk="0" hangingPunct="1"/>
             <a:r>
               <a:rPr lang="zh-CN" altLang="en-US" smtClean="0"/>
               <a:t>单击此处编辑母版文本样式</a:t>
             </a:r>
           </a:p>
+          <a:p>
+            <a:pPr lvl="1" eaLnBrk="1" latinLnBrk="0" hangingPunct="1"/>
+            <a:r>
+              <a:rPr lang="zh-CN" altLang="en-US" smtClean="0"/>
+              <a:t>第二级</a:t>
+            </a:r>
+          </a:p>
+          <a:p>
+            <a:pPr lvl="2" eaLnBrk="1" latinLnBrk="0" hangingPunct="1"/>
+            <a:r>
+              <a:rPr lang="zh-CN" altLang="en-US" smtClean="0"/>
+              <a:t>第三级</a:t>
+            </a:r>
+          </a:p>
+          <a:p>
+            <a:pPr lvl="3" eaLnBrk="1" latinLnBrk="0" hangingPunct="1"/>
+            <a:r>
+              <a:rPr lang="zh-CN" altLang="en-US" smtClean="0"/>
+              <a:t>第四级</a:t>
+            </a:r>
+          </a:p>
+          <a:p>
+            <a:pPr lvl="4" eaLnBrk="1" latinLnBrk="0" hangingPunct="1"/>
+            <a:r>
+              <a:rPr lang="zh-CN" altLang="en-US" smtClean="0"/>
+              <a:t>第五级</a:t>
+            </a:r>
+            <a:endParaRPr kumimoji="0" lang="en-US"/>
+          </a:p>
         </p:txBody>
       </p:sp>
       <p:sp>
@@ -2227,7 +2972,7 @@
           <a:p>
             <a:fld id="{530820CF-B880-4189-942D-D702A7CBA730}" type="datetimeFigureOut">
               <a:rPr lang="zh-CN" altLang="en-US" smtClean="0"/>
-              <a:t>2012/10/12</a:t>
+              <a:t>2017/9/28</a:t>
             </a:fld>
             <a:endParaRPr lang="zh-CN" altLang="en-US"/>
           </a:p>
@@ -2275,6 +3020,39 @@
           </a:p>
         </p:txBody>
       </p:sp>
+      <p:pic>
+        <p:nvPicPr>
+          <p:cNvPr id="9" name="图片 8"/>
+          <p:cNvPicPr>
+            <a:picLocks noChangeAspect="1"/>
+          </p:cNvPicPr>
+          <p:nvPr/>
+        </p:nvPicPr>
+        <p:blipFill>
+          <a:blip r:embed="rId3">
+            <a:duotone>
+              <a:schemeClr val="bg2"/>
+              <a:srgbClr val="FFF1C1"/>
+            </a:duotone>
+          </a:blip>
+          <a:stretch>
+            <a:fillRect/>
+          </a:stretch>
+        </p:blipFill>
+        <p:spPr>
+          <a:xfrm>
+            <a:off x="8135908" y="0"/>
+            <a:ext cx="1008093" cy="1071552"/>
+          </a:xfrm>
+          <a:prstGeom prst="rect">
+            <a:avLst/>
+          </a:prstGeom>
+          <a:noFill/>
+          <a:ln>
+            <a:noFill/>
+          </a:ln>
+        </p:spPr>
+      </p:pic>
     </p:spTree>
   </p:cSld>
   <p:clrMapOvr>
@@ -2302,33 +3080,103 @@
       </p:grpSpPr>
       <p:sp>
         <p:nvSpPr>
-          <p:cNvPr id="2" name="标题 1"/>
-          <p:cNvSpPr>
-            <a:spLocks noGrp="1"/>
-          </p:cNvSpPr>
-          <p:nvPr>
-            <p:ph type="title"/>
-          </p:nvPr>
+          <p:cNvPr id="8" name="矩形 7"/>
+          <p:cNvSpPr/>
+          <p:nvPr/>
         </p:nvSpPr>
         <p:spPr>
           <a:xfrm>
-            <a:off x="1792288" y="4800600"/>
-            <a:ext cx="5486400" cy="566738"/>
+            <a:off x="0" y="0"/>
+            <a:ext cx="669600" cy="5143500"/>
+          </a:xfrm>
+          <a:prstGeom prst="rect">
+            <a:avLst/>
+          </a:prstGeom>
+          <a:blipFill>
+            <a:blip r:embed="rId2">
+              <a:alphaModFix amt="40000"/>
+            </a:blip>
+            <a:tile tx="0" ty="0" sx="50000" sy="50000" flip="x" algn="tl"/>
+          </a:blipFill>
+          <a:ln w="25400" cap="rnd" cmpd="sng" algn="ctr">
+            <a:noFill/>
+            <a:prstDash val="solid"/>
+          </a:ln>
+        </p:spPr>
+        <p:style>
+          <a:lnRef idx="2">
+            <a:schemeClr val="accent1"/>
+          </a:lnRef>
+          <a:fillRef idx="1">
+            <a:schemeClr val="accent1"/>
+          </a:fillRef>
+          <a:effectRef idx="0">
+            <a:schemeClr val="accent1"/>
+          </a:effectRef>
+          <a:fontRef idx="minor">
+            <a:schemeClr val="lt1"/>
+          </a:fontRef>
+        </p:style>
+        <p:txBody>
+          <a:bodyPr rtlCol="0" anchor="ctr"/>
+          <a:lstStyle/>
+          <a:p>
+            <a:pPr algn="ctr" eaLnBrk="1" latinLnBrk="0" hangingPunct="1"/>
+            <a:endParaRPr kumimoji="0" lang="zh-CN" altLang="en-US"/>
+          </a:p>
+        </p:txBody>
+      </p:sp>
+      <p:sp>
+        <p:nvSpPr>
+          <p:cNvPr id="2" name="标题 1"/>
+          <p:cNvSpPr>
+            <a:spLocks noGrp="1"/>
+          </p:cNvSpPr>
+          <p:nvPr>
+            <p:ph type="title"/>
+          </p:nvPr>
+        </p:nvSpPr>
+        <p:spPr>
+          <a:xfrm>
+            <a:off x="695298" y="160718"/>
+            <a:ext cx="7448602" cy="585789"/>
           </a:xfrm>
         </p:spPr>
         <p:txBody>
-          <a:bodyPr anchor="b"/>
+          <a:bodyPr anchor="ctr"/>
           <a:lstStyle>
-            <a:lvl1pPr algn="l">
-              <a:defRPr sz="2000" b="1"/>
+            <a:lvl1pPr algn="ctr" rtl="0">
+              <a:spcBef>
+                <a:spcPct val="0"/>
+              </a:spcBef>
+              <a:buNone/>
+              <a:defRPr sz="3600" b="0" kern="1200" spc="50">
+                <a:ln w="12700">
+                  <a:noFill/>
+                  <a:prstDash val="solid"/>
+                </a:ln>
+                <a:solidFill>
+                  <a:schemeClr val="accent4"/>
+                </a:solidFill>
+                <a:effectLst>
+                  <a:outerShdw blurRad="38100" dist="20320" dir="2700000" algn="tl" rotWithShape="0">
+                    <a:srgbClr val="000000">
+                      <a:alpha val="70000"/>
+                    </a:srgbClr>
+                  </a:outerShdw>
+                </a:effectLst>
+                <a:latin typeface="+mj-lt"/>
+                <a:ea typeface="+mj-ea"/>
+                <a:cs typeface="+mj-cs"/>
+              </a:defRPr>
             </a:lvl1pPr>
           </a:lstStyle>
           <a:p>
             <a:r>
-              <a:rPr lang="zh-CN" altLang="en-US" smtClean="0"/>
+              <a:rPr kumimoji="0" lang="zh-CN" altLang="en-US" smtClean="0"/>
               <a:t>单击此处编辑母版标题样式</a:t>
             </a:r>
-            <a:endParaRPr lang="zh-CN" altLang="en-US"/>
+            <a:endParaRPr kumimoji="0" lang="en-US"/>
           </a:p>
         </p:txBody>
       </p:sp>
@@ -2344,10 +3192,30 @@
         </p:nvSpPr>
         <p:spPr>
           <a:xfrm>
-            <a:off x="1792288" y="612775"/>
-            <a:ext cx="5486400" cy="4114800"/>
+            <a:off x="681015" y="750081"/>
+            <a:ext cx="7452360" cy="3911231"/>
           </a:xfrm>
+          <a:prstGeom prst="snip2DiagRect">
+            <a:avLst>
+              <a:gd name="adj1" fmla="val 0"/>
+              <a:gd name="adj2" fmla="val 17946"/>
+            </a:avLst>
+          </a:prstGeom>
         </p:spPr>
+        <p:style>
+          <a:lnRef idx="2">
+            <a:schemeClr val="accent1"/>
+          </a:lnRef>
+          <a:fillRef idx="1">
+            <a:schemeClr val="lt1"/>
+          </a:fillRef>
+          <a:effectRef idx="0">
+            <a:schemeClr val="accent1"/>
+          </a:effectRef>
+          <a:fontRef idx="minor">
+            <a:schemeClr val="dk1"/>
+          </a:fontRef>
+        </p:style>
         <p:txBody>
           <a:bodyPr/>
           <a:lstStyle>
@@ -2389,7 +3257,11 @@
             </a:lvl9pPr>
           </a:lstStyle>
           <a:p>
-            <a:endParaRPr lang="zh-CN" altLang="en-US"/>
+            <a:r>
+              <a:rPr kumimoji="0" lang="zh-CN" altLang="en-US" smtClean="0"/>
+              <a:t>单击图标添加图片</a:t>
+            </a:r>
+            <a:endParaRPr kumimoji="0" lang="en-US"/>
           </a:p>
         </p:txBody>
       </p:sp>
@@ -2405,30 +3277,30 @@
         </p:nvSpPr>
         <p:spPr>
           <a:xfrm>
-            <a:off x="1792288" y="5367338"/>
-            <a:ext cx="5486400" cy="804862"/>
+            <a:off x="4953001" y="4682725"/>
+            <a:ext cx="3180375" cy="460775"/>
           </a:xfrm>
         </p:spPr>
         <p:txBody>
-          <a:bodyPr/>
+          <a:bodyPr anchor="t"/>
           <a:lstStyle>
-            <a:lvl1pPr marL="0" indent="0">
+            <a:lvl1pPr marL="0" indent="0" algn="r">
               <a:buNone/>
               <a:defRPr sz="1400"/>
             </a:lvl1pPr>
-            <a:lvl2pPr marL="457200" indent="0">
+            <a:lvl2pPr marL="457200" indent="0" algn="r">
               <a:buNone/>
               <a:defRPr sz="1200"/>
             </a:lvl2pPr>
-            <a:lvl3pPr marL="914400" indent="0">
+            <a:lvl3pPr marL="914400" indent="0" algn="r">
               <a:buNone/>
               <a:defRPr sz="1000"/>
             </a:lvl3pPr>
-            <a:lvl4pPr marL="1371600" indent="0">
+            <a:lvl4pPr marL="1371600" indent="0" algn="r">
               <a:buNone/>
               <a:defRPr sz="900"/>
             </a:lvl4pPr>
-            <a:lvl5pPr marL="1828800" indent="0">
+            <a:lvl5pPr marL="1828800" indent="0" algn="r">
               <a:buNone/>
               <a:defRPr sz="900"/>
             </a:lvl5pPr>
@@ -2450,9 +3322,9 @@
             </a:lvl9pPr>
           </a:lstStyle>
           <a:p>
-            <a:pPr lvl="0"/>
-            <a:r>
-              <a:rPr lang="zh-CN" altLang="en-US" smtClean="0"/>
+            <a:pPr lvl="0" eaLnBrk="1" latinLnBrk="0" hangingPunct="1"/>
+            <a:r>
+              <a:rPr kumimoji="0" lang="zh-CN" altLang="en-US" smtClean="0"/>
               <a:t>单击此处编辑母版文本样式</a:t>
             </a:r>
           </a:p>
@@ -2468,14 +3340,19 @@
             <p:ph type="dt" sz="half" idx="10"/>
           </p:nvPr>
         </p:nvSpPr>
-        <p:spPr/>
+        <p:spPr>
+          <a:xfrm>
+            <a:off x="609600" y="4869659"/>
+            <a:ext cx="1676384" cy="273844"/>
+          </a:xfrm>
+        </p:spPr>
         <p:txBody>
           <a:bodyPr/>
           <a:lstStyle/>
           <a:p>
             <a:fld id="{530820CF-B880-4189-942D-D702A7CBA730}" type="datetimeFigureOut">
               <a:rPr lang="zh-CN" altLang="en-US" smtClean="0"/>
-              <a:t>2012/10/12</a:t>
+              <a:t>2017/9/28</a:t>
             </a:fld>
             <a:endParaRPr lang="zh-CN" altLang="en-US"/>
           </a:p>
@@ -2491,7 +3368,12 @@
             <p:ph type="ftr" sz="quarter" idx="11"/>
           </p:nvPr>
         </p:nvSpPr>
-        <p:spPr/>
+        <p:spPr>
+          <a:xfrm>
+            <a:off x="2285984" y="4869657"/>
+            <a:ext cx="2643206" cy="273844"/>
+          </a:xfrm>
+        </p:spPr>
         <p:txBody>
           <a:bodyPr/>
           <a:lstStyle/>
@@ -2510,7 +3392,30 @@
             <p:ph type="sldNum" sz="quarter" idx="12"/>
           </p:nvPr>
         </p:nvSpPr>
-        <p:spPr/>
+        <p:spPr>
+          <a:xfrm>
+            <a:off x="683073" y="4010254"/>
+            <a:ext cx="871200" cy="653400"/>
+          </a:xfrm>
+          <a:prstGeom prst="rtTriangle">
+            <a:avLst/>
+          </a:prstGeom>
+          <a:noFill/>
+        </p:spPr>
+        <p:style>
+          <a:lnRef idx="2">
+            <a:schemeClr val="accent1"/>
+          </a:lnRef>
+          <a:fillRef idx="1">
+            <a:schemeClr val="lt1"/>
+          </a:fillRef>
+          <a:effectRef idx="0">
+            <a:schemeClr val="accent1"/>
+          </a:effectRef>
+          <a:fontRef idx="minor">
+            <a:schemeClr val="dk1"/>
+          </a:fontRef>
+        </p:style>
         <p:txBody>
           <a:bodyPr/>
           <a:lstStyle/>
@@ -2523,6 +3428,39 @@
           </a:p>
         </p:txBody>
       </p:sp>
+      <p:pic>
+        <p:nvPicPr>
+          <p:cNvPr id="9" name="图片 8"/>
+          <p:cNvPicPr>
+            <a:picLocks noChangeAspect="1"/>
+          </p:cNvPicPr>
+          <p:nvPr/>
+        </p:nvPicPr>
+        <p:blipFill>
+          <a:blip r:embed="rId3">
+            <a:duotone>
+              <a:schemeClr val="bg2"/>
+              <a:srgbClr val="FFF1C1"/>
+            </a:duotone>
+          </a:blip>
+          <a:stretch>
+            <a:fillRect/>
+          </a:stretch>
+        </p:blipFill>
+        <p:spPr>
+          <a:xfrm>
+            <a:off x="8135908" y="0"/>
+            <a:ext cx="1008093" cy="1071552"/>
+          </a:xfrm>
+          <a:prstGeom prst="rect">
+            <a:avLst/>
+          </a:prstGeom>
+          <a:noFill/>
+          <a:ln>
+            <a:noFill/>
+          </a:ln>
+        </p:spPr>
+      </p:pic>
     </p:spTree>
   </p:cSld>
   <p:clrMapOvr>
@@ -2536,7 +3474,7 @@
   <p:cSld>
     <p:bg>
       <p:bgRef idx="1001">
-        <a:schemeClr val="bg1"/>
+        <a:schemeClr val="bg2"/>
       </p:bgRef>
     </p:bg>
     <p:spTree>
@@ -2565,24 +3503,31 @@
         </p:nvSpPr>
         <p:spPr>
           <a:xfrm>
-            <a:off x="457200" y="274638"/>
-            <a:ext cx="8229600" cy="1143000"/>
+            <a:off x="457200" y="205979"/>
+            <a:ext cx="7776000" cy="857250"/>
           </a:xfrm>
           <a:prstGeom prst="rect">
             <a:avLst/>
           </a:prstGeom>
         </p:spPr>
         <p:txBody>
-          <a:bodyPr vert="horz" lIns="91440" tIns="45720" rIns="91440" bIns="45720" rtlCol="0" anchor="ctr">
+          <a:bodyPr vert="horz" rtlCol="0" anchor="ctr">
             <a:normAutofit/>
+            <a:scene3d>
+              <a:camera prst="orthographicFront"/>
+              <a:lightRig rig="soft" dir="t"/>
+            </a:scene3d>
+            <a:sp3d prstMaterial="matte">
+              <a:bevelT w="12700" h="12700"/>
+            </a:sp3d>
           </a:bodyPr>
           <a:lstStyle/>
           <a:p>
             <a:r>
-              <a:rPr lang="zh-CN" altLang="en-US" smtClean="0"/>
+              <a:rPr kumimoji="0" lang="zh-CN" altLang="en-US" smtClean="0"/>
               <a:t>单击此处编辑母版标题样式</a:t>
             </a:r>
-            <a:endParaRPr lang="zh-CN" altLang="en-US"/>
+            <a:endParaRPr kumimoji="0" lang="en-US"/>
           </a:p>
         </p:txBody>
       </p:sp>
@@ -2598,53 +3543,53 @@
         </p:nvSpPr>
         <p:spPr>
           <a:xfrm>
-            <a:off x="457200" y="1600200"/>
-            <a:ext cx="8229600" cy="4525963"/>
+            <a:off x="457200" y="1200151"/>
+            <a:ext cx="8229600" cy="3394472"/>
           </a:xfrm>
           <a:prstGeom prst="rect">
             <a:avLst/>
           </a:prstGeom>
         </p:spPr>
         <p:txBody>
-          <a:bodyPr vert="horz" lIns="91440" tIns="45720" rIns="91440" bIns="45720" rtlCol="0">
+          <a:bodyPr vert="horz" rtlCol="0">
             <a:normAutofit/>
           </a:bodyPr>
           <a:lstStyle/>
           <a:p>
-            <a:pPr lvl="0"/>
-            <a:r>
-              <a:rPr lang="zh-CN" altLang="en-US" smtClean="0"/>
+            <a:pPr lvl="0" eaLnBrk="1" latinLnBrk="0" hangingPunct="1"/>
+            <a:r>
+              <a:rPr kumimoji="0" lang="zh-CN" altLang="en-US" smtClean="0"/>
               <a:t>单击此处编辑母版文本样式</a:t>
             </a:r>
           </a:p>
           <a:p>
-            <a:pPr lvl="1"/>
-            <a:r>
-              <a:rPr lang="zh-CN" altLang="en-US" smtClean="0"/>
+            <a:pPr lvl="1" eaLnBrk="1" latinLnBrk="0" hangingPunct="1"/>
+            <a:r>
+              <a:rPr kumimoji="0" lang="zh-CN" altLang="en-US" smtClean="0"/>
               <a:t>第二级</a:t>
             </a:r>
           </a:p>
           <a:p>
-            <a:pPr lvl="2"/>
-            <a:r>
-              <a:rPr lang="zh-CN" altLang="en-US" smtClean="0"/>
+            <a:pPr lvl="2" eaLnBrk="1" latinLnBrk="0" hangingPunct="1"/>
+            <a:r>
+              <a:rPr kumimoji="0" lang="zh-CN" altLang="en-US" smtClean="0"/>
               <a:t>第三级</a:t>
             </a:r>
           </a:p>
           <a:p>
-            <a:pPr lvl="3"/>
-            <a:r>
-              <a:rPr lang="zh-CN" altLang="en-US" smtClean="0"/>
+            <a:pPr lvl="3" eaLnBrk="1" latinLnBrk="0" hangingPunct="1"/>
+            <a:r>
+              <a:rPr kumimoji="0" lang="zh-CN" altLang="en-US" smtClean="0"/>
               <a:t>第四级</a:t>
             </a:r>
           </a:p>
           <a:p>
-            <a:pPr lvl="4"/>
-            <a:r>
-              <a:rPr lang="zh-CN" altLang="en-US" smtClean="0"/>
+            <a:pPr lvl="4" eaLnBrk="1" latinLnBrk="0" hangingPunct="1"/>
+            <a:r>
+              <a:rPr kumimoji="0" lang="zh-CN" altLang="en-US" smtClean="0"/>
               <a:t>第五级</a:t>
             </a:r>
-            <a:endParaRPr lang="zh-CN" altLang="en-US"/>
+            <a:endParaRPr kumimoji="0" lang="en-US"/>
           </a:p>
         </p:txBody>
       </p:sp>
@@ -2660,22 +3605,20 @@
         </p:nvSpPr>
         <p:spPr>
           <a:xfrm>
-            <a:off x="457200" y="6356350"/>
-            <a:ext cx="2133600" cy="365125"/>
+            <a:off x="457200" y="4767263"/>
+            <a:ext cx="2133600" cy="273844"/>
           </a:xfrm>
           <a:prstGeom prst="rect">
             <a:avLst/>
           </a:prstGeom>
         </p:spPr>
         <p:txBody>
-          <a:bodyPr vert="horz" lIns="91440" tIns="45720" rIns="91440" bIns="45720" rtlCol="0" anchor="ctr"/>
+          <a:bodyPr vert="horz" lIns="274320" rtlCol="0" anchor="ctr"/>
           <a:lstStyle>
-            <a:lvl1pPr algn="l">
-              <a:defRPr sz="1200">
-                <a:solidFill>
-                  <a:schemeClr val="tx1">
-                    <a:tint val="75000"/>
-                  </a:schemeClr>
+            <a:lvl1pPr algn="l" eaLnBrk="1" latinLnBrk="0" hangingPunct="1">
+              <a:defRPr kumimoji="0" sz="1200">
+                <a:solidFill>
+                  <a:schemeClr val="tx1"/>
                 </a:solidFill>
               </a:defRPr>
             </a:lvl1pPr>
@@ -2683,7 +3626,7 @@
           <a:p>
             <a:fld id="{530820CF-B880-4189-942D-D702A7CBA730}" type="datetimeFigureOut">
               <a:rPr lang="zh-CN" altLang="en-US" smtClean="0"/>
-              <a:t>2012/10/12</a:t>
+              <a:t>2017/9/28</a:t>
             </a:fld>
             <a:endParaRPr lang="zh-CN" altLang="en-US"/>
           </a:p>
@@ -2701,22 +3644,20 @@
         </p:nvSpPr>
         <p:spPr>
           <a:xfrm>
-            <a:off x="3124200" y="6356350"/>
-            <a:ext cx="2895600" cy="365125"/>
+            <a:off x="3124200" y="4767263"/>
+            <a:ext cx="2895600" cy="273844"/>
           </a:xfrm>
           <a:prstGeom prst="rect">
             <a:avLst/>
           </a:prstGeom>
         </p:spPr>
         <p:txBody>
-          <a:bodyPr vert="horz" lIns="91440" tIns="45720" rIns="91440" bIns="45720" rtlCol="0" anchor="ctr"/>
+          <a:bodyPr vert="horz" rtlCol="0" anchor="ctr"/>
           <a:lstStyle>
-            <a:lvl1pPr algn="ctr">
-              <a:defRPr sz="1200">
-                <a:solidFill>
-                  <a:schemeClr val="tx1">
-                    <a:tint val="75000"/>
-                  </a:schemeClr>
+            <a:lvl1pPr algn="ctr" eaLnBrk="1" latinLnBrk="0" hangingPunct="1">
+              <a:defRPr kumimoji="0" sz="1200">
+                <a:solidFill>
+                  <a:schemeClr val="tx1"/>
                 </a:solidFill>
               </a:defRPr>
             </a:lvl1pPr>
@@ -2738,22 +3679,20 @@
         </p:nvSpPr>
         <p:spPr>
           <a:xfrm>
-            <a:off x="6553200" y="6356350"/>
-            <a:ext cx="2133600" cy="365125"/>
+            <a:off x="6553200" y="4767263"/>
+            <a:ext cx="2133600" cy="273844"/>
           </a:xfrm>
           <a:prstGeom prst="rect">
             <a:avLst/>
           </a:prstGeom>
         </p:spPr>
         <p:txBody>
-          <a:bodyPr vert="horz" lIns="91440" tIns="45720" rIns="91440" bIns="45720" rtlCol="0" anchor="ctr"/>
+          <a:bodyPr vert="horz" lIns="45720" tIns="45720" rIns="45720" rtlCol="0" anchor="ctr"/>
           <a:lstStyle>
-            <a:lvl1pPr algn="r">
-              <a:defRPr sz="1200">
-                <a:solidFill>
-                  <a:schemeClr val="tx1">
-                    <a:tint val="75000"/>
-                  </a:schemeClr>
+            <a:lvl1pPr algn="r" eaLnBrk="1" latinLnBrk="0" hangingPunct="1">
+              <a:defRPr kumimoji="0" sz="1200">
+                <a:solidFill>
+                  <a:schemeClr val="tx1"/>
                 </a:solidFill>
               </a:defRPr>
             </a:lvl1pPr>
@@ -2769,45 +3708,116 @@
       </p:sp>
     </p:spTree>
   </p:cSld>
-  <p:clrMap bg1="lt1" tx1="dk1" bg2="lt2" tx2="dk2" accent1="accent1" accent2="accent2" accent3="accent3" accent4="accent4" accent5="accent5" accent6="accent6" hlink="hlink" folHlink="folHlink"/>
+  <p:clrMap bg1="dk1" tx1="lt1" bg2="dk2" tx2="lt2" accent1="accent1" accent2="accent2" accent3="accent3" accent4="accent4" accent5="accent5" accent6="accent6" hlink="hlink" folHlink="folHlink"/>
   <p:sldLayoutIdLst>
-    <p:sldLayoutId id="2147483649" r:id="rId1"/>
-    <p:sldLayoutId id="2147483650" r:id="rId2"/>
-    <p:sldLayoutId id="2147483651" r:id="rId3"/>
-    <p:sldLayoutId id="2147483652" r:id="rId4"/>
-    <p:sldLayoutId id="2147483653" r:id="rId5"/>
-    <p:sldLayoutId id="2147483654" r:id="rId6"/>
-    <p:sldLayoutId id="2147483655" r:id="rId7"/>
-    <p:sldLayoutId id="2147483656" r:id="rId8"/>
-    <p:sldLayoutId id="2147483657" r:id="rId9"/>
-    <p:sldLayoutId id="2147483658" r:id="rId10"/>
-    <p:sldLayoutId id="2147483659" r:id="rId11"/>
+    <p:sldLayoutId id="2147483661" r:id="rId1"/>
+    <p:sldLayoutId id="2147483662" r:id="rId2"/>
+    <p:sldLayoutId id="2147483663" r:id="rId3"/>
+    <p:sldLayoutId id="2147483664" r:id="rId4"/>
+    <p:sldLayoutId id="2147483665" r:id="rId5"/>
+    <p:sldLayoutId id="2147483666" r:id="rId6"/>
+    <p:sldLayoutId id="2147483667" r:id="rId7"/>
+    <p:sldLayoutId id="2147483668" r:id="rId8"/>
+    <p:sldLayoutId id="2147483669" r:id="rId9"/>
+    <p:sldLayoutId id="2147483670" r:id="rId10"/>
+    <p:sldLayoutId id="2147483671" r:id="rId11"/>
   </p:sldLayoutIdLst>
   <p:txStyles>
     <p:titleStyle>
-      <a:lvl1pPr algn="ctr" defTabSz="914400" rtl="0" eaLnBrk="1" latinLnBrk="0" hangingPunct="1">
+      <a:lvl1pPr algn="l" rtl="0" eaLnBrk="1" latinLnBrk="0" hangingPunct="1">
         <a:spcBef>
           <a:spcPct val="0"/>
         </a:spcBef>
         <a:buNone/>
-        <a:defRPr sz="4400" kern="1200">
+        <a:defRPr kumimoji="0" lang="zh-CN" altLang="en-US" sz="4400" b="0" kern="1200" spc="50" dirty="0">
+          <a:ln w="12700">
+            <a:noFill/>
+            <a:prstDash val="solid"/>
+          </a:ln>
           <a:solidFill>
-            <a:schemeClr val="tx1"/>
+            <a:schemeClr val="accent4"/>
           </a:solidFill>
+          <a:effectLst>
+            <a:outerShdw blurRad="38100" dist="20320" dir="2700000" algn="tl" rotWithShape="0">
+              <a:srgbClr val="000000">
+                <a:alpha val="70000"/>
+              </a:srgbClr>
+            </a:outerShdw>
+          </a:effectLst>
           <a:latin typeface="+mj-lt"/>
           <a:ea typeface="+mj-ea"/>
           <a:cs typeface="+mj-cs"/>
         </a:defRPr>
       </a:lvl1pPr>
+      <a:lvl2pPr eaLnBrk="1" latinLnBrk="0" hangingPunct="1">
+        <a:defRPr kumimoji="0">
+          <a:solidFill>
+            <a:schemeClr val="tx2"/>
+          </a:solidFill>
+        </a:defRPr>
+      </a:lvl2pPr>
+      <a:lvl3pPr eaLnBrk="1" latinLnBrk="0" hangingPunct="1">
+        <a:defRPr kumimoji="0">
+          <a:solidFill>
+            <a:schemeClr val="tx2"/>
+          </a:solidFill>
+        </a:defRPr>
+      </a:lvl3pPr>
+      <a:lvl4pPr eaLnBrk="1" latinLnBrk="0" hangingPunct="1">
+        <a:defRPr kumimoji="0">
+          <a:solidFill>
+            <a:schemeClr val="tx2"/>
+          </a:solidFill>
+        </a:defRPr>
+      </a:lvl4pPr>
+      <a:lvl5pPr eaLnBrk="1" latinLnBrk="0" hangingPunct="1">
+        <a:defRPr kumimoji="0">
+          <a:solidFill>
+            <a:schemeClr val="tx2"/>
+          </a:solidFill>
+        </a:defRPr>
+      </a:lvl5pPr>
+      <a:lvl6pPr eaLnBrk="1" latinLnBrk="0" hangingPunct="1">
+        <a:defRPr kumimoji="0">
+          <a:solidFill>
+            <a:schemeClr val="tx2"/>
+          </a:solidFill>
+        </a:defRPr>
+      </a:lvl6pPr>
+      <a:lvl7pPr eaLnBrk="1" latinLnBrk="0" hangingPunct="1">
+        <a:defRPr kumimoji="0">
+          <a:solidFill>
+            <a:schemeClr val="tx2"/>
+          </a:solidFill>
+        </a:defRPr>
+      </a:lvl7pPr>
+      <a:lvl8pPr eaLnBrk="1" latinLnBrk="0" hangingPunct="1">
+        <a:defRPr kumimoji="0">
+          <a:solidFill>
+            <a:schemeClr val="tx2"/>
+          </a:solidFill>
+        </a:defRPr>
+      </a:lvl8pPr>
+      <a:lvl9pPr eaLnBrk="1" latinLnBrk="0" hangingPunct="1">
+        <a:defRPr kumimoji="0">
+          <a:solidFill>
+            <a:schemeClr val="tx2"/>
+          </a:solidFill>
+        </a:defRPr>
+      </a:lvl9pPr>
     </p:titleStyle>
     <p:bodyStyle>
-      <a:lvl1pPr marL="342900" indent="-342900" algn="l" defTabSz="914400" rtl="0" eaLnBrk="1" latinLnBrk="0" hangingPunct="1">
+      <a:lvl1pPr marL="342900" indent="-342900" algn="l" rtl="0" eaLnBrk="1" latinLnBrk="0" hangingPunct="1">
         <a:spcBef>
           <a:spcPct val="20000"/>
         </a:spcBef>
-        <a:buFont typeface="Arial" pitchFamily="34" charset="0"/>
-        <a:buChar char="•"/>
-        <a:defRPr sz="3200" kern="1200">
+        <a:buClr>
+          <a:schemeClr val="tx2"/>
+        </a:buClr>
+        <a:buSzPct val="60000"/>
+        <a:buFont typeface="Wingdings 2"/>
+        <a:buChar char=""/>
+        <a:defRPr kumimoji="0" sz="3200" kern="1200">
           <a:solidFill>
             <a:schemeClr val="tx1"/>
           </a:solidFill>
@@ -2816,13 +3826,17 @@
           <a:cs typeface="+mn-cs"/>
         </a:defRPr>
       </a:lvl1pPr>
-      <a:lvl2pPr marL="742950" indent="-285750" algn="l" defTabSz="914400" rtl="0" eaLnBrk="1" latinLnBrk="0" hangingPunct="1">
+      <a:lvl2pPr marL="742950" indent="-285750" algn="l" rtl="0" eaLnBrk="1" latinLnBrk="0" hangingPunct="1">
         <a:spcBef>
           <a:spcPct val="20000"/>
         </a:spcBef>
-        <a:buFont typeface="Arial" pitchFamily="34" charset="0"/>
-        <a:buChar char="–"/>
-        <a:defRPr sz="2800" kern="1200">
+        <a:buClr>
+          <a:schemeClr val="tx2"/>
+        </a:buClr>
+        <a:buSzPct val="60000"/>
+        <a:buFont typeface="Wingdings 2"/>
+        <a:buChar char=""/>
+        <a:defRPr kumimoji="0" sz="2800" kern="1200">
           <a:solidFill>
             <a:schemeClr val="tx1"/>
           </a:solidFill>
@@ -2831,13 +3845,17 @@
           <a:cs typeface="+mn-cs"/>
         </a:defRPr>
       </a:lvl2pPr>
-      <a:lvl3pPr marL="1143000" indent="-228600" algn="l" defTabSz="914400" rtl="0" eaLnBrk="1" latinLnBrk="0" hangingPunct="1">
+      <a:lvl3pPr marL="1143000" indent="-228600" algn="l" rtl="0" eaLnBrk="1" latinLnBrk="0" hangingPunct="1">
         <a:spcBef>
           <a:spcPct val="20000"/>
         </a:spcBef>
-        <a:buFont typeface="Arial" pitchFamily="34" charset="0"/>
-        <a:buChar char="•"/>
-        <a:defRPr sz="2400" kern="1200">
+        <a:buClr>
+          <a:schemeClr val="tx2"/>
+        </a:buClr>
+        <a:buSzPct val="60000"/>
+        <a:buFont typeface="Wingdings 2"/>
+        <a:buChar char=""/>
+        <a:defRPr kumimoji="0" sz="2400" kern="1200">
           <a:solidFill>
             <a:schemeClr val="tx1"/>
           </a:solidFill>
@@ -2846,13 +3864,17 @@
           <a:cs typeface="+mn-cs"/>
         </a:defRPr>
       </a:lvl3pPr>
-      <a:lvl4pPr marL="1600200" indent="-228600" algn="l" defTabSz="914400" rtl="0" eaLnBrk="1" latinLnBrk="0" hangingPunct="1">
+      <a:lvl4pPr marL="1600200" indent="-228600" algn="l" rtl="0" eaLnBrk="1" latinLnBrk="0" hangingPunct="1">
         <a:spcBef>
           <a:spcPct val="20000"/>
         </a:spcBef>
-        <a:buFont typeface="Arial" pitchFamily="34" charset="0"/>
-        <a:buChar char="–"/>
-        <a:defRPr sz="2000" kern="1200">
+        <a:buClr>
+          <a:schemeClr val="tx2"/>
+        </a:buClr>
+        <a:buSzPct val="60000"/>
+        <a:buFont typeface="Wingdings 2"/>
+        <a:buChar char=""/>
+        <a:defRPr kumimoji="0" sz="2000" kern="1200">
           <a:solidFill>
             <a:schemeClr val="tx1"/>
           </a:solidFill>
@@ -2861,13 +3883,17 @@
           <a:cs typeface="+mn-cs"/>
         </a:defRPr>
       </a:lvl4pPr>
-      <a:lvl5pPr marL="2057400" indent="-228600" algn="l" defTabSz="914400" rtl="0" eaLnBrk="1" latinLnBrk="0" hangingPunct="1">
+      <a:lvl5pPr marL="2057400" indent="-228600" algn="l" rtl="0" eaLnBrk="1" latinLnBrk="0" hangingPunct="1">
         <a:spcBef>
           <a:spcPct val="20000"/>
         </a:spcBef>
-        <a:buFont typeface="Arial" pitchFamily="34" charset="0"/>
-        <a:buChar char="»"/>
-        <a:defRPr sz="2000" kern="1200">
+        <a:buClr>
+          <a:schemeClr val="tx2"/>
+        </a:buClr>
+        <a:buSzPct val="60000"/>
+        <a:buFont typeface="Wingdings 2"/>
+        <a:buChar char=""/>
+        <a:defRPr kumimoji="0" sz="2000" kern="1200">
           <a:solidFill>
             <a:schemeClr val="tx1"/>
           </a:solidFill>
@@ -2876,13 +3902,13 @@
           <a:cs typeface="+mn-cs"/>
         </a:defRPr>
       </a:lvl5pPr>
-      <a:lvl6pPr marL="2514600" indent="-228600" algn="l" defTabSz="914400" rtl="0" eaLnBrk="1" latinLnBrk="0" hangingPunct="1">
+      <a:lvl6pPr marL="2514600" indent="-228600" algn="l" rtl="0" eaLnBrk="1" latinLnBrk="0" hangingPunct="1">
         <a:spcBef>
           <a:spcPct val="20000"/>
         </a:spcBef>
-        <a:buFont typeface="Arial" pitchFamily="34" charset="0"/>
+        <a:buFont typeface="Arial"/>
         <a:buChar char="•"/>
-        <a:defRPr sz="2000" kern="1200">
+        <a:defRPr kumimoji="0" sz="2000" kern="1200">
           <a:solidFill>
             <a:schemeClr val="tx1"/>
           </a:solidFill>
@@ -2891,13 +3917,13 @@
           <a:cs typeface="+mn-cs"/>
         </a:defRPr>
       </a:lvl6pPr>
-      <a:lvl7pPr marL="2971800" indent="-228600" algn="l" defTabSz="914400" rtl="0" eaLnBrk="1" latinLnBrk="0" hangingPunct="1">
+      <a:lvl7pPr marL="2971800" indent="-228600" algn="l" rtl="0" eaLnBrk="1" latinLnBrk="0" hangingPunct="1">
         <a:spcBef>
           <a:spcPct val="20000"/>
         </a:spcBef>
-        <a:buFont typeface="Arial" pitchFamily="34" charset="0"/>
+        <a:buFont typeface="Arial"/>
         <a:buChar char="•"/>
-        <a:defRPr sz="2000" kern="1200">
+        <a:defRPr kumimoji="0" sz="2000" kern="1200">
           <a:solidFill>
             <a:schemeClr val="tx1"/>
           </a:solidFill>
@@ -2906,13 +3932,13 @@
           <a:cs typeface="+mn-cs"/>
         </a:defRPr>
       </a:lvl7pPr>
-      <a:lvl8pPr marL="3429000" indent="-228600" algn="l" defTabSz="914400" rtl="0" eaLnBrk="1" latinLnBrk="0" hangingPunct="1">
+      <a:lvl8pPr marL="3429000" indent="-228600" algn="l" rtl="0" eaLnBrk="1" latinLnBrk="0" hangingPunct="1">
         <a:spcBef>
           <a:spcPct val="20000"/>
         </a:spcBef>
-        <a:buFont typeface="Arial" pitchFamily="34" charset="0"/>
+        <a:buFont typeface="Arial"/>
         <a:buChar char="•"/>
-        <a:defRPr sz="2000" kern="1200">
+        <a:defRPr kumimoji="0" sz="2000" kern="1200">
           <a:solidFill>
             <a:schemeClr val="tx1"/>
           </a:solidFill>
@@ -2921,13 +3947,13 @@
           <a:cs typeface="+mn-cs"/>
         </a:defRPr>
       </a:lvl8pPr>
-      <a:lvl9pPr marL="3886200" indent="-228600" algn="l" defTabSz="914400" rtl="0" eaLnBrk="1" latinLnBrk="0" hangingPunct="1">
+      <a:lvl9pPr marL="3886200" indent="-228600" algn="l" rtl="0" eaLnBrk="1" latinLnBrk="0" hangingPunct="1">
         <a:spcBef>
           <a:spcPct val="20000"/>
         </a:spcBef>
-        <a:buFont typeface="Arial" pitchFamily="34" charset="0"/>
+        <a:buFont typeface="Arial"/>
         <a:buChar char="•"/>
-        <a:defRPr sz="2000" kern="1200">
+        <a:defRPr kumimoji="0" sz="2000" kern="1200">
           <a:solidFill>
             <a:schemeClr val="tx1"/>
           </a:solidFill>
@@ -2938,11 +3964,8 @@
       </a:lvl9pPr>
     </p:bodyStyle>
     <p:otherStyle>
-      <a:defPPr>
-        <a:defRPr lang="zh-CN"/>
-      </a:defPPr>
-      <a:lvl1pPr marL="0" algn="l" defTabSz="914400" rtl="0" eaLnBrk="1" latinLnBrk="0" hangingPunct="1">
-        <a:defRPr sz="1800" kern="1200">
+      <a:lvl1pPr marL="0" algn="l" rtl="0" eaLnBrk="1" latinLnBrk="0" hangingPunct="1">
+        <a:defRPr kumimoji="0" kern="1200">
           <a:solidFill>
             <a:schemeClr val="tx1"/>
           </a:solidFill>
@@ -2951,8 +3974,8 @@
           <a:cs typeface="+mn-cs"/>
         </a:defRPr>
       </a:lvl1pPr>
-      <a:lvl2pPr marL="457200" algn="l" defTabSz="914400" rtl="0" eaLnBrk="1" latinLnBrk="0" hangingPunct="1">
-        <a:defRPr sz="1800" kern="1200">
+      <a:lvl2pPr marL="457200" algn="l" rtl="0" eaLnBrk="1" latinLnBrk="0" hangingPunct="1">
+        <a:defRPr kumimoji="0" kern="1200">
           <a:solidFill>
             <a:schemeClr val="tx1"/>
           </a:solidFill>
@@ -2961,8 +3984,8 @@
           <a:cs typeface="+mn-cs"/>
         </a:defRPr>
       </a:lvl2pPr>
-      <a:lvl3pPr marL="914400" algn="l" defTabSz="914400" rtl="0" eaLnBrk="1" latinLnBrk="0" hangingPunct="1">
-        <a:defRPr sz="1800" kern="1200">
+      <a:lvl3pPr marL="914400" algn="l" rtl="0" eaLnBrk="1" latinLnBrk="0" hangingPunct="1">
+        <a:defRPr kumimoji="0" kern="1200">
           <a:solidFill>
             <a:schemeClr val="tx1"/>
           </a:solidFill>
@@ -2971,8 +3994,8 @@
           <a:cs typeface="+mn-cs"/>
         </a:defRPr>
       </a:lvl3pPr>
-      <a:lvl4pPr marL="1371600" algn="l" defTabSz="914400" rtl="0" eaLnBrk="1" latinLnBrk="0" hangingPunct="1">
-        <a:defRPr sz="1800" kern="1200">
+      <a:lvl4pPr marL="1371600" algn="l" rtl="0" eaLnBrk="1" latinLnBrk="0" hangingPunct="1">
+        <a:defRPr kumimoji="0" kern="1200">
           <a:solidFill>
             <a:schemeClr val="tx1"/>
           </a:solidFill>
@@ -2981,8 +4004,8 @@
           <a:cs typeface="+mn-cs"/>
         </a:defRPr>
       </a:lvl4pPr>
-      <a:lvl5pPr marL="1828800" algn="l" defTabSz="914400" rtl="0" eaLnBrk="1" latinLnBrk="0" hangingPunct="1">
-        <a:defRPr sz="1800" kern="1200">
+      <a:lvl5pPr marL="1828800" algn="l" rtl="0" eaLnBrk="1" latinLnBrk="0" hangingPunct="1">
+        <a:defRPr kumimoji="0" kern="1200">
           <a:solidFill>
             <a:schemeClr val="tx1"/>
           </a:solidFill>
@@ -2991,8 +4014,8 @@
           <a:cs typeface="+mn-cs"/>
         </a:defRPr>
       </a:lvl5pPr>
-      <a:lvl6pPr marL="2286000" algn="l" defTabSz="914400" rtl="0" eaLnBrk="1" latinLnBrk="0" hangingPunct="1">
-        <a:defRPr sz="1800" kern="1200">
+      <a:lvl6pPr marL="2286000" algn="l" rtl="0" eaLnBrk="1" latinLnBrk="0" hangingPunct="1">
+        <a:defRPr kumimoji="0" kern="1200">
           <a:solidFill>
             <a:schemeClr val="tx1"/>
           </a:solidFill>
@@ -3001,8 +4024,8 @@
           <a:cs typeface="+mn-cs"/>
         </a:defRPr>
       </a:lvl6pPr>
-      <a:lvl7pPr marL="2743200" algn="l" defTabSz="914400" rtl="0" eaLnBrk="1" latinLnBrk="0" hangingPunct="1">
-        <a:defRPr sz="1800" kern="1200">
+      <a:lvl7pPr marL="2743200" algn="l" rtl="0" eaLnBrk="1" latinLnBrk="0" hangingPunct="1">
+        <a:defRPr kumimoji="0" kern="1200">
           <a:solidFill>
             <a:schemeClr val="tx1"/>
           </a:solidFill>
@@ -3011,8 +4034,8 @@
           <a:cs typeface="+mn-cs"/>
         </a:defRPr>
       </a:lvl7pPr>
-      <a:lvl8pPr marL="3200400" algn="l" defTabSz="914400" rtl="0" eaLnBrk="1" latinLnBrk="0" hangingPunct="1">
-        <a:defRPr sz="1800" kern="1200">
+      <a:lvl8pPr marL="3200400" algn="l" rtl="0" eaLnBrk="1" latinLnBrk="0" hangingPunct="1">
+        <a:defRPr kumimoji="0" kern="1200">
           <a:solidFill>
             <a:schemeClr val="tx1"/>
           </a:solidFill>
@@ -3021,8 +4044,8 @@
           <a:cs typeface="+mn-cs"/>
         </a:defRPr>
       </a:lvl8pPr>
-      <a:lvl9pPr marL="3657600" algn="l" defTabSz="914400" rtl="0" eaLnBrk="1" latinLnBrk="0" hangingPunct="1">
-        <a:defRPr sz="1800" kern="1200">
+      <a:lvl9pPr marL="3657600" algn="l" rtl="0" eaLnBrk="1" latinLnBrk="0" hangingPunct="1">
+        <a:defRPr kumimoji="0" kern="1200">
           <a:solidFill>
             <a:schemeClr val="tx1"/>
           </a:solidFill>
@@ -3068,6 +4091,10 @@
           <a:bodyPr/>
           <a:lstStyle/>
           <a:p>
+            <a:r>
+              <a:rPr lang="zh-CN" altLang="en-US" smtClean="0"/>
+              <a:t>建立物理仿真工程</a:t>
+            </a:r>
             <a:endParaRPr lang="zh-CN" altLang="en-US"/>
           </a:p>
         </p:txBody>
@@ -3140,16 +4167,10 @@
         </p:nvSpPr>
         <p:spPr/>
         <p:txBody>
-          <a:bodyPr>
-            <a:normAutofit/>
-          </a:bodyPr>
-          <a:lstStyle/>
-          <a:p>
-            <a:r>
-              <a:rPr lang="en-US" altLang="zh-CN" b="1" dirty="0"/>
-              <a:t>Trigger Shapes</a:t>
-            </a:r>
-            <a:endParaRPr lang="zh-CN" altLang="en-US" dirty="0"/>
+          <a:bodyPr/>
+          <a:lstStyle/>
+          <a:p>
+            <a:endParaRPr lang="zh-CN" altLang="en-US"/>
           </a:p>
         </p:txBody>
       </p:sp>
@@ -3172,151 +4193,191 @@
           </a:p>
         </p:txBody>
       </p:sp>
-      <p:pic>
-        <p:nvPicPr>
-          <p:cNvPr id="4098" name="Picture 2"/>
-          <p:cNvPicPr>
-            <a:picLocks noChangeAspect="1" noChangeArrowheads="1"/>
-          </p:cNvPicPr>
+      <p:sp>
+        <p:nvSpPr>
+          <p:cNvPr id="4" name="矩形 3"/>
+          <p:cNvSpPr/>
           <p:nvPr/>
-        </p:nvPicPr>
-        <p:blipFill>
-          <a:blip r:embed="rId2">
-            <a:extLst>
-              <a:ext uri="{28A0092B-C50C-407E-A947-70E740481C1C}">
-                <a14:useLocalDpi xmlns:a14="http://schemas.microsoft.com/office/drawing/2010/main" val="0"/>
-              </a:ext>
-            </a:extLst>
-          </a:blip>
-          <a:srcRect/>
-          <a:stretch>
-            <a:fillRect/>
-          </a:stretch>
-        </p:blipFill>
-        <p:spPr bwMode="auto">
+        </p:nvSpPr>
+        <p:spPr>
           <a:xfrm>
-            <a:off x="2218084" y="1556792"/>
-            <a:ext cx="4511675" cy="838200"/>
+            <a:off x="1259632" y="863590"/>
+            <a:ext cx="5958408" cy="2862322"/>
           </a:xfrm>
           <a:prstGeom prst="rect">
             <a:avLst/>
           </a:prstGeom>
-          <a:noFill/>
-          <a:ln>
-            <a:noFill/>
-          </a:ln>
-          <a:effectLst/>
-          <a:extLst>
-            <a:ext uri="{909E8E84-426E-40DD-AFC4-6F175D3DCCD1}">
-              <a14:hiddenFill xmlns:a14="http://schemas.microsoft.com/office/drawing/2010/main">
-                <a:solidFill>
-                  <a:schemeClr val="accent1"/>
-                </a:solidFill>
-              </a14:hiddenFill>
-            </a:ext>
-            <a:ext uri="{91240B29-F687-4F45-9708-019B960494DF}">
-              <a14:hiddenLine xmlns:a14="http://schemas.microsoft.com/office/drawing/2010/main" w="9525">
-                <a:solidFill>
-                  <a:schemeClr val="tx1"/>
-                </a:solidFill>
-                <a:miter lim="800000"/>
-                <a:headEnd/>
-                <a:tailEnd/>
-              </a14:hiddenLine>
-            </a:ext>
-            <a:ext uri="{AF507438-7753-43E0-B8FC-AC1667EBCBE1}">
-              <a14:hiddenEffects xmlns:a14="http://schemas.microsoft.com/office/drawing/2010/main">
-                <a:effectLst>
-                  <a:outerShdw dist="35921" dir="2700000" algn="ctr" rotWithShape="0">
-                    <a:schemeClr val="bg2"/>
-                  </a:outerShdw>
-                </a:effectLst>
-              </a14:hiddenEffects>
-            </a:ext>
-          </a:extLst>
         </p:spPr>
-      </p:pic>
-      <p:pic>
-        <p:nvPicPr>
-          <p:cNvPr id="4099" name="Picture 3"/>
-          <p:cNvPicPr>
-            <a:picLocks noChangeAspect="1" noChangeArrowheads="1"/>
-          </p:cNvPicPr>
-          <p:nvPr/>
-        </p:nvPicPr>
-        <p:blipFill>
-          <a:blip r:embed="rId3">
-            <a:extLst>
-              <a:ext uri="{28A0092B-C50C-407E-A947-70E740481C1C}">
-                <a14:useLocalDpi xmlns:a14="http://schemas.microsoft.com/office/drawing/2010/main" val="0"/>
-              </a:ext>
-            </a:extLst>
-          </a:blip>
-          <a:srcRect/>
-          <a:stretch>
-            <a:fillRect/>
-          </a:stretch>
-        </p:blipFill>
-        <p:spPr bwMode="auto">
-          <a:xfrm>
-            <a:off x="107502" y="2924944"/>
-            <a:ext cx="8732837" cy="2195513"/>
-          </a:xfrm>
-          <a:prstGeom prst="rect">
-            <a:avLst/>
-          </a:prstGeom>
-          <a:noFill/>
-          <a:ln>
-            <a:noFill/>
-          </a:ln>
-          <a:effectLst/>
-          <a:extLst>
-            <a:ext uri="{909E8E84-426E-40DD-AFC4-6F175D3DCCD1}">
-              <a14:hiddenFill xmlns:a14="http://schemas.microsoft.com/office/drawing/2010/main">
-                <a:solidFill>
-                  <a:schemeClr val="accent1"/>
-                </a:solidFill>
-              </a14:hiddenFill>
-            </a:ext>
-            <a:ext uri="{91240B29-F687-4F45-9708-019B960494DF}">
-              <a14:hiddenLine xmlns:a14="http://schemas.microsoft.com/office/drawing/2010/main" w="9525">
-                <a:solidFill>
-                  <a:schemeClr val="tx1"/>
-                </a:solidFill>
-                <a:miter lim="800000"/>
-                <a:headEnd/>
-                <a:tailEnd/>
-              </a14:hiddenLine>
-            </a:ext>
-            <a:ext uri="{AF507438-7753-43E0-B8FC-AC1667EBCBE1}">
-              <a14:hiddenEffects xmlns:a14="http://schemas.microsoft.com/office/drawing/2010/main">
-                <a:effectLst>
-                  <a:outerShdw dist="35921" dir="2700000" algn="ctr" rotWithShape="0">
-                    <a:schemeClr val="bg2"/>
-                  </a:outerShdw>
-                </a:effectLst>
-              </a14:hiddenEffects>
-            </a:ext>
-          </a:extLst>
-        </p:spPr>
-      </p:pic>
+        <p:txBody>
+          <a:bodyPr wrap="square">
+            <a:spAutoFit/>
+          </a:bodyPr>
+          <a:lstStyle/>
+          <a:p>
+            <a:r>
+              <a:rPr lang="en-US" altLang="zh-CN" dirty="0" err="1"/>
+              <a:t>PxShape</a:t>
+            </a:r>
+            <a:r>
+              <a:rPr lang="en-US" altLang="zh-CN" dirty="0"/>
+              <a:t>* shape = </a:t>
+            </a:r>
+            <a:r>
+              <a:rPr lang="en-US" altLang="zh-CN" dirty="0" err="1"/>
+              <a:t>gPhysics</a:t>
+            </a:r>
+            <a:r>
+              <a:rPr lang="en-US" altLang="zh-CN" dirty="0"/>
+              <a:t>-&gt;</a:t>
+            </a:r>
+            <a:r>
+              <a:rPr lang="en-US" altLang="zh-CN" dirty="0" err="1"/>
+              <a:t>createShape</a:t>
+            </a:r>
+            <a:r>
+              <a:rPr lang="en-US" altLang="zh-CN" dirty="0"/>
+              <a:t>(</a:t>
+            </a:r>
+            <a:r>
+              <a:rPr lang="en-US" altLang="zh-CN" dirty="0" err="1"/>
+              <a:t>PxBoxGeometry</a:t>
+            </a:r>
+            <a:r>
+              <a:rPr lang="en-US" altLang="zh-CN" dirty="0"/>
+              <a:t>(1.0f, 1.0f, 1.0f), *</a:t>
+            </a:r>
+            <a:r>
+              <a:rPr lang="en-US" altLang="zh-CN" dirty="0" err="1"/>
+              <a:t>gMaterial</a:t>
+            </a:r>
+            <a:r>
+              <a:rPr lang="en-US" altLang="zh-CN" dirty="0"/>
+              <a:t>);</a:t>
+            </a:r>
+          </a:p>
+          <a:p>
+            <a:r>
+              <a:rPr lang="en-US" altLang="zh-CN" dirty="0" err="1"/>
+              <a:t>PxTransform</a:t>
+            </a:r>
+            <a:r>
+              <a:rPr lang="en-US" altLang="zh-CN" dirty="0"/>
+              <a:t> </a:t>
+            </a:r>
+            <a:r>
+              <a:rPr lang="en-US" altLang="zh-CN" dirty="0" err="1"/>
+              <a:t>localTm</a:t>
+            </a:r>
+            <a:r>
+              <a:rPr lang="en-US" altLang="zh-CN" dirty="0"/>
+              <a:t>(PxVec3(-3.0f, 5.0f, 0.f));</a:t>
+            </a:r>
+          </a:p>
+          <a:p>
+            <a:r>
+              <a:rPr lang="en-US" altLang="zh-CN" dirty="0" err="1"/>
+              <a:t>PxRigidDynamic</a:t>
+            </a:r>
+            <a:r>
+              <a:rPr lang="en-US" altLang="zh-CN" dirty="0"/>
+              <a:t>* body = </a:t>
+            </a:r>
+            <a:r>
+              <a:rPr lang="en-US" altLang="zh-CN" dirty="0" err="1"/>
+              <a:t>gPhysics</a:t>
+            </a:r>
+            <a:r>
+              <a:rPr lang="en-US" altLang="zh-CN" dirty="0"/>
+              <a:t>-&gt;</a:t>
+            </a:r>
+            <a:r>
+              <a:rPr lang="en-US" altLang="zh-CN" dirty="0" err="1"/>
+              <a:t>createRigidDynamic</a:t>
+            </a:r>
+            <a:r>
+              <a:rPr lang="en-US" altLang="zh-CN" dirty="0"/>
+              <a:t>(</a:t>
+            </a:r>
+            <a:r>
+              <a:rPr lang="en-US" altLang="zh-CN" dirty="0" err="1"/>
+              <a:t>localTm</a:t>
+            </a:r>
+            <a:r>
+              <a:rPr lang="en-US" altLang="zh-CN" dirty="0"/>
+              <a:t>);</a:t>
+            </a:r>
+          </a:p>
+          <a:p>
+            <a:r>
+              <a:rPr lang="en-US" altLang="zh-CN" dirty="0"/>
+              <a:t>body-&gt;</a:t>
+            </a:r>
+            <a:r>
+              <a:rPr lang="en-US" altLang="zh-CN" dirty="0" err="1"/>
+              <a:t>attachShape</a:t>
+            </a:r>
+            <a:r>
+              <a:rPr lang="en-US" altLang="zh-CN" dirty="0"/>
+              <a:t>(*shape);</a:t>
+            </a:r>
+          </a:p>
+          <a:p>
+            <a:r>
+              <a:rPr lang="en-US" altLang="zh-CN" dirty="0" err="1"/>
+              <a:t>PxRigidBodyExt</a:t>
+            </a:r>
+            <a:r>
+              <a:rPr lang="en-US" altLang="zh-CN" dirty="0"/>
+              <a:t>::</a:t>
+            </a:r>
+            <a:r>
+              <a:rPr lang="en-US" altLang="zh-CN" dirty="0" err="1"/>
+              <a:t>updateMassAndInertia</a:t>
+            </a:r>
+            <a:r>
+              <a:rPr lang="en-US" altLang="zh-CN" dirty="0"/>
+              <a:t>(*body, 10.0f);</a:t>
+            </a:r>
+          </a:p>
+          <a:p>
+            <a:r>
+              <a:rPr lang="en-US" altLang="zh-CN" dirty="0" err="1"/>
+              <a:t>gScene</a:t>
+            </a:r>
+            <a:r>
+              <a:rPr lang="en-US" altLang="zh-CN" dirty="0"/>
+              <a:t>-&gt;</a:t>
+            </a:r>
+            <a:r>
+              <a:rPr lang="en-US" altLang="zh-CN" dirty="0" err="1"/>
+              <a:t>addActor</a:t>
+            </a:r>
+            <a:r>
+              <a:rPr lang="en-US" altLang="zh-CN" dirty="0"/>
+              <a:t>(*body);</a:t>
+            </a:r>
+          </a:p>
+          <a:p>
+            <a:endParaRPr lang="zh-CN" altLang="en-US" dirty="0"/>
+          </a:p>
+          <a:p>
+            <a:r>
+              <a:rPr lang="en-US" altLang="zh-CN" dirty="0"/>
+              <a:t>shape-&gt;release();</a:t>
+            </a:r>
+          </a:p>
+        </p:txBody>
+      </p:sp>
     </p:spTree>
     <p:extLst>
       <p:ext uri="{BB962C8B-B14F-4D97-AF65-F5344CB8AC3E}">
-        <p14:creationId xmlns:p14="http://schemas.microsoft.com/office/powerpoint/2010/main" val="2028634937"/>
+        <p14:creationId xmlns:p14="http://schemas.microsoft.com/office/powerpoint/2010/main" val="4199492278"/>
       </p:ext>
     </p:extLst>
   </p:cSld>
   <p:clrMapOvr>
     <a:masterClrMapping/>
   </p:clrMapOvr>
-  <p:timing>
-    <p:tnLst>
-      <p:par>
-        <p:cTn id="1" dur="indefinite" restart="never" nodeType="tmRoot"/>
-      </p:par>
-    </p:tnLst>
-  </p:timing>
 </p:sld>
 </file>
 
@@ -3372,7 +4433,9 @@
         </p:nvSpPr>
         <p:spPr/>
         <p:txBody>
-          <a:bodyPr/>
+          <a:bodyPr>
+            <a:normAutofit lnSpcReduction="10000"/>
+          </a:bodyPr>
           <a:lstStyle/>
           <a:p>
             <a:r>
@@ -3511,8 +4574,8 @@
         </p:blipFill>
         <p:spPr bwMode="auto">
           <a:xfrm>
-            <a:off x="1260475" y="2522538"/>
-            <a:ext cx="6623050" cy="1812925"/>
+            <a:off x="1260475" y="1891904"/>
+            <a:ext cx="6623050" cy="1359694"/>
           </a:xfrm>
           <a:prstGeom prst="rect">
             <a:avLst/>
@@ -3625,7 +4688,7 @@
         <p:spPr/>
         <p:txBody>
           <a:bodyPr>
-            <a:normAutofit/>
+            <a:normAutofit lnSpcReduction="10000"/>
           </a:bodyPr>
           <a:lstStyle/>
           <a:p>
@@ -3713,7 +4776,12 @@
             <p:ph type="title"/>
           </p:nvPr>
         </p:nvSpPr>
-        <p:spPr/>
+        <p:spPr>
+          <a:xfrm>
+            <a:off x="467544" y="51470"/>
+            <a:ext cx="7776000" cy="857250"/>
+          </a:xfrm>
+        </p:spPr>
         <p:txBody>
           <a:bodyPr/>
           <a:lstStyle/>
@@ -3736,7 +4804,12 @@
             <p:ph idx="1"/>
           </p:nvPr>
         </p:nvSpPr>
-        <p:spPr/>
+        <p:spPr>
+          <a:xfrm>
+            <a:off x="395536" y="600734"/>
+            <a:ext cx="8229600" cy="3394472"/>
+          </a:xfrm>
+        </p:spPr>
         <p:txBody>
           <a:bodyPr/>
           <a:lstStyle/>
@@ -3779,70 +4852,181 @@
           </a:p>
         </p:txBody>
       </p:sp>
-      <p:pic>
-        <p:nvPicPr>
-          <p:cNvPr id="6146" name="Picture 2"/>
-          <p:cNvPicPr>
-            <a:picLocks noChangeAspect="1" noChangeArrowheads="1"/>
-          </p:cNvPicPr>
+      <p:sp>
+        <p:nvSpPr>
+          <p:cNvPr id="4" name="矩形 3"/>
+          <p:cNvSpPr/>
           <p:nvPr/>
-        </p:nvPicPr>
-        <p:blipFill>
-          <a:blip r:embed="rId2">
-            <a:extLst>
-              <a:ext uri="{28A0092B-C50C-407E-A947-70E740481C1C}">
-                <a14:useLocalDpi xmlns:a14="http://schemas.microsoft.com/office/drawing/2010/main" val="0"/>
-              </a:ext>
-            </a:extLst>
-          </a:blip>
-          <a:srcRect/>
-          <a:stretch>
-            <a:fillRect/>
-          </a:stretch>
-        </p:blipFill>
-        <p:spPr bwMode="auto">
+        </p:nvSpPr>
+        <p:spPr>
           <a:xfrm>
-            <a:off x="1219200" y="4293096"/>
-            <a:ext cx="6705600" cy="1463675"/>
+            <a:off x="395536" y="2841044"/>
+            <a:ext cx="8136904" cy="2308324"/>
           </a:xfrm>
           <a:prstGeom prst="rect">
             <a:avLst/>
           </a:prstGeom>
-          <a:noFill/>
-          <a:ln>
-            <a:noFill/>
-          </a:ln>
-          <a:effectLst/>
-          <a:extLst>
-            <a:ext uri="{909E8E84-426E-40DD-AFC4-6F175D3DCCD1}">
-              <a14:hiddenFill xmlns:a14="http://schemas.microsoft.com/office/drawing/2010/main">
-                <a:solidFill>
-                  <a:schemeClr val="accent1"/>
-                </a:solidFill>
-              </a14:hiddenFill>
-            </a:ext>
-            <a:ext uri="{91240B29-F687-4F45-9708-019B960494DF}">
-              <a14:hiddenLine xmlns:a14="http://schemas.microsoft.com/office/drawing/2010/main" w="9525">
-                <a:solidFill>
-                  <a:schemeClr val="tx1"/>
-                </a:solidFill>
-                <a:miter lim="800000"/>
-                <a:headEnd/>
-                <a:tailEnd/>
-              </a14:hiddenLine>
-            </a:ext>
-            <a:ext uri="{AF507438-7753-43E0-B8FC-AC1667EBCBE1}">
-              <a14:hiddenEffects xmlns:a14="http://schemas.microsoft.com/office/drawing/2010/main">
-                <a:effectLst>
-                  <a:outerShdw dist="35921" dir="2700000" algn="ctr" rotWithShape="0">
-                    <a:schemeClr val="bg2"/>
-                  </a:outerShdw>
-                </a:effectLst>
-              </a14:hiddenEffects>
-            </a:ext>
-          </a:extLst>
         </p:spPr>
-      </p:pic>
+        <p:txBody>
+          <a:bodyPr wrap="square">
+            <a:spAutoFit/>
+          </a:bodyPr>
+          <a:lstStyle/>
+          <a:p>
+            <a:r>
+              <a:rPr lang="en-US" altLang="zh-CN" dirty="0" err="1"/>
+              <a:t>PxShape</a:t>
+            </a:r>
+            <a:r>
+              <a:rPr lang="en-US" altLang="zh-CN" dirty="0"/>
+              <a:t>* shape = </a:t>
+            </a:r>
+            <a:r>
+              <a:rPr lang="en-US" altLang="zh-CN" dirty="0" err="1"/>
+              <a:t>gPhysics</a:t>
+            </a:r>
+            <a:r>
+              <a:rPr lang="en-US" altLang="zh-CN" dirty="0"/>
+              <a:t>-&gt;</a:t>
+            </a:r>
+            <a:r>
+              <a:rPr lang="en-US" altLang="zh-CN" dirty="0" err="1"/>
+              <a:t>createShape</a:t>
+            </a:r>
+            <a:r>
+              <a:rPr lang="en-US" altLang="zh-CN" dirty="0"/>
+              <a:t>(</a:t>
+            </a:r>
+            <a:r>
+              <a:rPr lang="en-US" altLang="zh-CN" dirty="0" err="1"/>
+              <a:t>PxBoxGeometry</a:t>
+            </a:r>
+            <a:r>
+              <a:rPr lang="en-US" altLang="zh-CN" dirty="0"/>
+              <a:t>(1.0f, 1.0f, 1.0f), *</a:t>
+            </a:r>
+            <a:r>
+              <a:rPr lang="en-US" altLang="zh-CN" dirty="0" err="1"/>
+              <a:t>gMaterial</a:t>
+            </a:r>
+            <a:r>
+              <a:rPr lang="en-US" altLang="zh-CN" dirty="0"/>
+              <a:t>);</a:t>
+            </a:r>
+          </a:p>
+          <a:p>
+            <a:r>
+              <a:rPr lang="en-US" altLang="zh-CN" dirty="0" err="1"/>
+              <a:t>PxTransform</a:t>
+            </a:r>
+            <a:r>
+              <a:rPr lang="en-US" altLang="zh-CN" dirty="0"/>
+              <a:t> </a:t>
+            </a:r>
+            <a:r>
+              <a:rPr lang="en-US" altLang="zh-CN" dirty="0" err="1"/>
+              <a:t>localTm</a:t>
+            </a:r>
+            <a:r>
+              <a:rPr lang="en-US" altLang="zh-CN" dirty="0"/>
+              <a:t>(PxVec3(-3.0f, 5.0f, 0.f));</a:t>
+            </a:r>
+          </a:p>
+          <a:p>
+            <a:r>
+              <a:rPr lang="en-US" altLang="zh-CN" dirty="0" err="1"/>
+              <a:t>PxRigidDynamic</a:t>
+            </a:r>
+            <a:r>
+              <a:rPr lang="en-US" altLang="zh-CN" dirty="0"/>
+              <a:t>* body = </a:t>
+            </a:r>
+            <a:r>
+              <a:rPr lang="en-US" altLang="zh-CN" dirty="0" err="1"/>
+              <a:t>gPhysics</a:t>
+            </a:r>
+            <a:r>
+              <a:rPr lang="en-US" altLang="zh-CN" dirty="0"/>
+              <a:t>-&gt;</a:t>
+            </a:r>
+            <a:r>
+              <a:rPr lang="en-US" altLang="zh-CN" dirty="0" err="1"/>
+              <a:t>createRigidDynamic</a:t>
+            </a:r>
+            <a:r>
+              <a:rPr lang="en-US" altLang="zh-CN" dirty="0"/>
+              <a:t>(</a:t>
+            </a:r>
+            <a:r>
+              <a:rPr lang="en-US" altLang="zh-CN" dirty="0" err="1"/>
+              <a:t>localTm</a:t>
+            </a:r>
+            <a:r>
+              <a:rPr lang="en-US" altLang="zh-CN" dirty="0"/>
+              <a:t>);</a:t>
+            </a:r>
+          </a:p>
+          <a:p>
+            <a:r>
+              <a:rPr lang="en-US" altLang="zh-CN" dirty="0"/>
+              <a:t>body-&gt;</a:t>
+            </a:r>
+            <a:r>
+              <a:rPr lang="en-US" altLang="zh-CN" dirty="0" err="1"/>
+              <a:t>attachShape</a:t>
+            </a:r>
+            <a:r>
+              <a:rPr lang="en-US" altLang="zh-CN" dirty="0"/>
+              <a:t>(*shape);</a:t>
+            </a:r>
+          </a:p>
+          <a:p>
+            <a:r>
+              <a:rPr lang="en-US" altLang="zh-CN" dirty="0" err="1"/>
+              <a:t>PxRigidBodyExt</a:t>
+            </a:r>
+            <a:r>
+              <a:rPr lang="en-US" altLang="zh-CN" dirty="0"/>
+              <a:t>::</a:t>
+            </a:r>
+            <a:r>
+              <a:rPr lang="en-US" altLang="zh-CN" dirty="0" err="1"/>
+              <a:t>updateMassAndInertia</a:t>
+            </a:r>
+            <a:r>
+              <a:rPr lang="en-US" altLang="zh-CN" dirty="0"/>
+              <a:t>(*body, 10.0f);</a:t>
+            </a:r>
+          </a:p>
+          <a:p>
+            <a:r>
+              <a:rPr lang="en-US" altLang="zh-CN" dirty="0" err="1"/>
+              <a:t>gScene</a:t>
+            </a:r>
+            <a:r>
+              <a:rPr lang="en-US" altLang="zh-CN" dirty="0"/>
+              <a:t>-&gt;</a:t>
+            </a:r>
+            <a:r>
+              <a:rPr lang="en-US" altLang="zh-CN" dirty="0" err="1"/>
+              <a:t>addActor</a:t>
+            </a:r>
+            <a:r>
+              <a:rPr lang="en-US" altLang="zh-CN" dirty="0"/>
+              <a:t>(*body);</a:t>
+            </a:r>
+          </a:p>
+          <a:p>
+            <a:endParaRPr lang="zh-CN" altLang="en-US" dirty="0"/>
+          </a:p>
+          <a:p>
+            <a:r>
+              <a:rPr lang="en-US" altLang="zh-CN" dirty="0"/>
+              <a:t>shape-&gt;release();</a:t>
+            </a:r>
+          </a:p>
+        </p:txBody>
+      </p:sp>
     </p:spTree>
     <p:extLst>
       <p:ext uri="{BB962C8B-B14F-4D97-AF65-F5344CB8AC3E}">
@@ -3949,8 +5133,8 @@
         </p:blipFill>
         <p:spPr bwMode="auto">
           <a:xfrm>
-            <a:off x="2520950" y="4533751"/>
-            <a:ext cx="4100513" cy="479425"/>
+            <a:off x="2520951" y="3400314"/>
+            <a:ext cx="4100513" cy="359569"/>
           </a:xfrm>
           <a:prstGeom prst="rect">
             <a:avLst/>
@@ -4088,8 +5272,8 @@
         </p:blipFill>
         <p:spPr bwMode="auto">
           <a:xfrm>
-            <a:off x="2483768" y="2132856"/>
-            <a:ext cx="3986213" cy="746125"/>
+            <a:off x="2483769" y="1599642"/>
+            <a:ext cx="3986213" cy="559594"/>
           </a:xfrm>
           <a:prstGeom prst="rect">
             <a:avLst/>
@@ -4152,8 +5336,8 @@
         </p:blipFill>
         <p:spPr bwMode="auto">
           <a:xfrm>
-            <a:off x="1646968" y="3212976"/>
-            <a:ext cx="5905500" cy="3459163"/>
+            <a:off x="1646968" y="2409733"/>
+            <a:ext cx="5905500" cy="2594372"/>
           </a:xfrm>
           <a:prstGeom prst="rect">
             <a:avLst/>
@@ -4201,7 +5385,7 @@
         </p:nvSpPr>
         <p:spPr>
           <a:xfrm>
-            <a:off x="2190874" y="1556792"/>
+            <a:off x="2190874" y="1167594"/>
             <a:ext cx="4973414" cy="369332"/>
           </a:xfrm>
           <a:prstGeom prst="rect">
@@ -4230,7 +5414,7 @@
         </p:nvSpPr>
         <p:spPr>
           <a:xfrm>
-            <a:off x="2185696" y="2889810"/>
+            <a:off x="2185696" y="2167358"/>
             <a:ext cx="5194616" cy="369332"/>
           </a:xfrm>
           <a:prstGeom prst="rect">
@@ -4359,8 +5543,8 @@
         </p:blipFill>
         <p:spPr bwMode="auto">
           <a:xfrm>
-            <a:off x="2547938" y="4364583"/>
-            <a:ext cx="4046537" cy="936625"/>
+            <a:off x="2547939" y="3273438"/>
+            <a:ext cx="4046537" cy="702469"/>
           </a:xfrm>
           <a:prstGeom prst="rect">
             <a:avLst/>
@@ -4472,7 +5656,9 @@
         </p:nvSpPr>
         <p:spPr/>
         <p:txBody>
-          <a:bodyPr/>
+          <a:bodyPr>
+            <a:normAutofit lnSpcReduction="10000"/>
+          </a:bodyPr>
           <a:lstStyle/>
           <a:p>
             <a:r>
@@ -4514,8 +5700,8 @@
         </p:blipFill>
         <p:spPr bwMode="auto">
           <a:xfrm>
-            <a:off x="2419350" y="5416327"/>
-            <a:ext cx="4305300" cy="388937"/>
+            <a:off x="2195736" y="4515966"/>
+            <a:ext cx="4305300" cy="291703"/>
           </a:xfrm>
           <a:prstGeom prst="rect">
             <a:avLst/>
@@ -4640,8 +5826,8 @@
         </p:nvSpPr>
         <p:spPr bwMode="auto">
           <a:xfrm>
-            <a:off x="251520" y="1628800"/>
-            <a:ext cx="9144000" cy="457200"/>
+            <a:off x="251520" y="483518"/>
+            <a:ext cx="8393644" cy="729430"/>
           </a:xfrm>
           <a:prstGeom prst="rect">
             <a:avLst/>
@@ -5198,8 +6384,8 @@
         </p:nvSpPr>
         <p:spPr bwMode="auto">
           <a:xfrm>
-            <a:off x="107504" y="2996952"/>
-            <a:ext cx="9144000" cy="457200"/>
+            <a:off x="145057" y="1323957"/>
+            <a:ext cx="8999580" cy="729430"/>
           </a:xfrm>
           <a:prstGeom prst="rect">
             <a:avLst/>
@@ -5750,7 +6936,7 @@
         </p:nvSpPr>
         <p:spPr bwMode="auto">
           <a:xfrm>
-            <a:off x="0" y="3580859"/>
+            <a:off x="251520" y="2053387"/>
             <a:ext cx="6519798" cy="1449628"/>
           </a:xfrm>
           <a:prstGeom prst="rect">
@@ -6433,7 +7619,7 @@
         </p:nvSpPr>
         <p:spPr>
           <a:xfrm>
-            <a:off x="611560" y="5229200"/>
+            <a:off x="451898" y="3651870"/>
             <a:ext cx="7992888" cy="923330"/>
           </a:xfrm>
           <a:prstGeom prst="rect">
@@ -6563,7 +7749,7 @@
         <p:spPr/>
         <p:txBody>
           <a:bodyPr>
-            <a:normAutofit/>
+            <a:normAutofit fontScale="92500" lnSpcReduction="10000"/>
           </a:bodyPr>
           <a:lstStyle/>
           <a:p>
@@ -6822,70 +8008,160 @@
           </a:p>
         </p:txBody>
       </p:sp>
-      <p:pic>
-        <p:nvPicPr>
-          <p:cNvPr id="1026" name="Picture 2"/>
-          <p:cNvPicPr>
-            <a:picLocks noChangeAspect="1" noChangeArrowheads="1"/>
-          </p:cNvPicPr>
+      <p:sp>
+        <p:nvSpPr>
+          <p:cNvPr id="4" name="矩形 3"/>
+          <p:cNvSpPr/>
           <p:nvPr/>
-        </p:nvPicPr>
-        <p:blipFill>
-          <a:blip r:embed="rId2">
-            <a:extLst>
-              <a:ext uri="{28A0092B-C50C-407E-A947-70E740481C1C}">
-                <a14:useLocalDpi xmlns:a14="http://schemas.microsoft.com/office/drawing/2010/main" val="0"/>
-              </a:ext>
-            </a:extLst>
-          </a:blip>
-          <a:srcRect/>
-          <a:stretch>
-            <a:fillRect/>
-          </a:stretch>
-        </p:blipFill>
-        <p:spPr bwMode="auto">
+        </p:nvSpPr>
+        <p:spPr>
           <a:xfrm>
-            <a:off x="1976438" y="1377950"/>
-            <a:ext cx="5189537" cy="4100513"/>
+            <a:off x="2286000" y="1279089"/>
+            <a:ext cx="4572000" cy="2585323"/>
           </a:xfrm>
           <a:prstGeom prst="rect">
             <a:avLst/>
           </a:prstGeom>
-          <a:noFill/>
-          <a:ln>
-            <a:noFill/>
-          </a:ln>
-          <a:effectLst/>
-          <a:extLst>
-            <a:ext uri="{909E8E84-426E-40DD-AFC4-6F175D3DCCD1}">
-              <a14:hiddenFill xmlns:a14="http://schemas.microsoft.com/office/drawing/2010/main">
-                <a:solidFill>
-                  <a:schemeClr val="accent1"/>
-                </a:solidFill>
-              </a14:hiddenFill>
-            </a:ext>
-            <a:ext uri="{91240B29-F687-4F45-9708-019B960494DF}">
-              <a14:hiddenLine xmlns:a14="http://schemas.microsoft.com/office/drawing/2010/main" w="9525">
-                <a:solidFill>
-                  <a:schemeClr val="tx1"/>
-                </a:solidFill>
-                <a:miter lim="800000"/>
-                <a:headEnd/>
-                <a:tailEnd/>
-              </a14:hiddenLine>
-            </a:ext>
-            <a:ext uri="{AF507438-7753-43E0-B8FC-AC1667EBCBE1}">
-              <a14:hiddenEffects xmlns:a14="http://schemas.microsoft.com/office/drawing/2010/main">
-                <a:effectLst>
-                  <a:outerShdw dist="35921" dir="2700000" algn="ctr" rotWithShape="0">
-                    <a:schemeClr val="bg2"/>
-                  </a:outerShdw>
-                </a:effectLst>
-              </a14:hiddenEffects>
-            </a:ext>
-          </a:extLst>
         </p:spPr>
-      </p:pic>
+        <p:txBody>
+          <a:bodyPr>
+            <a:spAutoFit/>
+          </a:bodyPr>
+          <a:lstStyle/>
+          <a:p>
+            <a:r>
+              <a:rPr lang="en-US" altLang="zh-CN" dirty="0" err="1"/>
+              <a:t>PxSceneDesc</a:t>
+            </a:r>
+            <a:r>
+              <a:rPr lang="en-US" altLang="zh-CN" dirty="0"/>
+              <a:t> </a:t>
+            </a:r>
+            <a:r>
+              <a:rPr lang="en-US" altLang="zh-CN" dirty="0" err="1"/>
+              <a:t>sceneDesc</a:t>
+            </a:r>
+            <a:r>
+              <a:rPr lang="en-US" altLang="zh-CN" dirty="0"/>
+              <a:t>(</a:t>
+            </a:r>
+            <a:r>
+              <a:rPr lang="en-US" altLang="zh-CN" dirty="0" err="1"/>
+              <a:t>gPhysics</a:t>
+            </a:r>
+            <a:r>
+              <a:rPr lang="en-US" altLang="zh-CN" dirty="0"/>
+              <a:t>-&gt;</a:t>
+            </a:r>
+            <a:r>
+              <a:rPr lang="en-US" altLang="zh-CN" dirty="0" err="1"/>
+              <a:t>getTolerancesScale</a:t>
+            </a:r>
+            <a:r>
+              <a:rPr lang="en-US" altLang="zh-CN" dirty="0"/>
+              <a:t>());</a:t>
+            </a:r>
+          </a:p>
+          <a:p>
+            <a:r>
+              <a:rPr lang="en-US" altLang="zh-CN" dirty="0" err="1"/>
+              <a:t>sceneDesc.gravity</a:t>
+            </a:r>
+            <a:r>
+              <a:rPr lang="en-US" altLang="zh-CN" dirty="0"/>
+              <a:t> = PxVec3(0.0f, -9.81f, 0.0f);</a:t>
+            </a:r>
+          </a:p>
+          <a:p>
+            <a:r>
+              <a:rPr lang="en-US" altLang="zh-CN" dirty="0" err="1"/>
+              <a:t>gDispatcher</a:t>
+            </a:r>
+            <a:r>
+              <a:rPr lang="en-US" altLang="zh-CN" dirty="0"/>
+              <a:t> = </a:t>
+            </a:r>
+            <a:r>
+              <a:rPr lang="en-US" altLang="zh-CN" dirty="0" err="1"/>
+              <a:t>PxDefaultCpuDispatcherCreate</a:t>
+            </a:r>
+            <a:r>
+              <a:rPr lang="en-US" altLang="zh-CN" dirty="0"/>
+              <a:t>(2);</a:t>
+            </a:r>
+          </a:p>
+          <a:p>
+            <a:r>
+              <a:rPr lang="en-US" altLang="zh-CN" dirty="0" err="1"/>
+              <a:t>sceneDesc.cpuDispatcher</a:t>
+            </a:r>
+            <a:r>
+              <a:rPr lang="en-US" altLang="zh-CN" dirty="0"/>
+              <a:t> = </a:t>
+            </a:r>
+            <a:r>
+              <a:rPr lang="en-US" altLang="zh-CN" dirty="0" err="1"/>
+              <a:t>gDispatcher</a:t>
+            </a:r>
+            <a:r>
+              <a:rPr lang="en-US" altLang="zh-CN" dirty="0"/>
+              <a:t>;</a:t>
+            </a:r>
+          </a:p>
+          <a:p>
+            <a:r>
+              <a:rPr lang="en-US" altLang="zh-CN" dirty="0" err="1"/>
+              <a:t>sceneDesc.filterShader</a:t>
+            </a:r>
+            <a:r>
+              <a:rPr lang="en-US" altLang="zh-CN" dirty="0"/>
+              <a:t> = </a:t>
+            </a:r>
+            <a:r>
+              <a:rPr lang="en-US" altLang="zh-CN" dirty="0" err="1"/>
+              <a:t>PxDefaultSimulationFilterShader</a:t>
+            </a:r>
+            <a:r>
+              <a:rPr lang="en-US" altLang="zh-CN" dirty="0"/>
+              <a:t>;</a:t>
+            </a:r>
+          </a:p>
+          <a:p>
+            <a:r>
+              <a:rPr lang="en-US" altLang="zh-CN" dirty="0" err="1"/>
+              <a:t>gScene</a:t>
+            </a:r>
+            <a:r>
+              <a:rPr lang="en-US" altLang="zh-CN" dirty="0"/>
+              <a:t> = </a:t>
+            </a:r>
+            <a:r>
+              <a:rPr lang="en-US" altLang="zh-CN" dirty="0" err="1"/>
+              <a:t>gPhysics</a:t>
+            </a:r>
+            <a:r>
+              <a:rPr lang="en-US" altLang="zh-CN" dirty="0"/>
+              <a:t>-&gt;</a:t>
+            </a:r>
+            <a:r>
+              <a:rPr lang="en-US" altLang="zh-CN" dirty="0" err="1"/>
+              <a:t>createScene</a:t>
+            </a:r>
+            <a:r>
+              <a:rPr lang="en-US" altLang="zh-CN" dirty="0"/>
+              <a:t>(</a:t>
+            </a:r>
+            <a:r>
+              <a:rPr lang="en-US" altLang="zh-CN" dirty="0" err="1"/>
+              <a:t>sceneDesc</a:t>
+            </a:r>
+            <a:r>
+              <a:rPr lang="en-US" altLang="zh-CN" dirty="0"/>
+              <a:t>);</a:t>
+            </a:r>
+          </a:p>
+        </p:txBody>
+      </p:sp>
     </p:spTree>
     <p:extLst>
       <p:ext uri="{BB962C8B-B14F-4D97-AF65-F5344CB8AC3E}">
@@ -6971,70 +8247,133 @@
           </a:p>
         </p:txBody>
       </p:sp>
-      <p:pic>
-        <p:nvPicPr>
-          <p:cNvPr id="2050" name="Picture 2"/>
-          <p:cNvPicPr>
-            <a:picLocks noChangeAspect="1" noChangeArrowheads="1"/>
-          </p:cNvPicPr>
+      <p:sp>
+        <p:nvSpPr>
+          <p:cNvPr id="4" name="矩形 3"/>
+          <p:cNvSpPr/>
           <p:nvPr/>
-        </p:nvPicPr>
-        <p:blipFill>
-          <a:blip r:embed="rId2">
-            <a:extLst>
-              <a:ext uri="{28A0092B-C50C-407E-A947-70E740481C1C}">
-                <a14:useLocalDpi xmlns:a14="http://schemas.microsoft.com/office/drawing/2010/main" val="0"/>
-              </a:ext>
-            </a:extLst>
-          </a:blip>
-          <a:srcRect/>
-          <a:stretch>
-            <a:fillRect/>
-          </a:stretch>
-        </p:blipFill>
-        <p:spPr bwMode="auto">
+        </p:nvSpPr>
+        <p:spPr>
           <a:xfrm>
-            <a:off x="3298825" y="2338388"/>
-            <a:ext cx="2544763" cy="2179637"/>
+            <a:off x="2286000" y="1417588"/>
+            <a:ext cx="4572000" cy="2308324"/>
           </a:xfrm>
           <a:prstGeom prst="rect">
             <a:avLst/>
           </a:prstGeom>
-          <a:noFill/>
-          <a:ln>
-            <a:noFill/>
-          </a:ln>
-          <a:effectLst/>
-          <a:extLst>
-            <a:ext uri="{909E8E84-426E-40DD-AFC4-6F175D3DCCD1}">
-              <a14:hiddenFill xmlns:a14="http://schemas.microsoft.com/office/drawing/2010/main">
-                <a:solidFill>
-                  <a:schemeClr val="accent1"/>
-                </a:solidFill>
-              </a14:hiddenFill>
-            </a:ext>
-            <a:ext uri="{91240B29-F687-4F45-9708-019B960494DF}">
-              <a14:hiddenLine xmlns:a14="http://schemas.microsoft.com/office/drawing/2010/main" w="9525">
-                <a:solidFill>
-                  <a:schemeClr val="tx1"/>
-                </a:solidFill>
-                <a:miter lim="800000"/>
-                <a:headEnd/>
-                <a:tailEnd/>
-              </a14:hiddenLine>
-            </a:ext>
-            <a:ext uri="{AF507438-7753-43E0-B8FC-AC1667EBCBE1}">
-              <a14:hiddenEffects xmlns:a14="http://schemas.microsoft.com/office/drawing/2010/main">
-                <a:effectLst>
-                  <a:outerShdw dist="35921" dir="2700000" algn="ctr" rotWithShape="0">
-                    <a:schemeClr val="bg2"/>
-                  </a:outerShdw>
-                </a:effectLst>
-              </a14:hiddenEffects>
-            </a:ext>
-          </a:extLst>
         </p:spPr>
-      </p:pic>
+        <p:txBody>
+          <a:bodyPr>
+            <a:spAutoFit/>
+          </a:bodyPr>
+          <a:lstStyle/>
+          <a:p>
+            <a:r>
+              <a:rPr lang="en-US" altLang="zh-CN" dirty="0"/>
+              <a:t>// update PhysX</a:t>
+            </a:r>
+          </a:p>
+          <a:p>
+            <a:r>
+              <a:rPr lang="en-US" altLang="zh-CN" dirty="0"/>
+              <a:t>void </a:t>
+            </a:r>
+            <a:r>
+              <a:rPr lang="en-US" altLang="zh-CN" dirty="0" err="1"/>
+              <a:t>stepPhysics</a:t>
+            </a:r>
+            <a:r>
+              <a:rPr lang="en-US" altLang="zh-CN" dirty="0"/>
+              <a:t>(</a:t>
+            </a:r>
+            <a:r>
+              <a:rPr lang="en-US" altLang="zh-CN" dirty="0" err="1"/>
+              <a:t>PxReal</a:t>
+            </a:r>
+            <a:r>
+              <a:rPr lang="en-US" altLang="zh-CN" dirty="0"/>
+              <a:t> </a:t>
+            </a:r>
+            <a:r>
+              <a:rPr lang="en-US" altLang="zh-CN" dirty="0" err="1"/>
+              <a:t>timeStep</a:t>
+            </a:r>
+            <a:r>
+              <a:rPr lang="en-US" altLang="zh-CN" dirty="0"/>
+              <a:t>)</a:t>
+            </a:r>
+          </a:p>
+          <a:p>
+            <a:r>
+              <a:rPr lang="en-US" altLang="zh-CN" dirty="0"/>
+              <a:t>{</a:t>
+            </a:r>
+          </a:p>
+          <a:p>
+            <a:r>
+              <a:rPr lang="en-US" altLang="zh-CN" dirty="0"/>
+              <a:t>if (</a:t>
+            </a:r>
+            <a:r>
+              <a:rPr lang="en-US" altLang="zh-CN" dirty="0" err="1"/>
+              <a:t>timeStep</a:t>
+            </a:r>
+            <a:r>
+              <a:rPr lang="en-US" altLang="zh-CN" dirty="0"/>
+              <a:t> &lt;= 0)</a:t>
+            </a:r>
+          </a:p>
+          <a:p>
+            <a:r>
+              <a:rPr lang="en-US" altLang="zh-CN" dirty="0"/>
+              <a:t>return;</a:t>
+            </a:r>
+          </a:p>
+          <a:p>
+            <a:r>
+              <a:rPr lang="en-US" altLang="zh-CN" dirty="0" err="1"/>
+              <a:t>gScene</a:t>
+            </a:r>
+            <a:r>
+              <a:rPr lang="en-US" altLang="zh-CN" dirty="0"/>
+              <a:t>-&gt;simulate(</a:t>
+            </a:r>
+            <a:r>
+              <a:rPr lang="en-US" altLang="zh-CN" dirty="0" err="1"/>
+              <a:t>timeStep</a:t>
+            </a:r>
+            <a:r>
+              <a:rPr lang="en-US" altLang="zh-CN" dirty="0"/>
+              <a:t>);</a:t>
+            </a:r>
+          </a:p>
+          <a:p>
+            <a:r>
+              <a:rPr lang="en-US" altLang="zh-CN" dirty="0" err="1"/>
+              <a:t>gScene</a:t>
+            </a:r>
+            <a:r>
+              <a:rPr lang="en-US" altLang="zh-CN" dirty="0"/>
+              <a:t>-&gt;</a:t>
+            </a:r>
+            <a:r>
+              <a:rPr lang="en-US" altLang="zh-CN" dirty="0" err="1"/>
+              <a:t>fetchResults</a:t>
+            </a:r>
+            <a:r>
+              <a:rPr lang="en-US" altLang="zh-CN" dirty="0"/>
+              <a:t>(true);</a:t>
+            </a:r>
+          </a:p>
+          <a:p>
+            <a:r>
+              <a:rPr lang="en-US" altLang="zh-CN" dirty="0"/>
+              <a:t>}</a:t>
+            </a:r>
+            <a:endParaRPr lang="zh-CN" altLang="en-US" dirty="0"/>
+          </a:p>
+        </p:txBody>
+      </p:sp>
     </p:spTree>
     <p:extLst>
       <p:ext uri="{BB962C8B-B14F-4D97-AF65-F5344CB8AC3E}">
@@ -7136,70 +8475,54 @@
           </a:p>
         </p:txBody>
       </p:sp>
-      <p:pic>
-        <p:nvPicPr>
-          <p:cNvPr id="3074" name="Picture 2"/>
-          <p:cNvPicPr>
-            <a:picLocks noChangeAspect="1" noChangeArrowheads="1"/>
-          </p:cNvPicPr>
+      <p:sp>
+        <p:nvSpPr>
+          <p:cNvPr id="4" name="矩形 3"/>
+          <p:cNvSpPr/>
           <p:nvPr/>
-        </p:nvPicPr>
-        <p:blipFill>
-          <a:blip r:embed="rId2">
-            <a:extLst>
-              <a:ext uri="{28A0092B-C50C-407E-A947-70E740481C1C}">
-                <a14:useLocalDpi xmlns:a14="http://schemas.microsoft.com/office/drawing/2010/main" val="0"/>
-              </a:ext>
-            </a:extLst>
-          </a:blip>
-          <a:srcRect/>
-          <a:stretch>
-            <a:fillRect/>
-          </a:stretch>
-        </p:blipFill>
-        <p:spPr bwMode="auto">
+        </p:nvSpPr>
+        <p:spPr>
           <a:xfrm>
-            <a:off x="773113" y="4548857"/>
-            <a:ext cx="7597775" cy="968375"/>
+            <a:off x="971600" y="4011910"/>
+            <a:ext cx="6408712" cy="369332"/>
           </a:xfrm>
           <a:prstGeom prst="rect">
             <a:avLst/>
           </a:prstGeom>
-          <a:noFill/>
-          <a:ln>
-            <a:noFill/>
-          </a:ln>
-          <a:effectLst/>
-          <a:extLst>
-            <a:ext uri="{909E8E84-426E-40DD-AFC4-6F175D3DCCD1}">
-              <a14:hiddenFill xmlns:a14="http://schemas.microsoft.com/office/drawing/2010/main">
-                <a:solidFill>
-                  <a:schemeClr val="accent1"/>
-                </a:solidFill>
-              </a14:hiddenFill>
-            </a:ext>
-            <a:ext uri="{91240B29-F687-4F45-9708-019B960494DF}">
-              <a14:hiddenLine xmlns:a14="http://schemas.microsoft.com/office/drawing/2010/main" w="9525">
-                <a:solidFill>
-                  <a:schemeClr val="tx1"/>
-                </a:solidFill>
-                <a:miter lim="800000"/>
-                <a:headEnd/>
-                <a:tailEnd/>
-              </a14:hiddenLine>
-            </a:ext>
-            <a:ext uri="{AF507438-7753-43E0-B8FC-AC1667EBCBE1}">
-              <a14:hiddenEffects xmlns:a14="http://schemas.microsoft.com/office/drawing/2010/main">
-                <a:effectLst>
-                  <a:outerShdw dist="35921" dir="2700000" algn="ctr" rotWithShape="0">
-                    <a:schemeClr val="bg2"/>
-                  </a:outerShdw>
-                </a:effectLst>
-              </a14:hiddenEffects>
-            </a:ext>
-          </a:extLst>
         </p:spPr>
-      </p:pic>
+        <p:txBody>
+          <a:bodyPr wrap="square">
+            <a:spAutoFit/>
+          </a:bodyPr>
+          <a:lstStyle/>
+          <a:p>
+            <a:r>
+              <a:rPr lang="en-US" altLang="zh-CN" dirty="0" err="1"/>
+              <a:t>gMaterial</a:t>
+            </a:r>
+            <a:r>
+              <a:rPr lang="en-US" altLang="zh-CN" dirty="0"/>
+              <a:t> = </a:t>
+            </a:r>
+            <a:r>
+              <a:rPr lang="en-US" altLang="zh-CN" dirty="0" err="1"/>
+              <a:t>gPhysics</a:t>
+            </a:r>
+            <a:r>
+              <a:rPr lang="en-US" altLang="zh-CN" dirty="0"/>
+              <a:t>-&gt;</a:t>
+            </a:r>
+            <a:r>
+              <a:rPr lang="en-US" altLang="zh-CN" dirty="0" err="1"/>
+              <a:t>createMaterial</a:t>
+            </a:r>
+            <a:r>
+              <a:rPr lang="en-US" altLang="zh-CN" dirty="0"/>
+              <a:t>(0.5f, 0.5f, 0.6f);</a:t>
+            </a:r>
+          </a:p>
+        </p:txBody>
+      </p:sp>
     </p:spTree>
     <p:extLst>
       <p:ext uri="{BB962C8B-B14F-4D97-AF65-F5344CB8AC3E}">
@@ -7273,7 +8596,7 @@
         <p:spPr/>
         <p:txBody>
           <a:bodyPr>
-            <a:normAutofit fontScale="77500" lnSpcReduction="20000"/>
+            <a:normAutofit fontScale="62500" lnSpcReduction="20000"/>
           </a:bodyPr>
           <a:lstStyle/>
           <a:p>
@@ -7433,7 +8756,7 @@
         <p:spPr/>
         <p:txBody>
           <a:bodyPr>
-            <a:normAutofit fontScale="85000" lnSpcReduction="20000"/>
+            <a:normAutofit fontScale="70000" lnSpcReduction="20000"/>
           </a:bodyPr>
           <a:lstStyle/>
           <a:p>
@@ -7602,7 +8925,7 @@
         <p:spPr/>
         <p:txBody>
           <a:bodyPr>
-            <a:normAutofit fontScale="77500" lnSpcReduction="20000"/>
+            <a:normAutofit fontScale="70000" lnSpcReduction="20000"/>
           </a:bodyPr>
           <a:lstStyle/>
           <a:p>
@@ -7770,9 +9093,9 @@
 </file>
 
 <file path=ppt/theme/theme1.xml><?xml version="1.0" encoding="utf-8"?>
-<a:theme xmlns:a="http://schemas.openxmlformats.org/drawingml/2006/main" name="Office 主题">
+<a:theme xmlns:a="http://schemas.openxmlformats.org/drawingml/2006/main" name="凤舞九天">
   <a:themeElements>
-    <a:clrScheme name="Office">
+    <a:clrScheme name="凤舞九天">
       <a:dk1>
         <a:sysClr val="windowText" lastClr="000000"/>
       </a:dk1>
@@ -7780,43 +9103,78 @@
         <a:sysClr val="window" lastClr="FFFFFF"/>
       </a:lt1>
       <a:dk2>
-        <a:srgbClr val="1F497D"/>
+        <a:srgbClr val="004646"/>
       </a:dk2>
       <a:lt2>
-        <a:srgbClr val="EEECE1"/>
+        <a:srgbClr val="E1F0FF"/>
       </a:lt2>
       <a:accent1>
-        <a:srgbClr val="4F81BD"/>
+        <a:srgbClr val="50742F"/>
       </a:accent1>
       <a:accent2>
-        <a:srgbClr val="C0504D"/>
+        <a:srgbClr val="268868"/>
       </a:accent2>
       <a:accent3>
-        <a:srgbClr val="9BBB59"/>
+        <a:srgbClr val="33BD56"/>
       </a:accent3>
       <a:accent4>
-        <a:srgbClr val="8064A2"/>
+        <a:srgbClr val="4BC5B9"/>
       </a:accent4>
       <a:accent5>
-        <a:srgbClr val="4BACC6"/>
+        <a:srgbClr val="3163CA"/>
       </a:accent5>
       <a:accent6>
-        <a:srgbClr val="F79646"/>
+        <a:srgbClr val="4B14AA"/>
       </a:accent6>
       <a:hlink>
-        <a:srgbClr val="0000FF"/>
+        <a:srgbClr val="D9BE02"/>
       </a:hlink>
       <a:folHlink>
-        <a:srgbClr val="800080"/>
+        <a:srgbClr val="F900F9"/>
       </a:folHlink>
     </a:clrScheme>
-    <a:fontScheme name="Office">
+    <a:fontScheme name="凤舞九天">
       <a:majorFont>
-        <a:latin typeface="Calibri"/>
+        <a:latin typeface="Footlight MT Light"/>
         <a:ea typeface=""/>
         <a:cs typeface=""/>
         <a:font script="Jpan" typeface="ＭＳ Ｐゴシック"/>
         <a:font script="Hang" typeface="맑은 고딕"/>
+        <a:font script="Hans" typeface="华文新魏"/>
+        <a:font script="Hant" typeface="微軟正黑體"/>
+        <a:font script="Arab" typeface="Arial"/>
+        <a:font script="Hebr" typeface="Arial"/>
+        <a:font script="Thai" typeface="Cordia New"/>
+        <a:font script="Ethi" typeface="Nyala"/>
+        <a:font script="Beng" typeface="Vrinda"/>
+        <a:font script="Gujr" typeface="Shruti"/>
+        <a:font script="Khmr" typeface="DaunPenh"/>
+        <a:font script="Knda" typeface="Tunga"/>
+        <a:font script="Guru" typeface="Raavi"/>
+        <a:font script="Cans" typeface="Euphemia"/>
+        <a:font script="Cher" typeface="Plantagenet Cherokee"/>
+        <a:font script="Yiii" typeface="Microsoft Yi Baiti"/>
+        <a:font script="Tibt" typeface="Microsoft Himalaya"/>
+        <a:font script="Thaa" typeface="MV Boli"/>
+        <a:font script="Deva" typeface="Mangal"/>
+        <a:font script="Telu" typeface="Gautami"/>
+        <a:font script="Taml" typeface="Latha"/>
+        <a:font script="Syrc" typeface="Estrangelo Edessa"/>
+        <a:font script="Orya" typeface="Kalinga"/>
+        <a:font script="Mlym" typeface="Kartika"/>
+        <a:font script="Laoo" typeface="DokChampa"/>
+        <a:font script="Sinh" typeface="Iskoola Pota"/>
+        <a:font script="Mong" typeface="Mongolian Baiti"/>
+        <a:font script="Viet" typeface="Arial"/>
+        <a:font script="Uigh" typeface="Microsoft Uighur"/>
+        <a:font script="Geor" typeface="Sylfaen"/>
+      </a:majorFont>
+      <a:minorFont>
+        <a:latin typeface="Goudy Old Style"/>
+        <a:ea typeface=""/>
+        <a:cs typeface=""/>
+        <a:font script="Jpan" typeface="ＭＳ Ｐ明朝"/>
+        <a:font script="Hang" typeface="HY견명조"/>
         <a:font script="Hans" typeface="宋体"/>
         <a:font script="Hant" typeface="新細明體"/>
         <a:font script="Arab" typeface="Times New Roman"/>
@@ -7844,101 +9202,70 @@
         <a:font script="Mong" typeface="Mongolian Baiti"/>
         <a:font script="Viet" typeface="Times New Roman"/>
         <a:font script="Uigh" typeface="Microsoft Uighur"/>
-      </a:majorFont>
-      <a:minorFont>
-        <a:latin typeface="Calibri"/>
-        <a:ea typeface=""/>
-        <a:cs typeface=""/>
-        <a:font script="Jpan" typeface="ＭＳ Ｐゴシック"/>
-        <a:font script="Hang" typeface="맑은 고딕"/>
-        <a:font script="Hans" typeface="宋体"/>
-        <a:font script="Hant" typeface="新細明體"/>
-        <a:font script="Arab" typeface="Arial"/>
-        <a:font script="Hebr" typeface="Arial"/>
-        <a:font script="Thai" typeface="Cordia New"/>
-        <a:font script="Ethi" typeface="Nyala"/>
-        <a:font script="Beng" typeface="Vrinda"/>
-        <a:font script="Gujr" typeface="Shruti"/>
-        <a:font script="Khmr" typeface="DaunPenh"/>
-        <a:font script="Knda" typeface="Tunga"/>
-        <a:font script="Guru" typeface="Raavi"/>
-        <a:font script="Cans" typeface="Euphemia"/>
-        <a:font script="Cher" typeface="Plantagenet Cherokee"/>
-        <a:font script="Yiii" typeface="Microsoft Yi Baiti"/>
-        <a:font script="Tibt" typeface="Microsoft Himalaya"/>
-        <a:font script="Thaa" typeface="MV Boli"/>
-        <a:font script="Deva" typeface="Mangal"/>
-        <a:font script="Telu" typeface="Gautami"/>
-        <a:font script="Taml" typeface="Latha"/>
-        <a:font script="Syrc" typeface="Estrangelo Edessa"/>
-        <a:font script="Orya" typeface="Kalinga"/>
-        <a:font script="Mlym" typeface="Kartika"/>
-        <a:font script="Laoo" typeface="DokChampa"/>
-        <a:font script="Sinh" typeface="Iskoola Pota"/>
-        <a:font script="Mong" typeface="Mongolian Baiti"/>
-        <a:font script="Viet" typeface="Arial"/>
-        <a:font script="Uigh" typeface="Microsoft Uighur"/>
+        <a:font script="Geor" typeface="Sylfaen"/>
       </a:minorFont>
     </a:fontScheme>
-    <a:fmtScheme name="Office">
+    <a:fmtScheme name="凤舞九天">
       <a:fillStyleLst>
         <a:solidFill>
-          <a:schemeClr val="phClr"/>
+          <a:schemeClr val="phClr">
+            <a:tint val="100000"/>
+            <a:shade val="100000"/>
+            <a:hueMod val="100000"/>
+            <a:satMod val="100000"/>
+          </a:schemeClr>
         </a:solidFill>
         <a:gradFill rotWithShape="1">
           <a:gsLst>
             <a:gs pos="0">
               <a:schemeClr val="phClr">
-                <a:tint val="50000"/>
-                <a:satMod val="300000"/>
+                <a:tint val="65000"/>
+                <a:satMod val="180000"/>
               </a:schemeClr>
             </a:gs>
-            <a:gs pos="35000">
+            <a:gs pos="50000">
               <a:schemeClr val="phClr">
-                <a:tint val="37000"/>
-                <a:satMod val="300000"/>
+                <a:tint val="40000"/>
+                <a:satMod val="175000"/>
               </a:schemeClr>
             </a:gs>
             <a:gs pos="100000">
               <a:schemeClr val="phClr">
-                <a:tint val="15000"/>
-                <a:satMod val="350000"/>
+                <a:tint val="65000"/>
+                <a:satMod val="180000"/>
               </a:schemeClr>
             </a:gs>
           </a:gsLst>
-          <a:lin ang="16200000" scaled="1"/>
+          <a:lin ang="0" scaled="1"/>
         </a:gradFill>
         <a:gradFill rotWithShape="1">
           <a:gsLst>
             <a:gs pos="0">
               <a:schemeClr val="phClr">
-                <a:shade val="51000"/>
-                <a:satMod val="130000"/>
+                <a:shade val="38000"/>
+                <a:satMod val="150000"/>
               </a:schemeClr>
             </a:gs>
-            <a:gs pos="80000">
+            <a:gs pos="50000">
               <a:schemeClr val="phClr">
-                <a:shade val="93000"/>
-                <a:satMod val="130000"/>
+                <a:shade val="100000"/>
+                <a:satMod val="100000"/>
               </a:schemeClr>
             </a:gs>
             <a:gs pos="100000">
               <a:schemeClr val="phClr">
-                <a:shade val="94000"/>
-                <a:satMod val="135000"/>
+                <a:shade val="38000"/>
+                <a:satMod val="150000"/>
               </a:schemeClr>
             </a:gs>
           </a:gsLst>
-          <a:lin ang="16200000" scaled="0"/>
+          <a:lin ang="0" scaled="1"/>
         </a:gradFill>
       </a:fillStyleLst>
       <a:lnStyleLst>
-        <a:ln w="9525" cap="flat" cmpd="sng" algn="ctr">
+        <a:ln w="12700" cap="flat" cmpd="sng" algn="ctr">
           <a:solidFill>
-            <a:schemeClr val="phClr">
-              <a:shade val="95000"/>
-              <a:satMod val="105000"/>
-            </a:schemeClr>
+            <a:schemeClr val="phClr"/>
           </a:solidFill>
           <a:prstDash val="solid"/>
         </a:ln>
@@ -7948,7 +9275,7 @@
           </a:solidFill>
           <a:prstDash val="solid"/>
         </a:ln>
-        <a:ln w="38100" cap="flat" cmpd="sng" algn="ctr">
+        <a:ln w="38100" cap="flat" cmpd="dbl" algn="ctr">
           <a:solidFill>
             <a:schemeClr val="phClr"/>
           </a:solidFill>
@@ -7958,92 +9285,96 @@
       <a:effectStyleLst>
         <a:effectStyle>
           <a:effectLst>
-            <a:outerShdw blurRad="40000" dist="20000" dir="5400000" rotWithShape="0">
+            <a:outerShdw blurRad="190500" dist="78600" dir="2700000" rotWithShape="0">
               <a:srgbClr val="000000">
-                <a:alpha val="38000"/>
+                <a:alpha val="35500"/>
               </a:srgbClr>
             </a:outerShdw>
           </a:effectLst>
         </a:effectStyle>
         <a:effectStyle>
           <a:effectLst>
-            <a:outerShdw blurRad="40000" dist="23000" dir="5400000" rotWithShape="0">
+            <a:outerShdw blurRad="190500" dist="78600" dir="2700000" rotWithShape="0">
               <a:srgbClr val="000000">
-                <a:alpha val="35000"/>
+                <a:alpha val="35500"/>
               </a:srgbClr>
             </a:outerShdw>
           </a:effectLst>
         </a:effectStyle>
         <a:effectStyle>
           <a:effectLst>
-            <a:outerShdw blurRad="40000" dist="23000" dir="5400000" rotWithShape="0">
+            <a:outerShdw blurRad="190500" dist="78600" dir="2700000" rotWithShape="0">
               <a:srgbClr val="000000">
-                <a:alpha val="35000"/>
+                <a:alpha val="35500"/>
               </a:srgbClr>
             </a:outerShdw>
           </a:effectLst>
           <a:scene3d>
-            <a:camera prst="orthographicFront">
+            <a:camera prst="orthographicFront" fov="0">
               <a:rot lat="0" lon="0" rev="0"/>
             </a:camera>
-            <a:lightRig rig="threePt" dir="t">
-              <a:rot lat="0" lon="0" rev="1200000"/>
+            <a:lightRig rig="soft" dir="tl">
+              <a:rot lat="0" lon="0" rev="20100000"/>
             </a:lightRig>
           </a:scene3d>
           <a:sp3d>
-            <a:bevelT w="63500" h="25400"/>
+            <a:bevelT w="50800" h="50800"/>
           </a:sp3d>
         </a:effectStyle>
       </a:effectStyleLst>
       <a:bgFillStyleLst>
         <a:solidFill>
-          <a:schemeClr val="phClr"/>
+          <a:schemeClr val="phClr">
+            <a:tint val="100000"/>
+            <a:shade val="100000"/>
+            <a:hueMod val="100000"/>
+            <a:satMod val="100000"/>
+          </a:schemeClr>
         </a:solidFill>
         <a:gradFill rotWithShape="1">
           <a:gsLst>
             <a:gs pos="0">
               <a:schemeClr val="phClr">
-                <a:tint val="40000"/>
-                <a:satMod val="350000"/>
+                <a:tint val="80000"/>
+                <a:satMod val="400000"/>
               </a:schemeClr>
             </a:gs>
-            <a:gs pos="40000">
+            <a:gs pos="25000">
               <a:schemeClr val="phClr">
-                <a:tint val="45000"/>
-                <a:shade val="99000"/>
-                <a:satMod val="350000"/>
-              </a:schemeClr>
-            </a:gs>
-            <a:gs pos="100000">
-              <a:schemeClr val="phClr">
-                <a:shade val="20000"/>
-                <a:satMod val="255000"/>
-              </a:schemeClr>
-            </a:gs>
-          </a:gsLst>
-          <a:path path="circle">
-            <a:fillToRect l="50000" t="-80000" r="50000" b="180000"/>
-          </a:path>
-        </a:gradFill>
-        <a:gradFill rotWithShape="1">
-          <a:gsLst>
-            <a:gs pos="0">
-              <a:schemeClr val="phClr">
-                <a:tint val="80000"/>
+                <a:tint val="83000"/>
                 <a:satMod val="300000"/>
               </a:schemeClr>
             </a:gs>
             <a:gs pos="100000">
               <a:schemeClr val="phClr">
-                <a:shade val="30000"/>
-                <a:satMod val="200000"/>
+                <a:shade val="15000"/>
+                <a:satMod val="300000"/>
               </a:schemeClr>
             </a:gs>
           </a:gsLst>
           <a:path path="circle">
-            <a:fillToRect l="50000" t="50000" r="50000" b="50000"/>
+            <a:fillToRect l="10000" t="180000" r="10000" b="50000"/>
           </a:path>
         </a:gradFill>
+        <a:blipFill>
+          <a:blip xmlns:r="http://schemas.openxmlformats.org/officeDocument/2006/relationships" r:embed="rId1">
+            <a:duotone>
+              <a:schemeClr val="phClr">
+                <a:tint val="100000"/>
+                <a:shade val="70000"/>
+                <a:hueMod val="100000"/>
+                <a:satMod val="100000"/>
+              </a:schemeClr>
+              <a:schemeClr val="phClr">
+                <a:tint val="90000"/>
+                <a:shade val="100000"/>
+                <a:hueMod val="100000"/>
+                <a:satMod val="100000"/>
+              </a:schemeClr>
+            </a:duotone>
+          </a:blip>
+          <a:tile tx="0" ty="0" sx="50000" sy="50000" flip="x" algn="tl"/>
+        </a:blipFill>
       </a:bgFillStyleLst>
     </a:fmtScheme>
   </a:themeElements>

--- a/Slides/3 建立物理仿真程序基础/NewVersion.pptx
+++ b/Slides/3 建立物理仿真程序基础/NewVersion.pptx
@@ -6,24 +6,27 @@
   </p:sldMasterIdLst>
   <p:sldIdLst>
     <p:sldId id="256" r:id="rId2"/>
-    <p:sldId id="257" r:id="rId3"/>
-    <p:sldId id="258" r:id="rId4"/>
-    <p:sldId id="259" r:id="rId5"/>
-    <p:sldId id="260" r:id="rId6"/>
-    <p:sldId id="261" r:id="rId7"/>
-    <p:sldId id="262" r:id="rId8"/>
-    <p:sldId id="263" r:id="rId9"/>
-    <p:sldId id="264" r:id="rId10"/>
-    <p:sldId id="275" r:id="rId11"/>
-    <p:sldId id="266" r:id="rId12"/>
-    <p:sldId id="267" r:id="rId13"/>
-    <p:sldId id="268" r:id="rId14"/>
-    <p:sldId id="269" r:id="rId15"/>
-    <p:sldId id="270" r:id="rId16"/>
-    <p:sldId id="271" r:id="rId17"/>
-    <p:sldId id="272" r:id="rId18"/>
-    <p:sldId id="273" r:id="rId19"/>
-    <p:sldId id="274" r:id="rId20"/>
+    <p:sldId id="276" r:id="rId3"/>
+    <p:sldId id="277" r:id="rId4"/>
+    <p:sldId id="278" r:id="rId5"/>
+    <p:sldId id="257" r:id="rId6"/>
+    <p:sldId id="258" r:id="rId7"/>
+    <p:sldId id="259" r:id="rId8"/>
+    <p:sldId id="260" r:id="rId9"/>
+    <p:sldId id="261" r:id="rId10"/>
+    <p:sldId id="262" r:id="rId11"/>
+    <p:sldId id="263" r:id="rId12"/>
+    <p:sldId id="264" r:id="rId13"/>
+    <p:sldId id="275" r:id="rId14"/>
+    <p:sldId id="266" r:id="rId15"/>
+    <p:sldId id="267" r:id="rId16"/>
+    <p:sldId id="268" r:id="rId17"/>
+    <p:sldId id="269" r:id="rId18"/>
+    <p:sldId id="270" r:id="rId19"/>
+    <p:sldId id="271" r:id="rId20"/>
+    <p:sldId id="272" r:id="rId21"/>
+    <p:sldId id="273" r:id="rId22"/>
+    <p:sldId id="274" r:id="rId23"/>
   </p:sldIdLst>
   <p:sldSz cx="9144000" cy="5143500" type="screen16x9"/>
   <p:notesSz cx="6858000" cy="9144000"/>
@@ -345,7 +348,7 @@
           <a:p>
             <a:fld id="{530820CF-B880-4189-942D-D702A7CBA730}" type="datetimeFigureOut">
               <a:rPr lang="zh-CN" altLang="en-US" smtClean="0"/>
-              <a:t>2017/9/28</a:t>
+              <a:t>2018/9/26</a:t>
             </a:fld>
             <a:endParaRPr lang="zh-CN" altLang="en-US"/>
           </a:p>
@@ -567,7 +570,7 @@
           <a:p>
             <a:fld id="{530820CF-B880-4189-942D-D702A7CBA730}" type="datetimeFigureOut">
               <a:rPr lang="zh-CN" altLang="en-US" smtClean="0"/>
-              <a:t>2017/9/28</a:t>
+              <a:t>2018/9/26</a:t>
             </a:fld>
             <a:endParaRPr lang="zh-CN" altLang="en-US"/>
           </a:p>
@@ -835,7 +838,7 @@
           <a:p>
             <a:fld id="{530820CF-B880-4189-942D-D702A7CBA730}" type="datetimeFigureOut">
               <a:rPr lang="zh-CN" altLang="en-US" smtClean="0"/>
-              <a:t>2017/9/28</a:t>
+              <a:t>2018/9/26</a:t>
             </a:fld>
             <a:endParaRPr lang="zh-CN" altLang="en-US"/>
           </a:p>
@@ -1085,7 +1088,7 @@
           <a:p>
             <a:fld id="{530820CF-B880-4189-942D-D702A7CBA730}" type="datetimeFigureOut">
               <a:rPr lang="zh-CN" altLang="en-US" smtClean="0"/>
-              <a:t>2017/9/28</a:t>
+              <a:t>2018/9/26</a:t>
             </a:fld>
             <a:endParaRPr lang="zh-CN" altLang="en-US"/>
           </a:p>
@@ -1344,7 +1347,7 @@
           <a:p>
             <a:fld id="{530820CF-B880-4189-942D-D702A7CBA730}" type="datetimeFigureOut">
               <a:rPr lang="zh-CN" altLang="en-US" smtClean="0"/>
-              <a:t>2017/9/28</a:t>
+              <a:t>2018/9/26</a:t>
             </a:fld>
             <a:endParaRPr lang="zh-CN" altLang="en-US"/>
           </a:p>
@@ -1709,7 +1712,7 @@
           <a:p>
             <a:fld id="{530820CF-B880-4189-942D-D702A7CBA730}" type="datetimeFigureOut">
               <a:rPr lang="zh-CN" altLang="en-US" smtClean="0"/>
-              <a:t>2017/9/28</a:t>
+              <a:t>2018/9/26</a:t>
             </a:fld>
             <a:endParaRPr lang="zh-CN" altLang="en-US"/>
           </a:p>
@@ -2207,7 +2210,7 @@
           <a:p>
             <a:fld id="{530820CF-B880-4189-942D-D702A7CBA730}" type="datetimeFigureOut">
               <a:rPr lang="zh-CN" altLang="en-US" smtClean="0"/>
-              <a:t>2017/9/28</a:t>
+              <a:t>2018/9/26</a:t>
             </a:fld>
             <a:endParaRPr lang="zh-CN" altLang="en-US"/>
           </a:p>
@@ -2401,7 +2404,7 @@
           <a:p>
             <a:fld id="{530820CF-B880-4189-942D-D702A7CBA730}" type="datetimeFigureOut">
               <a:rPr lang="zh-CN" altLang="en-US" smtClean="0"/>
-              <a:t>2017/9/28</a:t>
+              <a:t>2018/9/26</a:t>
             </a:fld>
             <a:endParaRPr lang="zh-CN" altLang="en-US"/>
           </a:p>
@@ -2572,7 +2575,7 @@
           <a:p>
             <a:fld id="{530820CF-B880-4189-942D-D702A7CBA730}" type="datetimeFigureOut">
               <a:rPr lang="zh-CN" altLang="en-US" smtClean="0"/>
-              <a:t>2017/9/28</a:t>
+              <a:t>2018/9/26</a:t>
             </a:fld>
             <a:endParaRPr lang="zh-CN" altLang="en-US"/>
           </a:p>
@@ -2972,7 +2975,7 @@
           <a:p>
             <a:fld id="{530820CF-B880-4189-942D-D702A7CBA730}" type="datetimeFigureOut">
               <a:rPr lang="zh-CN" altLang="en-US" smtClean="0"/>
-              <a:t>2017/9/28</a:t>
+              <a:t>2018/9/26</a:t>
             </a:fld>
             <a:endParaRPr lang="zh-CN" altLang="en-US"/>
           </a:p>
@@ -3352,7 +3355,7 @@
           <a:p>
             <a:fld id="{530820CF-B880-4189-942D-D702A7CBA730}" type="datetimeFigureOut">
               <a:rPr lang="zh-CN" altLang="en-US" smtClean="0"/>
-              <a:t>2017/9/28</a:t>
+              <a:t>2018/9/26</a:t>
             </a:fld>
             <a:endParaRPr lang="zh-CN" altLang="en-US"/>
           </a:p>
@@ -3626,7 +3629,7 @@
           <a:p>
             <a:fld id="{530820CF-B880-4189-942D-D702A7CBA730}" type="datetimeFigureOut">
               <a:rPr lang="zh-CN" altLang="en-US" smtClean="0"/>
-              <a:t>2017/9/28</a:t>
+              <a:t>2018/9/26</a:t>
             </a:fld>
             <a:endParaRPr lang="zh-CN" altLang="en-US"/>
           </a:p>
@@ -4170,7 +4173,11 @@
           <a:bodyPr/>
           <a:lstStyle/>
           <a:p>
-            <a:endParaRPr lang="zh-CN" altLang="en-US"/>
+            <a:r>
+              <a:rPr lang="en-US" altLang="zh-CN" b="1" dirty="0"/>
+              <a:t>Rigid Actors</a:t>
+            </a:r>
+            <a:endParaRPr lang="zh-CN" altLang="en-US" dirty="0"/>
           </a:p>
         </p:txBody>
       </p:sp>
@@ -4186,198 +4193,115 @@
         </p:nvSpPr>
         <p:spPr/>
         <p:txBody>
-          <a:bodyPr/>
-          <a:lstStyle/>
-          <a:p>
-            <a:endParaRPr lang="zh-CN" altLang="en-US"/>
-          </a:p>
-        </p:txBody>
-      </p:sp>
-      <p:sp>
-        <p:nvSpPr>
-          <p:cNvPr id="4" name="矩形 3"/>
-          <p:cNvSpPr/>
-          <p:nvPr/>
-        </p:nvSpPr>
-        <p:spPr>
-          <a:xfrm>
-            <a:off x="1259632" y="863590"/>
-            <a:ext cx="5958408" cy="2862322"/>
-          </a:xfrm>
-          <a:prstGeom prst="rect">
-            <a:avLst/>
-          </a:prstGeom>
-        </p:spPr>
-        <p:txBody>
-          <a:bodyPr wrap="square">
-            <a:spAutoFit/>
+          <a:bodyPr>
+            <a:normAutofit fontScale="62500" lnSpcReduction="20000"/>
           </a:bodyPr>
           <a:lstStyle/>
           <a:p>
             <a:r>
+              <a:rPr lang="en-US" altLang="zh-CN" dirty="0"/>
+              <a:t>Rigid actors are of two principal kinds: </a:t>
+            </a:r>
+            <a:r>
+              <a:rPr lang="en-US" altLang="zh-CN" i="1" dirty="0"/>
+              <a:t>static</a:t>
+            </a:r>
+            <a:r>
+              <a:rPr lang="en-US" altLang="zh-CN" dirty="0"/>
+              <a:t> and </a:t>
+            </a:r>
+            <a:r>
+              <a:rPr lang="en-US" altLang="zh-CN" i="1" dirty="0"/>
+              <a:t>dynamic</a:t>
+            </a:r>
+            <a:r>
+              <a:rPr lang="en-US" altLang="zh-CN" dirty="0"/>
+              <a:t>, corresponding to the PhysX classes </a:t>
+            </a:r>
+            <a:r>
               <a:rPr lang="en-US" altLang="zh-CN" dirty="0" err="1"/>
-              <a:t>PxShape</a:t>
-            </a:r>
-            <a:r>
-              <a:rPr lang="en-US" altLang="zh-CN" dirty="0"/>
-              <a:t>* shape = </a:t>
+              <a:t>PxRigidStatic</a:t>
+            </a:r>
+            <a:r>
+              <a:rPr lang="en-US" altLang="zh-CN" dirty="0"/>
+              <a:t> and </a:t>
+            </a:r>
+            <a:r>
+              <a:rPr lang="en-US" altLang="zh-CN" dirty="0" err="1" smtClean="0"/>
+              <a:t>PxRigidDynamic</a:t>
+            </a:r>
+            <a:endParaRPr lang="en-US" altLang="zh-CN" dirty="0" smtClean="0"/>
+          </a:p>
+          <a:p>
+            <a:r>
+              <a:rPr lang="en-US" altLang="zh-CN" dirty="0" smtClean="0"/>
+              <a:t>Static </a:t>
+            </a:r>
+            <a:r>
+              <a:rPr lang="en-US" altLang="zh-CN" dirty="0"/>
+              <a:t>actors are immovable by the simulation, whereas dynamic actors have their positions updated by the simulation when simulate() is </a:t>
+            </a:r>
+            <a:r>
+              <a:rPr lang="en-US" altLang="zh-CN" dirty="0" smtClean="0"/>
+              <a:t>called</a:t>
+            </a:r>
+          </a:p>
+          <a:p>
+            <a:r>
+              <a:rPr lang="en-US" altLang="zh-CN" dirty="0" smtClean="0"/>
+              <a:t>Dynamic </a:t>
+            </a:r>
+            <a:r>
+              <a:rPr lang="en-US" altLang="zh-CN" dirty="0"/>
+              <a:t>actors may be controlled either directly by the application updating their position on a frame-by-frame basis (such actors are called </a:t>
+            </a:r>
+            <a:r>
+              <a:rPr lang="en-US" altLang="zh-CN" i="1" dirty="0"/>
+              <a:t>kinematic</a:t>
+            </a:r>
+            <a:r>
+              <a:rPr lang="en-US" altLang="zh-CN" dirty="0"/>
+              <a:t>), or by the simulation engine according to Newton's Laws of Motion.</a:t>
+            </a:r>
+          </a:p>
+          <a:p>
+            <a:r>
+              <a:rPr lang="en-US" altLang="zh-CN" dirty="0"/>
+              <a:t>PhysX provides helper methods in </a:t>
             </a:r>
             <a:r>
               <a:rPr lang="en-US" altLang="zh-CN" dirty="0" err="1"/>
-              <a:t>gPhysics</a:t>
-            </a:r>
-            <a:r>
-              <a:rPr lang="en-US" altLang="zh-CN" dirty="0"/>
-              <a:t>-&gt;</a:t>
-            </a:r>
-            <a:r>
-              <a:rPr lang="en-US" altLang="zh-CN" dirty="0" err="1"/>
-              <a:t>createShape</a:t>
-            </a:r>
-            <a:r>
-              <a:rPr lang="en-US" altLang="zh-CN" dirty="0"/>
-              <a:t>(</a:t>
-            </a:r>
-            <a:r>
-              <a:rPr lang="en-US" altLang="zh-CN" dirty="0" err="1"/>
-              <a:t>PxBoxGeometry</a:t>
-            </a:r>
-            <a:r>
-              <a:rPr lang="en-US" altLang="zh-CN" dirty="0"/>
-              <a:t>(1.0f, 1.0f, 1.0f), *</a:t>
-            </a:r>
-            <a:r>
-              <a:rPr lang="en-US" altLang="zh-CN" dirty="0" err="1"/>
-              <a:t>gMaterial</a:t>
-            </a:r>
-            <a:r>
-              <a:rPr lang="en-US" altLang="zh-CN" dirty="0"/>
-              <a:t>);</a:t>
-            </a:r>
-          </a:p>
-          <a:p>
-            <a:r>
-              <a:rPr lang="en-US" altLang="zh-CN" dirty="0" err="1"/>
-              <a:t>PxTransform</a:t>
-            </a:r>
-            <a:r>
-              <a:rPr lang="en-US" altLang="zh-CN" dirty="0"/>
-              <a:t> </a:t>
-            </a:r>
-            <a:r>
-              <a:rPr lang="en-US" altLang="zh-CN" dirty="0" err="1"/>
-              <a:t>localTm</a:t>
-            </a:r>
-            <a:r>
-              <a:rPr lang="en-US" altLang="zh-CN" dirty="0"/>
-              <a:t>(PxVec3(-3.0f, 5.0f, 0.f));</a:t>
-            </a:r>
-          </a:p>
-          <a:p>
-            <a:r>
-              <a:rPr lang="en-US" altLang="zh-CN" dirty="0" err="1"/>
-              <a:t>PxRigidDynamic</a:t>
-            </a:r>
-            <a:r>
-              <a:rPr lang="en-US" altLang="zh-CN" dirty="0"/>
-              <a:t>* body = </a:t>
-            </a:r>
-            <a:r>
-              <a:rPr lang="en-US" altLang="zh-CN" dirty="0" err="1"/>
-              <a:t>gPhysics</a:t>
-            </a:r>
-            <a:r>
-              <a:rPr lang="en-US" altLang="zh-CN" dirty="0"/>
-              <a:t>-&gt;</a:t>
-            </a:r>
-            <a:r>
-              <a:rPr lang="en-US" altLang="zh-CN" dirty="0" err="1"/>
-              <a:t>createRigidDynamic</a:t>
-            </a:r>
-            <a:r>
-              <a:rPr lang="en-US" altLang="zh-CN" dirty="0"/>
-              <a:t>(</a:t>
-            </a:r>
-            <a:r>
-              <a:rPr lang="en-US" altLang="zh-CN" dirty="0" err="1"/>
-              <a:t>localTm</a:t>
-            </a:r>
-            <a:r>
-              <a:rPr lang="en-US" altLang="zh-CN" dirty="0"/>
-              <a:t>);</a:t>
-            </a:r>
-          </a:p>
-          <a:p>
-            <a:r>
-              <a:rPr lang="en-US" altLang="zh-CN" dirty="0"/>
-              <a:t>body-&gt;</a:t>
-            </a:r>
-            <a:r>
-              <a:rPr lang="en-US" altLang="zh-CN" dirty="0" err="1"/>
-              <a:t>attachShape</a:t>
-            </a:r>
-            <a:r>
-              <a:rPr lang="en-US" altLang="zh-CN" dirty="0"/>
-              <a:t>(*shape);</a:t>
-            </a:r>
-          </a:p>
-          <a:p>
-            <a:r>
-              <a:rPr lang="en-US" altLang="zh-CN" dirty="0" err="1"/>
-              <a:t>PxRigidBodyExt</a:t>
-            </a:r>
-            <a:r>
-              <a:rPr lang="en-US" altLang="zh-CN" dirty="0"/>
-              <a:t>::</a:t>
-            </a:r>
-            <a:r>
-              <a:rPr lang="en-US" altLang="zh-CN" dirty="0" err="1"/>
-              <a:t>updateMassAndInertia</a:t>
-            </a:r>
-            <a:r>
-              <a:rPr lang="en-US" altLang="zh-CN" dirty="0"/>
-              <a:t>(*body, 10.0f);</a:t>
-            </a:r>
-          </a:p>
-          <a:p>
-            <a:r>
-              <a:rPr lang="en-US" altLang="zh-CN" dirty="0" err="1"/>
-              <a:t>gScene</a:t>
-            </a:r>
-            <a:r>
-              <a:rPr lang="en-US" altLang="zh-CN" dirty="0"/>
-              <a:t>-&gt;</a:t>
-            </a:r>
-            <a:r>
-              <a:rPr lang="en-US" altLang="zh-CN" dirty="0" err="1"/>
-              <a:t>addActor</a:t>
-            </a:r>
-            <a:r>
-              <a:rPr lang="en-US" altLang="zh-CN" dirty="0"/>
-              <a:t>(*body);</a:t>
-            </a:r>
-          </a:p>
-          <a:p>
+              <a:t>PxSimpleFactory.h</a:t>
+            </a:r>
+            <a:r>
+              <a:rPr lang="en-US" altLang="zh-CN" dirty="0"/>
+              <a:t> to quickly create simple </a:t>
+            </a:r>
+            <a:r>
+              <a:rPr lang="en-US" altLang="zh-CN" dirty="0" smtClean="0"/>
+              <a:t>actors</a:t>
+            </a:r>
             <a:endParaRPr lang="zh-CN" altLang="en-US" dirty="0"/>
-          </a:p>
-          <a:p>
-            <a:r>
-              <a:rPr lang="en-US" altLang="zh-CN" dirty="0"/>
-              <a:t>shape-&gt;release();</a:t>
-            </a:r>
           </a:p>
         </p:txBody>
       </p:sp>
     </p:spTree>
     <p:extLst>
       <p:ext uri="{BB962C8B-B14F-4D97-AF65-F5344CB8AC3E}">
-        <p14:creationId xmlns:p14="http://schemas.microsoft.com/office/powerpoint/2010/main" val="4199492278"/>
+        <p14:creationId xmlns:p14="http://schemas.microsoft.com/office/powerpoint/2010/main" val="2629757602"/>
       </p:ext>
     </p:extLst>
   </p:cSld>
   <p:clrMapOvr>
     <a:masterClrMapping/>
   </p:clrMapOvr>
+  <p:timing>
+    <p:tnLst>
+      <p:par>
+        <p:cTn id="1" dur="indefinite" restart="never" nodeType="tmRoot"/>
+      </p:par>
+    </p:tnLst>
+  </p:timing>
 </p:sld>
 </file>
 
@@ -4413,6 +4337,634 @@
           <a:bodyPr/>
           <a:lstStyle/>
           <a:p>
+            <a:endParaRPr lang="zh-CN" altLang="en-US"/>
+          </a:p>
+        </p:txBody>
+      </p:sp>
+      <p:sp>
+        <p:nvSpPr>
+          <p:cNvPr id="3" name="内容占位符 2"/>
+          <p:cNvSpPr>
+            <a:spLocks noGrp="1"/>
+          </p:cNvSpPr>
+          <p:nvPr>
+            <p:ph idx="1"/>
+          </p:nvPr>
+        </p:nvSpPr>
+        <p:spPr/>
+        <p:txBody>
+          <a:bodyPr>
+            <a:normAutofit fontScale="70000" lnSpcReduction="20000"/>
+          </a:bodyPr>
+          <a:lstStyle/>
+          <a:p>
+            <a:r>
+              <a:rPr lang="en-US" altLang="zh-CN" dirty="0"/>
+              <a:t>To procedurally create and simulate more complex actors, follow these steps:</a:t>
+            </a:r>
+          </a:p>
+          <a:p>
+            <a:pPr marL="514350" indent="-514350">
+              <a:buFont typeface="+mj-lt"/>
+              <a:buAutoNum type="arabicPeriod"/>
+            </a:pPr>
+            <a:r>
+              <a:rPr lang="en-US" altLang="zh-CN" dirty="0"/>
+              <a:t>create a </a:t>
+            </a:r>
+            <a:r>
+              <a:rPr lang="en-US" altLang="zh-CN" dirty="0" err="1"/>
+              <a:t>PxRigidStatic</a:t>
+            </a:r>
+            <a:r>
+              <a:rPr lang="en-US" altLang="zh-CN" dirty="0"/>
+              <a:t> or </a:t>
+            </a:r>
+            <a:r>
+              <a:rPr lang="en-US" altLang="zh-CN" dirty="0" err="1"/>
+              <a:t>PxRigidDynamic</a:t>
+            </a:r>
+            <a:r>
+              <a:rPr lang="en-US" altLang="zh-CN" dirty="0"/>
+              <a:t> object through the </a:t>
+            </a:r>
+            <a:r>
+              <a:rPr lang="en-US" altLang="zh-CN" dirty="0" err="1"/>
+              <a:t>PxPhysics</a:t>
+            </a:r>
+            <a:r>
+              <a:rPr lang="en-US" altLang="zh-CN" dirty="0"/>
+              <a:t> object, specifying its pose (orientation and position) in the world </a:t>
+            </a:r>
+          </a:p>
+          <a:p>
+            <a:pPr marL="514350" indent="-514350">
+              <a:buFont typeface="+mj-lt"/>
+              <a:buAutoNum type="arabicPeriod"/>
+            </a:pPr>
+            <a:r>
+              <a:rPr lang="en-US" altLang="zh-CN" dirty="0"/>
+              <a:t>create one or more </a:t>
+            </a:r>
+            <a:r>
+              <a:rPr lang="en-US" altLang="zh-CN" dirty="0" err="1"/>
+              <a:t>PxShapes</a:t>
+            </a:r>
+            <a:r>
+              <a:rPr lang="en-US" altLang="zh-CN" dirty="0"/>
+              <a:t> to define the collision geometry of the actor </a:t>
+            </a:r>
+          </a:p>
+          <a:p>
+            <a:pPr marL="514350" indent="-514350">
+              <a:buFont typeface="+mj-lt"/>
+              <a:buAutoNum type="arabicPeriod"/>
+            </a:pPr>
+            <a:r>
+              <a:rPr lang="en-US" altLang="zh-CN" dirty="0"/>
+              <a:t>for dynamics, update the mass and inertia properties of the actor </a:t>
+            </a:r>
+          </a:p>
+          <a:p>
+            <a:pPr marL="514350" indent="-514350">
+              <a:buFont typeface="+mj-lt"/>
+              <a:buAutoNum type="arabicPeriod"/>
+            </a:pPr>
+            <a:r>
+              <a:rPr lang="en-US" altLang="zh-CN" dirty="0"/>
+              <a:t>customize the properties of the actor and shapes as necessary </a:t>
+            </a:r>
+          </a:p>
+          <a:p>
+            <a:pPr marL="514350" indent="-514350">
+              <a:buFont typeface="+mj-lt"/>
+              <a:buAutoNum type="arabicPeriod"/>
+            </a:pPr>
+            <a:r>
+              <a:rPr lang="en-US" altLang="zh-CN" dirty="0"/>
+              <a:t>add the actor to the scene </a:t>
+            </a:r>
+          </a:p>
+          <a:p>
+            <a:endParaRPr lang="zh-CN" altLang="en-US" dirty="0"/>
+          </a:p>
+        </p:txBody>
+      </p:sp>
+    </p:spTree>
+    <p:extLst>
+      <p:ext uri="{BB962C8B-B14F-4D97-AF65-F5344CB8AC3E}">
+        <p14:creationId xmlns:p14="http://schemas.microsoft.com/office/powerpoint/2010/main" val="2800521491"/>
+      </p:ext>
+    </p:extLst>
+  </p:cSld>
+  <p:clrMapOvr>
+    <a:masterClrMapping/>
+  </p:clrMapOvr>
+  <p:timing>
+    <p:tnLst>
+      <p:par>
+        <p:cTn id="1" dur="indefinite" restart="never" nodeType="tmRoot"/>
+      </p:par>
+    </p:tnLst>
+  </p:timing>
+</p:sld>
+</file>
+
+<file path=ppt/slides/slide12.xml><?xml version="1.0" encoding="utf-8"?>
+<p:sld xmlns:a="http://schemas.openxmlformats.org/drawingml/2006/main" xmlns:r="http://schemas.openxmlformats.org/officeDocument/2006/relationships" xmlns:p="http://schemas.openxmlformats.org/presentationml/2006/main">
+  <p:cSld>
+    <p:spTree>
+      <p:nvGrpSpPr>
+        <p:cNvPr id="1" name=""/>
+        <p:cNvGrpSpPr/>
+        <p:nvPr/>
+      </p:nvGrpSpPr>
+      <p:grpSpPr>
+        <a:xfrm>
+          <a:off x="0" y="0"/>
+          <a:ext cx="0" cy="0"/>
+          <a:chOff x="0" y="0"/>
+          <a:chExt cx="0" cy="0"/>
+        </a:xfrm>
+      </p:grpSpPr>
+      <p:sp>
+        <p:nvSpPr>
+          <p:cNvPr id="2" name="标题 1"/>
+          <p:cNvSpPr>
+            <a:spLocks noGrp="1"/>
+          </p:cNvSpPr>
+          <p:nvPr>
+            <p:ph type="title"/>
+          </p:nvPr>
+        </p:nvSpPr>
+        <p:spPr/>
+        <p:txBody>
+          <a:bodyPr/>
+          <a:lstStyle/>
+          <a:p>
+            <a:r>
+              <a:rPr lang="en-US" altLang="zh-CN" b="1" dirty="0"/>
+              <a:t>Shapes</a:t>
+            </a:r>
+            <a:endParaRPr lang="zh-CN" altLang="en-US" dirty="0"/>
+          </a:p>
+        </p:txBody>
+      </p:sp>
+      <p:sp>
+        <p:nvSpPr>
+          <p:cNvPr id="3" name="内容占位符 2"/>
+          <p:cNvSpPr>
+            <a:spLocks noGrp="1"/>
+          </p:cNvSpPr>
+          <p:nvPr>
+            <p:ph idx="1"/>
+          </p:nvPr>
+        </p:nvSpPr>
+        <p:spPr/>
+        <p:txBody>
+          <a:bodyPr>
+            <a:normAutofit fontScale="70000" lnSpcReduction="20000"/>
+          </a:bodyPr>
+          <a:lstStyle/>
+          <a:p>
+            <a:r>
+              <a:rPr lang="en-US" altLang="zh-CN" dirty="0"/>
+              <a:t>Shapes describe the spatial extent and collision properties of </a:t>
+            </a:r>
+            <a:r>
+              <a:rPr lang="en-US" altLang="zh-CN" dirty="0" smtClean="0"/>
+              <a:t>actors</a:t>
+            </a:r>
+          </a:p>
+          <a:p>
+            <a:r>
+              <a:rPr lang="en-US" altLang="zh-CN" dirty="0" smtClean="0"/>
+              <a:t>Each </a:t>
+            </a:r>
+            <a:r>
+              <a:rPr lang="en-US" altLang="zh-CN" dirty="0"/>
+              <a:t>shape contains a </a:t>
+            </a:r>
+            <a:r>
+              <a:rPr lang="en-US" altLang="zh-CN" dirty="0" err="1"/>
+              <a:t>PxGeometry</a:t>
+            </a:r>
+            <a:r>
+              <a:rPr lang="en-US" altLang="zh-CN" dirty="0"/>
+              <a:t> object and a reference to a </a:t>
+            </a:r>
+            <a:r>
+              <a:rPr lang="en-US" altLang="zh-CN" dirty="0" err="1" smtClean="0"/>
+              <a:t>PxMaterial</a:t>
+            </a:r>
+            <a:endParaRPr lang="en-US" altLang="zh-CN" dirty="0" smtClean="0"/>
+          </a:p>
+          <a:p>
+            <a:r>
+              <a:rPr lang="en-US" altLang="zh-CN" dirty="0" smtClean="0"/>
+              <a:t>A </a:t>
+            </a:r>
+            <a:r>
+              <a:rPr lang="en-US" altLang="zh-CN" dirty="0"/>
+              <a:t>shape may also have a transform relative to its parent </a:t>
+            </a:r>
+            <a:r>
+              <a:rPr lang="en-US" altLang="zh-CN" dirty="0" smtClean="0"/>
+              <a:t>actor</a:t>
+            </a:r>
+          </a:p>
+          <a:p>
+            <a:pPr lvl="1"/>
+            <a:r>
+              <a:rPr lang="en-US" altLang="zh-CN" dirty="0" smtClean="0"/>
+              <a:t>To </a:t>
+            </a:r>
+            <a:r>
+              <a:rPr lang="en-US" altLang="zh-CN" dirty="0"/>
+              <a:t>create an actor with several shapes (sometimes referred to as a </a:t>
+            </a:r>
+            <a:r>
+              <a:rPr lang="en-US" altLang="zh-CN" i="1" dirty="0"/>
+              <a:t>compound</a:t>
+            </a:r>
+            <a:r>
+              <a:rPr lang="en-US" altLang="zh-CN" dirty="0"/>
+              <a:t>), just call </a:t>
+            </a:r>
+            <a:r>
+              <a:rPr lang="en-US" altLang="zh-CN" dirty="0" err="1"/>
+              <a:t>PxRigidActor</a:t>
+            </a:r>
+            <a:r>
+              <a:rPr lang="en-US" altLang="zh-CN" dirty="0"/>
+              <a:t>::</a:t>
+            </a:r>
+            <a:r>
+              <a:rPr lang="en-US" altLang="zh-CN" dirty="0" err="1"/>
+              <a:t>createShape</a:t>
+            </a:r>
+            <a:r>
+              <a:rPr lang="en-US" altLang="zh-CN" dirty="0"/>
+              <a:t>() several </a:t>
+            </a:r>
+            <a:r>
+              <a:rPr lang="en-US" altLang="zh-CN" dirty="0" smtClean="0"/>
+              <a:t>times</a:t>
+            </a:r>
+          </a:p>
+          <a:p>
+            <a:r>
+              <a:rPr lang="en-US" altLang="zh-CN" dirty="0" smtClean="0"/>
+              <a:t>There </a:t>
+            </a:r>
+            <a:r>
+              <a:rPr lang="en-US" altLang="zh-CN" dirty="0"/>
+              <a:t>are no persistence requirements on the </a:t>
+            </a:r>
+            <a:r>
+              <a:rPr lang="en-US" altLang="zh-CN" dirty="0" err="1"/>
+              <a:t>PxGeometry</a:t>
+            </a:r>
+            <a:r>
+              <a:rPr lang="en-US" altLang="zh-CN" dirty="0"/>
+              <a:t> instance that is passed as a function argument in </a:t>
+            </a:r>
+            <a:r>
+              <a:rPr lang="en-US" altLang="zh-CN" dirty="0" err="1"/>
+              <a:t>PxRigidActor</a:t>
+            </a:r>
+            <a:r>
+              <a:rPr lang="en-US" altLang="zh-CN" dirty="0"/>
+              <a:t>::</a:t>
+            </a:r>
+            <a:r>
+              <a:rPr lang="en-US" altLang="zh-CN" dirty="0" err="1"/>
+              <a:t>createShape</a:t>
+            </a:r>
+            <a:r>
+              <a:rPr lang="en-US" altLang="zh-CN" dirty="0" smtClean="0"/>
+              <a:t>()</a:t>
+            </a:r>
+          </a:p>
+          <a:p>
+            <a:pPr lvl="1"/>
+            <a:r>
+              <a:rPr lang="en-US" altLang="zh-CN" dirty="0" smtClean="0"/>
+              <a:t>The </a:t>
+            </a:r>
+            <a:r>
+              <a:rPr lang="en-US" altLang="zh-CN" dirty="0"/>
+              <a:t>PhysX SDK takes a copy of the </a:t>
+            </a:r>
+            <a:r>
+              <a:rPr lang="en-US" altLang="zh-CN" dirty="0" err="1"/>
+              <a:t>PxGeometry</a:t>
+            </a:r>
+            <a:r>
+              <a:rPr lang="en-US" altLang="zh-CN" dirty="0"/>
+              <a:t> object rather than maintaining a reference to it.</a:t>
+            </a:r>
+          </a:p>
+          <a:p>
+            <a:endParaRPr lang="zh-CN" altLang="en-US" dirty="0"/>
+          </a:p>
+        </p:txBody>
+      </p:sp>
+    </p:spTree>
+    <p:extLst>
+      <p:ext uri="{BB962C8B-B14F-4D97-AF65-F5344CB8AC3E}">
+        <p14:creationId xmlns:p14="http://schemas.microsoft.com/office/powerpoint/2010/main" val="4056047839"/>
+      </p:ext>
+    </p:extLst>
+  </p:cSld>
+  <p:clrMapOvr>
+    <a:masterClrMapping/>
+  </p:clrMapOvr>
+  <p:timing>
+    <p:tnLst>
+      <p:par>
+        <p:cTn id="1" dur="indefinite" restart="never" nodeType="tmRoot"/>
+      </p:par>
+    </p:tnLst>
+  </p:timing>
+</p:sld>
+</file>
+
+<file path=ppt/slides/slide13.xml><?xml version="1.0" encoding="utf-8"?>
+<p:sld xmlns:a="http://schemas.openxmlformats.org/drawingml/2006/main" xmlns:r="http://schemas.openxmlformats.org/officeDocument/2006/relationships" xmlns:p="http://schemas.openxmlformats.org/presentationml/2006/main">
+  <p:cSld>
+    <p:spTree>
+      <p:nvGrpSpPr>
+        <p:cNvPr id="1" name=""/>
+        <p:cNvGrpSpPr/>
+        <p:nvPr/>
+      </p:nvGrpSpPr>
+      <p:grpSpPr>
+        <a:xfrm>
+          <a:off x="0" y="0"/>
+          <a:ext cx="0" cy="0"/>
+          <a:chOff x="0" y="0"/>
+          <a:chExt cx="0" cy="0"/>
+        </a:xfrm>
+      </p:grpSpPr>
+      <p:sp>
+        <p:nvSpPr>
+          <p:cNvPr id="2" name="标题 1"/>
+          <p:cNvSpPr>
+            <a:spLocks noGrp="1"/>
+          </p:cNvSpPr>
+          <p:nvPr>
+            <p:ph type="title"/>
+          </p:nvPr>
+        </p:nvSpPr>
+        <p:spPr/>
+        <p:txBody>
+          <a:bodyPr/>
+          <a:lstStyle/>
+          <a:p>
+            <a:endParaRPr lang="zh-CN" altLang="en-US"/>
+          </a:p>
+        </p:txBody>
+      </p:sp>
+      <p:sp>
+        <p:nvSpPr>
+          <p:cNvPr id="3" name="内容占位符 2"/>
+          <p:cNvSpPr>
+            <a:spLocks noGrp="1"/>
+          </p:cNvSpPr>
+          <p:nvPr>
+            <p:ph idx="1"/>
+          </p:nvPr>
+        </p:nvSpPr>
+        <p:spPr/>
+        <p:txBody>
+          <a:bodyPr/>
+          <a:lstStyle/>
+          <a:p>
+            <a:endParaRPr lang="zh-CN" altLang="en-US"/>
+          </a:p>
+        </p:txBody>
+      </p:sp>
+      <p:sp>
+        <p:nvSpPr>
+          <p:cNvPr id="4" name="矩形 3"/>
+          <p:cNvSpPr/>
+          <p:nvPr/>
+        </p:nvSpPr>
+        <p:spPr>
+          <a:xfrm>
+            <a:off x="1259632" y="863590"/>
+            <a:ext cx="5958408" cy="2862322"/>
+          </a:xfrm>
+          <a:prstGeom prst="rect">
+            <a:avLst/>
+          </a:prstGeom>
+        </p:spPr>
+        <p:txBody>
+          <a:bodyPr wrap="square">
+            <a:spAutoFit/>
+          </a:bodyPr>
+          <a:lstStyle/>
+          <a:p>
+            <a:r>
+              <a:rPr lang="en-US" altLang="zh-CN" dirty="0" err="1"/>
+              <a:t>PxShape</a:t>
+            </a:r>
+            <a:r>
+              <a:rPr lang="en-US" altLang="zh-CN" dirty="0"/>
+              <a:t>* shape = </a:t>
+            </a:r>
+            <a:r>
+              <a:rPr lang="en-US" altLang="zh-CN" dirty="0" err="1"/>
+              <a:t>gPhysics</a:t>
+            </a:r>
+            <a:r>
+              <a:rPr lang="en-US" altLang="zh-CN" dirty="0"/>
+              <a:t>-&gt;</a:t>
+            </a:r>
+            <a:r>
+              <a:rPr lang="en-US" altLang="zh-CN" dirty="0" err="1"/>
+              <a:t>createShape</a:t>
+            </a:r>
+            <a:r>
+              <a:rPr lang="en-US" altLang="zh-CN" dirty="0"/>
+              <a:t>(</a:t>
+            </a:r>
+            <a:r>
+              <a:rPr lang="en-US" altLang="zh-CN" dirty="0" err="1"/>
+              <a:t>PxBoxGeometry</a:t>
+            </a:r>
+            <a:r>
+              <a:rPr lang="en-US" altLang="zh-CN" dirty="0"/>
+              <a:t>(1.0f, 1.0f, 1.0f), *</a:t>
+            </a:r>
+            <a:r>
+              <a:rPr lang="en-US" altLang="zh-CN" dirty="0" err="1"/>
+              <a:t>gMaterial</a:t>
+            </a:r>
+            <a:r>
+              <a:rPr lang="en-US" altLang="zh-CN" dirty="0"/>
+              <a:t>);</a:t>
+            </a:r>
+          </a:p>
+          <a:p>
+            <a:r>
+              <a:rPr lang="en-US" altLang="zh-CN" dirty="0" err="1"/>
+              <a:t>PxTransform</a:t>
+            </a:r>
+            <a:r>
+              <a:rPr lang="en-US" altLang="zh-CN" dirty="0"/>
+              <a:t> </a:t>
+            </a:r>
+            <a:r>
+              <a:rPr lang="en-US" altLang="zh-CN" dirty="0" err="1"/>
+              <a:t>localTm</a:t>
+            </a:r>
+            <a:r>
+              <a:rPr lang="en-US" altLang="zh-CN" dirty="0"/>
+              <a:t>(PxVec3(-3.0f, 5.0f, 0.f));</a:t>
+            </a:r>
+          </a:p>
+          <a:p>
+            <a:r>
+              <a:rPr lang="en-US" altLang="zh-CN" dirty="0" err="1"/>
+              <a:t>PxRigidDynamic</a:t>
+            </a:r>
+            <a:r>
+              <a:rPr lang="en-US" altLang="zh-CN" dirty="0"/>
+              <a:t>* body = </a:t>
+            </a:r>
+            <a:r>
+              <a:rPr lang="en-US" altLang="zh-CN" dirty="0" err="1"/>
+              <a:t>gPhysics</a:t>
+            </a:r>
+            <a:r>
+              <a:rPr lang="en-US" altLang="zh-CN" dirty="0"/>
+              <a:t>-&gt;</a:t>
+            </a:r>
+            <a:r>
+              <a:rPr lang="en-US" altLang="zh-CN" dirty="0" err="1"/>
+              <a:t>createRigidDynamic</a:t>
+            </a:r>
+            <a:r>
+              <a:rPr lang="en-US" altLang="zh-CN" dirty="0"/>
+              <a:t>(</a:t>
+            </a:r>
+            <a:r>
+              <a:rPr lang="en-US" altLang="zh-CN" dirty="0" err="1"/>
+              <a:t>localTm</a:t>
+            </a:r>
+            <a:r>
+              <a:rPr lang="en-US" altLang="zh-CN" dirty="0"/>
+              <a:t>);</a:t>
+            </a:r>
+          </a:p>
+          <a:p>
+            <a:r>
+              <a:rPr lang="en-US" altLang="zh-CN" dirty="0"/>
+              <a:t>body-&gt;</a:t>
+            </a:r>
+            <a:r>
+              <a:rPr lang="en-US" altLang="zh-CN" dirty="0" err="1"/>
+              <a:t>attachShape</a:t>
+            </a:r>
+            <a:r>
+              <a:rPr lang="en-US" altLang="zh-CN" dirty="0"/>
+              <a:t>(*shape);</a:t>
+            </a:r>
+          </a:p>
+          <a:p>
+            <a:r>
+              <a:rPr lang="en-US" altLang="zh-CN" dirty="0" err="1"/>
+              <a:t>PxRigidBodyExt</a:t>
+            </a:r>
+            <a:r>
+              <a:rPr lang="en-US" altLang="zh-CN" dirty="0"/>
+              <a:t>::</a:t>
+            </a:r>
+            <a:r>
+              <a:rPr lang="en-US" altLang="zh-CN" dirty="0" err="1"/>
+              <a:t>updateMassAndInertia</a:t>
+            </a:r>
+            <a:r>
+              <a:rPr lang="en-US" altLang="zh-CN" dirty="0"/>
+              <a:t>(*body, 10.0f);</a:t>
+            </a:r>
+          </a:p>
+          <a:p>
+            <a:r>
+              <a:rPr lang="en-US" altLang="zh-CN" dirty="0" err="1"/>
+              <a:t>gScene</a:t>
+            </a:r>
+            <a:r>
+              <a:rPr lang="en-US" altLang="zh-CN" dirty="0"/>
+              <a:t>-&gt;</a:t>
+            </a:r>
+            <a:r>
+              <a:rPr lang="en-US" altLang="zh-CN" dirty="0" err="1"/>
+              <a:t>addActor</a:t>
+            </a:r>
+            <a:r>
+              <a:rPr lang="en-US" altLang="zh-CN" dirty="0"/>
+              <a:t>(*body);</a:t>
+            </a:r>
+          </a:p>
+          <a:p>
+            <a:endParaRPr lang="zh-CN" altLang="en-US" dirty="0"/>
+          </a:p>
+          <a:p>
+            <a:r>
+              <a:rPr lang="en-US" altLang="zh-CN" dirty="0"/>
+              <a:t>shape-&gt;release();</a:t>
+            </a:r>
+          </a:p>
+        </p:txBody>
+      </p:sp>
+    </p:spTree>
+    <p:extLst>
+      <p:ext uri="{BB962C8B-B14F-4D97-AF65-F5344CB8AC3E}">
+        <p14:creationId xmlns:p14="http://schemas.microsoft.com/office/powerpoint/2010/main" val="4199492278"/>
+      </p:ext>
+    </p:extLst>
+  </p:cSld>
+  <p:clrMapOvr>
+    <a:masterClrMapping/>
+  </p:clrMapOvr>
+</p:sld>
+</file>
+
+<file path=ppt/slides/slide14.xml><?xml version="1.0" encoding="utf-8"?>
+<p:sld xmlns:a="http://schemas.openxmlformats.org/drawingml/2006/main" xmlns:r="http://schemas.openxmlformats.org/officeDocument/2006/relationships" xmlns:p="http://schemas.openxmlformats.org/presentationml/2006/main">
+  <p:cSld>
+    <p:spTree>
+      <p:nvGrpSpPr>
+        <p:cNvPr id="1" name=""/>
+        <p:cNvGrpSpPr/>
+        <p:nvPr/>
+      </p:nvGrpSpPr>
+      <p:grpSpPr>
+        <a:xfrm>
+          <a:off x="0" y="0"/>
+          <a:ext cx="0" cy="0"/>
+          <a:chOff x="0" y="0"/>
+          <a:chExt cx="0" cy="0"/>
+        </a:xfrm>
+      </p:grpSpPr>
+      <p:sp>
+        <p:nvSpPr>
+          <p:cNvPr id="2" name="标题 1"/>
+          <p:cNvSpPr>
+            <a:spLocks noGrp="1"/>
+          </p:cNvSpPr>
+          <p:nvPr>
+            <p:ph type="title"/>
+          </p:nvPr>
+        </p:nvSpPr>
+        <p:spPr/>
+        <p:txBody>
+          <a:bodyPr/>
+          <a:lstStyle/>
+          <a:p>
             <a:r>
               <a:rPr lang="en-US" altLang="zh-CN" b="1" dirty="0"/>
               <a:t>Kinematic triangle meshes</a:t>
@@ -4496,7 +5048,7 @@
 </p:sld>
 </file>
 
-<file path=ppt/slides/slide12.xml><?xml version="1.0" encoding="utf-8"?>
+<file path=ppt/slides/slide15.xml><?xml version="1.0" encoding="utf-8"?>
 <p:sld xmlns:a="http://schemas.openxmlformats.org/drawingml/2006/main" xmlns:r="http://schemas.openxmlformats.org/officeDocument/2006/relationships" xmlns:p="http://schemas.openxmlformats.org/presentationml/2006/main">
   <p:cSld>
     <p:spTree>
@@ -4635,7 +5187,7 @@
 </p:sld>
 </file>
 
-<file path=ppt/slides/slide13.xml><?xml version="1.0" encoding="utf-8"?>
+<file path=ppt/slides/slide16.xml><?xml version="1.0" encoding="utf-8"?>
 <p:sld xmlns:a="http://schemas.openxmlformats.org/drawingml/2006/main" xmlns:r="http://schemas.openxmlformats.org/officeDocument/2006/relationships" xmlns:p="http://schemas.openxmlformats.org/presentationml/2006/main">
   <p:cSld>
     <p:spTree>
@@ -4749,7 +5301,7 @@
 </p:sld>
 </file>
 
-<file path=ppt/slides/slide14.xml><?xml version="1.0" encoding="utf-8"?>
+<file path=ppt/slides/slide17.xml><?xml version="1.0" encoding="utf-8"?>
 <p:sld xmlns:a="http://schemas.openxmlformats.org/drawingml/2006/main" xmlns:r="http://schemas.openxmlformats.org/officeDocument/2006/relationships" xmlns:p="http://schemas.openxmlformats.org/presentationml/2006/main">
   <p:cSld>
     <p:spTree>
@@ -5047,7 +5599,7 @@
 </p:sld>
 </file>
 
-<file path=ppt/slides/slide15.xml><?xml version="1.0" encoding="utf-8"?>
+<file path=ppt/slides/slide18.xml><?xml version="1.0" encoding="utf-8"?>
 <p:sld xmlns:a="http://schemas.openxmlformats.org/drawingml/2006/main" xmlns:r="http://schemas.openxmlformats.org/officeDocument/2006/relationships" xmlns:p="http://schemas.openxmlformats.org/presentationml/2006/main">
   <p:cSld>
     <p:spTree>
@@ -5194,7 +5746,7 @@
 </p:sld>
 </file>
 
-<file path=ppt/slides/slide16.xml><?xml version="1.0" encoding="utf-8"?>
+<file path=ppt/slides/slide19.xml><?xml version="1.0" encoding="utf-8"?>
 <p:sld xmlns:a="http://schemas.openxmlformats.org/drawingml/2006/main" xmlns:r="http://schemas.openxmlformats.org/officeDocument/2006/relationships" xmlns:p="http://schemas.openxmlformats.org/presentationml/2006/main">
   <p:cSld>
     <p:spTree>
@@ -5455,7 +6007,132 @@
 </p:sld>
 </file>
 
-<file path=ppt/slides/slide17.xml><?xml version="1.0" encoding="utf-8"?>
+<file path=ppt/slides/slide2.xml><?xml version="1.0" encoding="utf-8"?>
+<p:sld xmlns:a="http://schemas.openxmlformats.org/drawingml/2006/main" xmlns:r="http://schemas.openxmlformats.org/officeDocument/2006/relationships" xmlns:p="http://schemas.openxmlformats.org/presentationml/2006/main">
+  <p:cSld>
+    <p:spTree>
+      <p:nvGrpSpPr>
+        <p:cNvPr id="1" name=""/>
+        <p:cNvGrpSpPr/>
+        <p:nvPr/>
+      </p:nvGrpSpPr>
+      <p:grpSpPr>
+        <a:xfrm>
+          <a:off x="0" y="0"/>
+          <a:ext cx="0" cy="0"/>
+          <a:chOff x="0" y="0"/>
+          <a:chExt cx="0" cy="0"/>
+        </a:xfrm>
+      </p:grpSpPr>
+      <p:sp>
+        <p:nvSpPr>
+          <p:cNvPr id="2" name="标题 1"/>
+          <p:cNvSpPr>
+            <a:spLocks noGrp="1"/>
+          </p:cNvSpPr>
+          <p:nvPr>
+            <p:ph type="title"/>
+          </p:nvPr>
+        </p:nvSpPr>
+        <p:spPr/>
+        <p:txBody>
+          <a:bodyPr/>
+          <a:lstStyle/>
+          <a:p>
+            <a:r>
+              <a:rPr lang="zh-CN" altLang="en-US" dirty="0" smtClean="0"/>
+              <a:t>准备工作</a:t>
+            </a:r>
+            <a:endParaRPr lang="zh-CN" altLang="en-US" dirty="0"/>
+          </a:p>
+        </p:txBody>
+      </p:sp>
+      <p:sp>
+        <p:nvSpPr>
+          <p:cNvPr id="3" name="内容占位符 2"/>
+          <p:cNvSpPr>
+            <a:spLocks noGrp="1"/>
+          </p:cNvSpPr>
+          <p:nvPr>
+            <p:ph idx="1"/>
+          </p:nvPr>
+        </p:nvSpPr>
+        <p:spPr/>
+        <p:txBody>
+          <a:bodyPr/>
+          <a:lstStyle/>
+          <a:p>
+            <a:r>
+              <a:rPr lang="zh-CN" altLang="en-US" dirty="0" smtClean="0"/>
+              <a:t>注册</a:t>
+            </a:r>
+            <a:r>
+              <a:rPr lang="en-US" altLang="zh-CN" dirty="0" err="1" smtClean="0"/>
+              <a:t>Nvidia</a:t>
+            </a:r>
+            <a:r>
+              <a:rPr lang="zh-CN" altLang="en-US" dirty="0" smtClean="0"/>
+              <a:t>开发者账户，并通过</a:t>
+            </a:r>
+            <a:r>
+              <a:rPr lang="en-US" altLang="zh-CN" dirty="0" smtClean="0"/>
+              <a:t>PhysX</a:t>
+            </a:r>
+            <a:r>
+              <a:rPr lang="zh-CN" altLang="en-US" dirty="0" smtClean="0"/>
+              <a:t>开发者申请认证</a:t>
+            </a:r>
+            <a:endParaRPr lang="en-US" altLang="zh-CN" dirty="0" smtClean="0"/>
+          </a:p>
+          <a:p>
+            <a:r>
+              <a:rPr lang="zh-CN" altLang="en-US" dirty="0" smtClean="0"/>
+              <a:t>下载</a:t>
+            </a:r>
+            <a:r>
+              <a:rPr lang="en-US" altLang="zh-CN" dirty="0" smtClean="0"/>
+              <a:t>PhysX</a:t>
+            </a:r>
+            <a:r>
+              <a:rPr lang="zh-CN" altLang="en-US" dirty="0" smtClean="0"/>
+              <a:t>源代码工程</a:t>
+            </a:r>
+            <a:endParaRPr lang="en-US" altLang="zh-CN" dirty="0" smtClean="0"/>
+          </a:p>
+          <a:p>
+            <a:r>
+              <a:rPr lang="zh-CN" altLang="en-US" dirty="0" smtClean="0"/>
+              <a:t>使用对应版本的</a:t>
+            </a:r>
+            <a:r>
+              <a:rPr lang="en-US" altLang="zh-CN" dirty="0" smtClean="0"/>
+              <a:t>Compiler</a:t>
+            </a:r>
+            <a:r>
+              <a:rPr lang="zh-CN" altLang="en-US" dirty="0" smtClean="0"/>
+              <a:t>来编译工程</a:t>
+            </a:r>
+            <a:endParaRPr lang="en-US" altLang="zh-CN" dirty="0" smtClean="0"/>
+          </a:p>
+          <a:p>
+            <a:endParaRPr lang="zh-CN" altLang="en-US" dirty="0"/>
+          </a:p>
+        </p:txBody>
+      </p:sp>
+    </p:spTree>
+    <p:extLst>
+      <p:ext uri="{BB962C8B-B14F-4D97-AF65-F5344CB8AC3E}">
+        <p14:creationId xmlns:p14="http://schemas.microsoft.com/office/powerpoint/2010/main" val="3998279718"/>
+      </p:ext>
+    </p:extLst>
+  </p:cSld>
+  <p:clrMapOvr>
+    <a:masterClrMapping/>
+  </p:clrMapOvr>
+</p:sld>
+</file>
+
+<file path=ppt/slides/slide20.xml><?xml version="1.0" encoding="utf-8"?>
 <p:sld xmlns:a="http://schemas.openxmlformats.org/drawingml/2006/main" xmlns:r="http://schemas.openxmlformats.org/officeDocument/2006/relationships" xmlns:p="http://schemas.openxmlformats.org/presentationml/2006/main">
   <p:cSld>
     <p:spTree>
@@ -5604,7 +6281,7 @@
 </p:sld>
 </file>
 
-<file path=ppt/slides/slide18.xml><?xml version="1.0" encoding="utf-8"?>
+<file path=ppt/slides/slide21.xml><?xml version="1.0" encoding="utf-8"?>
 <p:sld xmlns:a="http://schemas.openxmlformats.org/drawingml/2006/main" xmlns:r="http://schemas.openxmlformats.org/officeDocument/2006/relationships" xmlns:p="http://schemas.openxmlformats.org/presentationml/2006/main">
   <p:cSld>
     <p:spTree>
@@ -5761,7 +6438,7 @@
 </p:sld>
 </file>
 
-<file path=ppt/slides/slide19.xml><?xml version="1.0" encoding="utf-8"?>
+<file path=ppt/slides/slide22.xml><?xml version="1.0" encoding="utf-8"?>
 <p:sld xmlns:a="http://schemas.openxmlformats.org/drawingml/2006/main" xmlns:r="http://schemas.openxmlformats.org/officeDocument/2006/relationships" xmlns:p="http://schemas.openxmlformats.org/presentationml/2006/main">
   <p:cSld>
     <p:spTree>
@@ -7676,146 +8353,6 @@
     <p:extLst>
       <p:ext uri="{BB962C8B-B14F-4D97-AF65-F5344CB8AC3E}">
         <p14:creationId xmlns:p14="http://schemas.microsoft.com/office/powerpoint/2010/main" val="3756509968"/>
-      </p:ext>
-    </p:extLst>
-  </p:cSld>
-  <p:clrMapOvr>
-    <a:masterClrMapping/>
-  </p:clrMapOvr>
-  <p:timing>
-    <p:tnLst>
-      <p:par>
-        <p:cTn id="1" dur="indefinite" restart="never" nodeType="tmRoot"/>
-      </p:par>
-    </p:tnLst>
-  </p:timing>
-</p:sld>
-</file>
-
-<file path=ppt/slides/slide2.xml><?xml version="1.0" encoding="utf-8"?>
-<p:sld xmlns:a="http://schemas.openxmlformats.org/drawingml/2006/main" xmlns:r="http://schemas.openxmlformats.org/officeDocument/2006/relationships" xmlns:p="http://schemas.openxmlformats.org/presentationml/2006/main">
-  <p:cSld>
-    <p:spTree>
-      <p:nvGrpSpPr>
-        <p:cNvPr id="1" name=""/>
-        <p:cNvGrpSpPr/>
-        <p:nvPr/>
-      </p:nvGrpSpPr>
-      <p:grpSpPr>
-        <a:xfrm>
-          <a:off x="0" y="0"/>
-          <a:ext cx="0" cy="0"/>
-          <a:chOff x="0" y="0"/>
-          <a:chExt cx="0" cy="0"/>
-        </a:xfrm>
-      </p:grpSpPr>
-      <p:sp>
-        <p:nvSpPr>
-          <p:cNvPr id="2" name="标题 1"/>
-          <p:cNvSpPr>
-            <a:spLocks noGrp="1"/>
-          </p:cNvSpPr>
-          <p:nvPr>
-            <p:ph type="title"/>
-          </p:nvPr>
-        </p:nvSpPr>
-        <p:spPr/>
-        <p:txBody>
-          <a:bodyPr/>
-          <a:lstStyle/>
-          <a:p>
-            <a:r>
-              <a:rPr lang="en-US" altLang="zh-CN" dirty="0" smtClean="0"/>
-              <a:t>PhysX</a:t>
-            </a:r>
-            <a:r>
-              <a:rPr lang="zh-CN" altLang="en-US" dirty="0" smtClean="0"/>
-              <a:t>基本元素</a:t>
-            </a:r>
-            <a:endParaRPr lang="zh-CN" altLang="en-US" dirty="0"/>
-          </a:p>
-        </p:txBody>
-      </p:sp>
-      <p:sp>
-        <p:nvSpPr>
-          <p:cNvPr id="3" name="内容占位符 2"/>
-          <p:cNvSpPr>
-            <a:spLocks noGrp="1"/>
-          </p:cNvSpPr>
-          <p:nvPr>
-            <p:ph idx="1"/>
-          </p:nvPr>
-        </p:nvSpPr>
-        <p:spPr/>
-        <p:txBody>
-          <a:bodyPr>
-            <a:normAutofit fontScale="92500" lnSpcReduction="10000"/>
-          </a:bodyPr>
-          <a:lstStyle/>
-          <a:p>
-            <a:r>
-              <a:rPr lang="en-US" altLang="zh-CN" dirty="0"/>
-              <a:t>The most important PhysX objects are </a:t>
-            </a:r>
-            <a:r>
-              <a:rPr lang="en-US" altLang="zh-CN" i="1" dirty="0"/>
-              <a:t>scenes</a:t>
-            </a:r>
-            <a:r>
-              <a:rPr lang="en-US" altLang="zh-CN" dirty="0"/>
-              <a:t> and </a:t>
-            </a:r>
-            <a:r>
-              <a:rPr lang="en-US" altLang="zh-CN" i="1" dirty="0" smtClean="0"/>
-              <a:t>actors</a:t>
-            </a:r>
-          </a:p>
-          <a:p>
-            <a:r>
-              <a:rPr lang="en-US" altLang="zh-CN" dirty="0" smtClean="0"/>
-              <a:t>A </a:t>
-            </a:r>
-            <a:r>
-              <a:rPr lang="en-US" altLang="zh-CN" dirty="0"/>
-              <a:t>scene is PhysX' representation of the world, and actors are the individual elements of that </a:t>
-            </a:r>
-            <a:r>
-              <a:rPr lang="en-US" altLang="zh-CN" dirty="0" smtClean="0"/>
-              <a:t>world</a:t>
-            </a:r>
-          </a:p>
-          <a:p>
-            <a:r>
-              <a:rPr lang="en-US" altLang="zh-CN" dirty="0" smtClean="0"/>
-              <a:t>A </a:t>
-            </a:r>
-            <a:r>
-              <a:rPr lang="en-US" altLang="zh-CN" dirty="0"/>
-              <a:t>scene also supports geometric queries, such as </a:t>
-            </a:r>
-            <a:r>
-              <a:rPr lang="en-US" altLang="zh-CN" dirty="0" err="1"/>
-              <a:t>raycasts</a:t>
-            </a:r>
-            <a:r>
-              <a:rPr lang="en-US" altLang="zh-CN" dirty="0"/>
-              <a:t> and volume overlap checks, against the actors it </a:t>
-            </a:r>
-            <a:r>
-              <a:rPr lang="en-US" altLang="zh-CN" dirty="0" smtClean="0"/>
-              <a:t>contains</a:t>
-            </a:r>
-            <a:endParaRPr lang="en-US" altLang="zh-CN" dirty="0"/>
-          </a:p>
-          <a:p>
-            <a:endParaRPr lang="zh-CN" altLang="en-US" dirty="0"/>
-          </a:p>
-        </p:txBody>
-      </p:sp>
-    </p:spTree>
-    <p:extLst>
-      <p:ext uri="{BB962C8B-B14F-4D97-AF65-F5344CB8AC3E}">
-        <p14:creationId xmlns:p14="http://schemas.microsoft.com/office/powerpoint/2010/main" val="933663259"/>
       </p:ext>
     </p:extLst>
   </p:cSld>
@@ -7865,69 +8402,167 @@
           <a:lstStyle/>
           <a:p>
             <a:r>
+              <a:rPr lang="zh-CN" altLang="en-US" dirty="0" smtClean="0"/>
+              <a:t>新建工程准备</a:t>
+            </a:r>
+            <a:endParaRPr lang="zh-CN" altLang="en-US" dirty="0"/>
+          </a:p>
+        </p:txBody>
+      </p:sp>
+      <p:sp>
+        <p:nvSpPr>
+          <p:cNvPr id="3" name="内容占位符 2"/>
+          <p:cNvSpPr>
+            <a:spLocks noGrp="1"/>
+          </p:cNvSpPr>
+          <p:nvPr>
+            <p:ph idx="1"/>
+          </p:nvPr>
+        </p:nvSpPr>
+        <p:spPr/>
+        <p:txBody>
+          <a:bodyPr>
+            <a:normAutofit lnSpcReduction="10000"/>
+          </a:bodyPr>
+          <a:lstStyle/>
+          <a:p>
+            <a:r>
+              <a:rPr lang="zh-CN" altLang="en-US" dirty="0" smtClean="0"/>
+              <a:t>将</a:t>
+            </a:r>
+            <a:r>
+              <a:rPr lang="en-US" altLang="zh-CN" dirty="0"/>
+              <a:t>\PhysX-3.4\PhysX_3.4\Include</a:t>
+            </a:r>
+            <a:r>
+              <a:rPr lang="zh-CN" altLang="en-US" dirty="0" smtClean="0"/>
+              <a:t>和</a:t>
+            </a:r>
+            <a:r>
+              <a:rPr lang="en-US" altLang="zh-CN" dirty="0"/>
+              <a:t>\</a:t>
+            </a:r>
+            <a:r>
               <a:rPr lang="en-US" altLang="zh-CN" dirty="0" smtClean="0"/>
-              <a:t>scene</a:t>
-            </a:r>
-            <a:endParaRPr lang="zh-CN" altLang="en-US" dirty="0"/>
-          </a:p>
-        </p:txBody>
-      </p:sp>
-      <p:sp>
-        <p:nvSpPr>
-          <p:cNvPr id="3" name="内容占位符 2"/>
-          <p:cNvSpPr>
-            <a:spLocks noGrp="1"/>
-          </p:cNvSpPr>
-          <p:nvPr>
-            <p:ph idx="1"/>
-          </p:nvPr>
-        </p:nvSpPr>
-        <p:spPr/>
-        <p:txBody>
-          <a:bodyPr/>
-          <a:lstStyle/>
-          <a:p>
-            <a:r>
-              <a:rPr lang="en-US" altLang="zh-CN" dirty="0"/>
-              <a:t>The </a:t>
-            </a:r>
-            <a:r>
-              <a:rPr lang="en-US" altLang="zh-CN" dirty="0" err="1"/>
-              <a:t>PxScene</a:t>
-            </a:r>
-            <a:r>
-              <a:rPr lang="en-US" altLang="zh-CN" dirty="0"/>
-              <a:t> object is the representation of the world in PhysX</a:t>
+              <a:t>PhysX-3.4\</a:t>
+            </a:r>
+            <a:r>
+              <a:rPr lang="en-US" altLang="zh-CN" dirty="0" err="1" smtClean="0"/>
+              <a:t>PxShared</a:t>
             </a:r>
             <a:r>
               <a:rPr lang="en-US" altLang="zh-CN" dirty="0" smtClean="0"/>
-              <a:t>.</a:t>
-            </a:r>
-          </a:p>
-          <a:p>
+              <a:t>\include</a:t>
+            </a:r>
+            <a:r>
+              <a:rPr lang="zh-CN" altLang="en-US" dirty="0" smtClean="0"/>
+              <a:t>设置为</a:t>
+            </a:r>
             <a:r>
               <a:rPr lang="en-US" altLang="zh-CN" dirty="0" smtClean="0"/>
-              <a:t> </a:t>
-            </a:r>
-            <a:r>
-              <a:rPr lang="en-US" altLang="zh-CN" dirty="0"/>
-              <a:t>Creating the scene requires a number of immutable parameters to be specified in the </a:t>
-            </a:r>
-            <a:r>
-              <a:rPr lang="en-US" altLang="zh-CN" dirty="0" err="1"/>
-              <a:t>PxSceneDesc</a:t>
-            </a:r>
-            <a:r>
-              <a:rPr lang="en-US" altLang="zh-CN" dirty="0"/>
-              <a:t> </a:t>
-            </a:r>
-            <a:r>
-              <a:rPr lang="en-US" altLang="zh-CN" dirty="0" err="1"/>
-              <a:t>struct</a:t>
-            </a:r>
-            <a:r>
-              <a:rPr lang="en-US" altLang="zh-CN" dirty="0"/>
-              <a:t>.</a:t>
+              <a:t>include</a:t>
+            </a:r>
+            <a:r>
+              <a:rPr lang="zh-CN" altLang="en-US" dirty="0" smtClean="0"/>
+              <a:t>目录</a:t>
+            </a:r>
+            <a:endParaRPr lang="en-US" altLang="zh-CN" dirty="0" smtClean="0"/>
+          </a:p>
+          <a:p>
+            <a:r>
+              <a:rPr lang="zh-CN" altLang="en-US" dirty="0" smtClean="0"/>
+              <a:t>将</a:t>
+            </a:r>
+            <a:r>
+              <a:rPr lang="en-US" altLang="zh-CN" dirty="0"/>
+              <a:t>\</a:t>
+            </a:r>
+            <a:r>
+              <a:rPr lang="en-US" altLang="zh-CN" dirty="0" smtClean="0"/>
+              <a:t>PhysX-3.4\PhysX_3.4\Lib</a:t>
+            </a:r>
+            <a:r>
+              <a:rPr lang="zh-CN" altLang="en-US" dirty="0" smtClean="0"/>
+              <a:t>和</a:t>
+            </a:r>
+            <a:r>
+              <a:rPr lang="en-US" altLang="zh-CN" dirty="0"/>
+              <a:t>\</a:t>
+            </a:r>
+            <a:r>
+              <a:rPr lang="en-US" altLang="zh-CN" dirty="0" smtClean="0"/>
+              <a:t>PhysX-3.4\</a:t>
+            </a:r>
+            <a:r>
+              <a:rPr lang="en-US" altLang="zh-CN" dirty="0" err="1" smtClean="0"/>
+              <a:t>PxShared</a:t>
+            </a:r>
+            <a:r>
+              <a:rPr lang="en-US" altLang="zh-CN" dirty="0" smtClean="0"/>
+              <a:t>\lib</a:t>
+            </a:r>
+            <a:r>
+              <a:rPr lang="zh-CN" altLang="en-US" dirty="0" smtClean="0"/>
+              <a:t>设置为</a:t>
+            </a:r>
+            <a:r>
+              <a:rPr lang="en-US" altLang="zh-CN" dirty="0" smtClean="0"/>
+              <a:t>lib</a:t>
+            </a:r>
+            <a:r>
+              <a:rPr lang="zh-CN" altLang="en-US" dirty="0" smtClean="0"/>
+              <a:t>目录</a:t>
+            </a:r>
+            <a:endParaRPr lang="en-US" altLang="zh-CN" dirty="0" smtClean="0"/>
+          </a:p>
+          <a:p>
+            <a:r>
+              <a:rPr lang="zh-CN" altLang="en-US" dirty="0" smtClean="0"/>
+              <a:t>将</a:t>
+            </a:r>
+            <a:r>
+              <a:rPr lang="en-US" altLang="zh-CN" dirty="0" smtClean="0"/>
+              <a:t>PhysX-3.4\PhysX_3.4\Bin</a:t>
+            </a:r>
+            <a:r>
+              <a:rPr lang="zh-CN" altLang="en-US" dirty="0" smtClean="0"/>
+              <a:t>和</a:t>
+            </a:r>
+            <a:r>
+              <a:rPr lang="en-US" altLang="zh-CN" dirty="0" smtClean="0"/>
+              <a:t>PhysX-3.4\</a:t>
+            </a:r>
+            <a:r>
+              <a:rPr lang="en-US" altLang="zh-CN" dirty="0" err="1" smtClean="0"/>
+              <a:t>PxShared</a:t>
+            </a:r>
+            <a:r>
+              <a:rPr lang="en-US" altLang="zh-CN" dirty="0" smtClean="0"/>
+              <a:t>\bin</a:t>
+            </a:r>
+            <a:r>
+              <a:rPr lang="zh-CN" altLang="en-US" dirty="0" smtClean="0"/>
+              <a:t>在</a:t>
+            </a:r>
+            <a:r>
+              <a:rPr lang="en-US" altLang="zh-CN" dirty="0" smtClean="0"/>
+              <a:t>Debugging</a:t>
+            </a:r>
+            <a:r>
+              <a:rPr lang="zh-CN" altLang="en-US" dirty="0" smtClean="0"/>
+              <a:t>里面的</a:t>
+            </a:r>
+            <a:r>
+              <a:rPr lang="en-US" altLang="zh-CN" dirty="0" smtClean="0"/>
+              <a:t>environment</a:t>
+            </a:r>
+            <a:r>
+              <a:rPr lang="zh-CN" altLang="en-US" dirty="0" smtClean="0"/>
+              <a:t>参数中设置为</a:t>
+            </a:r>
+            <a:r>
+              <a:rPr lang="en-US" altLang="zh-CN" dirty="0" smtClean="0"/>
+              <a:t>path</a:t>
             </a:r>
             <a:endParaRPr lang="zh-CN" altLang="en-US" dirty="0"/>
           </a:p>
@@ -7936,20 +8571,13 @@
     </p:spTree>
     <p:extLst>
       <p:ext uri="{BB962C8B-B14F-4D97-AF65-F5344CB8AC3E}">
-        <p14:creationId xmlns:p14="http://schemas.microsoft.com/office/powerpoint/2010/main" val="1840516375"/>
+        <p14:creationId xmlns:p14="http://schemas.microsoft.com/office/powerpoint/2010/main" val="1502950552"/>
       </p:ext>
     </p:extLst>
   </p:cSld>
   <p:clrMapOvr>
     <a:masterClrMapping/>
   </p:clrMapOvr>
-  <p:timing>
-    <p:tnLst>
-      <p:par>
-        <p:cTn id="1" dur="indefinite" restart="never" nodeType="tmRoot"/>
-      </p:par>
-    </p:tnLst>
-  </p:timing>
 </p:sld>
 </file>
 
@@ -7982,203 +8610,114 @@
         </p:nvSpPr>
         <p:spPr/>
         <p:txBody>
+          <a:bodyPr>
+            <a:normAutofit/>
+          </a:bodyPr>
+          <a:lstStyle/>
+          <a:p>
+            <a:r>
+              <a:rPr lang="zh-CN" altLang="en-US" dirty="0" smtClean="0"/>
+              <a:t>以</a:t>
+            </a:r>
+            <a:r>
+              <a:rPr lang="en-US" altLang="zh-CN" dirty="0" smtClean="0"/>
+              <a:t>Glut</a:t>
+            </a:r>
+            <a:r>
+              <a:rPr lang="zh-CN" altLang="en-US" dirty="0"/>
+              <a:t>为</a:t>
+            </a:r>
+            <a:r>
+              <a:rPr lang="zh-CN" altLang="en-US" dirty="0" smtClean="0"/>
+              <a:t>例从头开始新建工程</a:t>
+            </a:r>
+            <a:endParaRPr lang="zh-CN" altLang="en-US" dirty="0"/>
+          </a:p>
+        </p:txBody>
+      </p:sp>
+      <p:sp>
+        <p:nvSpPr>
+          <p:cNvPr id="3" name="内容占位符 2"/>
+          <p:cNvSpPr>
+            <a:spLocks noGrp="1"/>
+          </p:cNvSpPr>
+          <p:nvPr>
+            <p:ph idx="1"/>
+          </p:nvPr>
+        </p:nvSpPr>
+        <p:spPr/>
+        <p:txBody>
           <a:bodyPr/>
           <a:lstStyle/>
           <a:p>
-            <a:endParaRPr lang="zh-CN" altLang="en-US"/>
-          </a:p>
-        </p:txBody>
-      </p:sp>
-      <p:sp>
-        <p:nvSpPr>
-          <p:cNvPr id="3" name="内容占位符 2"/>
-          <p:cNvSpPr>
-            <a:spLocks noGrp="1"/>
-          </p:cNvSpPr>
-          <p:nvPr>
-            <p:ph idx="1"/>
-          </p:nvPr>
-        </p:nvSpPr>
-        <p:spPr/>
-        <p:txBody>
-          <a:bodyPr/>
-          <a:lstStyle/>
-          <a:p>
-            <a:endParaRPr lang="zh-CN" altLang="en-US"/>
-          </a:p>
-        </p:txBody>
-      </p:sp>
-      <p:sp>
-        <p:nvSpPr>
-          <p:cNvPr id="4" name="矩形 3"/>
-          <p:cNvSpPr/>
+            <a:endParaRPr lang="zh-CN" altLang="en-US" dirty="0"/>
+          </a:p>
+        </p:txBody>
+      </p:sp>
+      <p:pic>
+        <p:nvPicPr>
+          <p:cNvPr id="1026" name="Picture 2"/>
+          <p:cNvPicPr>
+            <a:picLocks noChangeAspect="1" noChangeArrowheads="1"/>
+          </p:cNvPicPr>
           <p:nvPr/>
-        </p:nvSpPr>
-        <p:spPr>
+        </p:nvPicPr>
+        <p:blipFill>
+          <a:blip r:embed="rId2" cstate="print">
+            <a:extLst>
+              <a:ext uri="{28A0092B-C50C-407E-A947-70E740481C1C}">
+                <a14:useLocalDpi xmlns:a14="http://schemas.microsoft.com/office/drawing/2010/main" val="0"/>
+              </a:ext>
+            </a:extLst>
+          </a:blip>
+          <a:srcRect/>
+          <a:stretch>
+            <a:fillRect/>
+          </a:stretch>
+        </p:blipFill>
+        <p:spPr bwMode="auto">
           <a:xfrm>
-            <a:off x="2286000" y="1279089"/>
-            <a:ext cx="4572000" cy="2585323"/>
+            <a:off x="1331640" y="1275606"/>
+            <a:ext cx="6293803" cy="2880000"/>
           </a:xfrm>
           <a:prstGeom prst="rect">
             <a:avLst/>
           </a:prstGeom>
+          <a:noFill/>
+          <a:ln>
+            <a:noFill/>
+          </a:ln>
+          <a:extLst>
+            <a:ext uri="{909E8E84-426E-40DD-AFC4-6F175D3DCCD1}">
+              <a14:hiddenFill xmlns:a14="http://schemas.microsoft.com/office/drawing/2010/main">
+                <a:solidFill>
+                  <a:schemeClr val="accent1"/>
+                </a:solidFill>
+              </a14:hiddenFill>
+            </a:ext>
+            <a:ext uri="{91240B29-F687-4F45-9708-019B960494DF}">
+              <a14:hiddenLine xmlns:a14="http://schemas.microsoft.com/office/drawing/2010/main" w="9525">
+                <a:solidFill>
+                  <a:schemeClr val="tx1"/>
+                </a:solidFill>
+                <a:miter lim="800000"/>
+                <a:headEnd/>
+                <a:tailEnd/>
+              </a14:hiddenLine>
+            </a:ext>
+          </a:extLst>
         </p:spPr>
-        <p:txBody>
-          <a:bodyPr>
-            <a:spAutoFit/>
-          </a:bodyPr>
-          <a:lstStyle/>
-          <a:p>
-            <a:r>
-              <a:rPr lang="en-US" altLang="zh-CN" dirty="0" err="1"/>
-              <a:t>PxSceneDesc</a:t>
-            </a:r>
-            <a:r>
-              <a:rPr lang="en-US" altLang="zh-CN" dirty="0"/>
-              <a:t> </a:t>
-            </a:r>
-            <a:r>
-              <a:rPr lang="en-US" altLang="zh-CN" dirty="0" err="1"/>
-              <a:t>sceneDesc</a:t>
-            </a:r>
-            <a:r>
-              <a:rPr lang="en-US" altLang="zh-CN" dirty="0"/>
-              <a:t>(</a:t>
-            </a:r>
-            <a:r>
-              <a:rPr lang="en-US" altLang="zh-CN" dirty="0" err="1"/>
-              <a:t>gPhysics</a:t>
-            </a:r>
-            <a:r>
-              <a:rPr lang="en-US" altLang="zh-CN" dirty="0"/>
-              <a:t>-&gt;</a:t>
-            </a:r>
-            <a:r>
-              <a:rPr lang="en-US" altLang="zh-CN" dirty="0" err="1"/>
-              <a:t>getTolerancesScale</a:t>
-            </a:r>
-            <a:r>
-              <a:rPr lang="en-US" altLang="zh-CN" dirty="0"/>
-              <a:t>());</a:t>
-            </a:r>
-          </a:p>
-          <a:p>
-            <a:r>
-              <a:rPr lang="en-US" altLang="zh-CN" dirty="0" err="1"/>
-              <a:t>sceneDesc.gravity</a:t>
-            </a:r>
-            <a:r>
-              <a:rPr lang="en-US" altLang="zh-CN" dirty="0"/>
-              <a:t> = PxVec3(0.0f, -9.81f, 0.0f);</a:t>
-            </a:r>
-          </a:p>
-          <a:p>
-            <a:r>
-              <a:rPr lang="en-US" altLang="zh-CN" dirty="0" err="1"/>
-              <a:t>gDispatcher</a:t>
-            </a:r>
-            <a:r>
-              <a:rPr lang="en-US" altLang="zh-CN" dirty="0"/>
-              <a:t> = </a:t>
-            </a:r>
-            <a:r>
-              <a:rPr lang="en-US" altLang="zh-CN" dirty="0" err="1"/>
-              <a:t>PxDefaultCpuDispatcherCreate</a:t>
-            </a:r>
-            <a:r>
-              <a:rPr lang="en-US" altLang="zh-CN" dirty="0"/>
-              <a:t>(2);</a:t>
-            </a:r>
-          </a:p>
-          <a:p>
-            <a:r>
-              <a:rPr lang="en-US" altLang="zh-CN" dirty="0" err="1"/>
-              <a:t>sceneDesc.cpuDispatcher</a:t>
-            </a:r>
-            <a:r>
-              <a:rPr lang="en-US" altLang="zh-CN" dirty="0"/>
-              <a:t> = </a:t>
-            </a:r>
-            <a:r>
-              <a:rPr lang="en-US" altLang="zh-CN" dirty="0" err="1"/>
-              <a:t>gDispatcher</a:t>
-            </a:r>
-            <a:r>
-              <a:rPr lang="en-US" altLang="zh-CN" dirty="0"/>
-              <a:t>;</a:t>
-            </a:r>
-          </a:p>
-          <a:p>
-            <a:r>
-              <a:rPr lang="en-US" altLang="zh-CN" dirty="0" err="1"/>
-              <a:t>sceneDesc.filterShader</a:t>
-            </a:r>
-            <a:r>
-              <a:rPr lang="en-US" altLang="zh-CN" dirty="0"/>
-              <a:t> = </a:t>
-            </a:r>
-            <a:r>
-              <a:rPr lang="en-US" altLang="zh-CN" dirty="0" err="1"/>
-              <a:t>PxDefaultSimulationFilterShader</a:t>
-            </a:r>
-            <a:r>
-              <a:rPr lang="en-US" altLang="zh-CN" dirty="0"/>
-              <a:t>;</a:t>
-            </a:r>
-          </a:p>
-          <a:p>
-            <a:r>
-              <a:rPr lang="en-US" altLang="zh-CN" dirty="0" err="1"/>
-              <a:t>gScene</a:t>
-            </a:r>
-            <a:r>
-              <a:rPr lang="en-US" altLang="zh-CN" dirty="0"/>
-              <a:t> = </a:t>
-            </a:r>
-            <a:r>
-              <a:rPr lang="en-US" altLang="zh-CN" dirty="0" err="1"/>
-              <a:t>gPhysics</a:t>
-            </a:r>
-            <a:r>
-              <a:rPr lang="en-US" altLang="zh-CN" dirty="0"/>
-              <a:t>-&gt;</a:t>
-            </a:r>
-            <a:r>
-              <a:rPr lang="en-US" altLang="zh-CN" dirty="0" err="1"/>
-              <a:t>createScene</a:t>
-            </a:r>
-            <a:r>
-              <a:rPr lang="en-US" altLang="zh-CN" dirty="0"/>
-              <a:t>(</a:t>
-            </a:r>
-            <a:r>
-              <a:rPr lang="en-US" altLang="zh-CN" dirty="0" err="1"/>
-              <a:t>sceneDesc</a:t>
-            </a:r>
-            <a:r>
-              <a:rPr lang="en-US" altLang="zh-CN" dirty="0"/>
-              <a:t>);</a:t>
-            </a:r>
-          </a:p>
-        </p:txBody>
-      </p:sp>
+      </p:pic>
     </p:spTree>
     <p:extLst>
       <p:ext uri="{BB962C8B-B14F-4D97-AF65-F5344CB8AC3E}">
-        <p14:creationId xmlns:p14="http://schemas.microsoft.com/office/powerpoint/2010/main" val="483475025"/>
+        <p14:creationId xmlns:p14="http://schemas.microsoft.com/office/powerpoint/2010/main" val="125738581"/>
       </p:ext>
     </p:extLst>
   </p:cSld>
   <p:clrMapOvr>
     <a:masterClrMapping/>
   </p:clrMapOvr>
-  <p:timing>
-    <p:tnLst>
-      <p:par>
-        <p:cTn id="1" dur="indefinite" restart="never" nodeType="tmRoot"/>
-      </p:par>
-    </p:tnLst>
-  </p:timing>
 </p:sld>
 </file>
 
@@ -8211,165 +8750,93 @@
         </p:nvSpPr>
         <p:spPr/>
         <p:txBody>
+          <a:bodyPr/>
+          <a:lstStyle/>
+          <a:p>
+            <a:r>
+              <a:rPr lang="en-US" altLang="zh-CN" dirty="0" smtClean="0"/>
+              <a:t>PhysX</a:t>
+            </a:r>
+            <a:r>
+              <a:rPr lang="zh-CN" altLang="en-US" dirty="0" smtClean="0"/>
+              <a:t>基本元素</a:t>
+            </a:r>
+            <a:endParaRPr lang="zh-CN" altLang="en-US" dirty="0"/>
+          </a:p>
+        </p:txBody>
+      </p:sp>
+      <p:sp>
+        <p:nvSpPr>
+          <p:cNvPr id="3" name="内容占位符 2"/>
+          <p:cNvSpPr>
+            <a:spLocks noGrp="1"/>
+          </p:cNvSpPr>
+          <p:nvPr>
+            <p:ph idx="1"/>
+          </p:nvPr>
+        </p:nvSpPr>
+        <p:spPr/>
+        <p:txBody>
           <a:bodyPr>
-            <a:normAutofit/>
+            <a:normAutofit fontScale="92500" lnSpcReduction="10000"/>
           </a:bodyPr>
           <a:lstStyle/>
           <a:p>
             <a:r>
-              <a:rPr lang="en-US" altLang="zh-CN" b="1" dirty="0"/>
-              <a:t>The Simulation </a:t>
-            </a:r>
-            <a:r>
-              <a:rPr lang="en-US" altLang="zh-CN" b="1" dirty="0" smtClean="0"/>
-              <a:t>Loop</a:t>
-            </a:r>
-            <a:endParaRPr lang="zh-CN" altLang="en-US" dirty="0"/>
-          </a:p>
-        </p:txBody>
-      </p:sp>
-      <p:sp>
-        <p:nvSpPr>
-          <p:cNvPr id="3" name="内容占位符 2"/>
-          <p:cNvSpPr>
-            <a:spLocks noGrp="1"/>
-          </p:cNvSpPr>
-          <p:nvPr>
-            <p:ph idx="1"/>
-          </p:nvPr>
-        </p:nvSpPr>
-        <p:spPr/>
-        <p:txBody>
-          <a:bodyPr/>
-          <a:lstStyle/>
-          <a:p>
-            <a:endParaRPr lang="zh-CN" altLang="en-US"/>
-          </a:p>
-        </p:txBody>
-      </p:sp>
-      <p:sp>
-        <p:nvSpPr>
-          <p:cNvPr id="4" name="矩形 3"/>
-          <p:cNvSpPr/>
-          <p:nvPr/>
-        </p:nvSpPr>
-        <p:spPr>
-          <a:xfrm>
-            <a:off x="2286000" y="1417588"/>
-            <a:ext cx="4572000" cy="2308324"/>
-          </a:xfrm>
-          <a:prstGeom prst="rect">
-            <a:avLst/>
-          </a:prstGeom>
-        </p:spPr>
-        <p:txBody>
-          <a:bodyPr>
-            <a:spAutoFit/>
-          </a:bodyPr>
-          <a:lstStyle/>
-          <a:p>
-            <a:r>
-              <a:rPr lang="en-US" altLang="zh-CN" dirty="0"/>
-              <a:t>// update PhysX</a:t>
-            </a:r>
-          </a:p>
-          <a:p>
-            <a:r>
-              <a:rPr lang="en-US" altLang="zh-CN" dirty="0"/>
-              <a:t>void </a:t>
+              <a:rPr lang="en-US" altLang="zh-CN" dirty="0"/>
+              <a:t>The most important PhysX objects are </a:t>
+            </a:r>
+            <a:r>
+              <a:rPr lang="en-US" altLang="zh-CN" i="1" dirty="0"/>
+              <a:t>scenes</a:t>
+            </a:r>
+            <a:r>
+              <a:rPr lang="en-US" altLang="zh-CN" dirty="0"/>
+              <a:t> and </a:t>
+            </a:r>
+            <a:r>
+              <a:rPr lang="en-US" altLang="zh-CN" i="1" dirty="0" smtClean="0"/>
+              <a:t>actors</a:t>
+            </a:r>
+          </a:p>
+          <a:p>
+            <a:r>
+              <a:rPr lang="en-US" altLang="zh-CN" dirty="0" smtClean="0"/>
+              <a:t>A </a:t>
+            </a:r>
+            <a:r>
+              <a:rPr lang="en-US" altLang="zh-CN" dirty="0"/>
+              <a:t>scene is PhysX' representation of the world, and actors are the individual elements of that </a:t>
+            </a:r>
+            <a:r>
+              <a:rPr lang="en-US" altLang="zh-CN" dirty="0" smtClean="0"/>
+              <a:t>world</a:t>
+            </a:r>
+          </a:p>
+          <a:p>
+            <a:r>
+              <a:rPr lang="en-US" altLang="zh-CN" dirty="0" smtClean="0"/>
+              <a:t>A </a:t>
+            </a:r>
+            <a:r>
+              <a:rPr lang="en-US" altLang="zh-CN" dirty="0"/>
+              <a:t>scene also supports geometric queries, such as </a:t>
             </a:r>
             <a:r>
               <a:rPr lang="en-US" altLang="zh-CN" dirty="0" err="1"/>
-              <a:t>stepPhysics</a:t>
-            </a:r>
-            <a:r>
-              <a:rPr lang="en-US" altLang="zh-CN" dirty="0"/>
-              <a:t>(</a:t>
-            </a:r>
-            <a:r>
-              <a:rPr lang="en-US" altLang="zh-CN" dirty="0" err="1"/>
-              <a:t>PxReal</a:t>
-            </a:r>
-            <a:r>
-              <a:rPr lang="en-US" altLang="zh-CN" dirty="0"/>
-              <a:t> </a:t>
-            </a:r>
-            <a:r>
-              <a:rPr lang="en-US" altLang="zh-CN" dirty="0" err="1"/>
-              <a:t>timeStep</a:t>
-            </a:r>
-            <a:r>
-              <a:rPr lang="en-US" altLang="zh-CN" dirty="0"/>
-              <a:t>)</a:t>
-            </a:r>
-          </a:p>
-          <a:p>
-            <a:r>
-              <a:rPr lang="en-US" altLang="zh-CN" dirty="0"/>
-              <a:t>{</a:t>
-            </a:r>
-          </a:p>
-          <a:p>
-            <a:r>
-              <a:rPr lang="en-US" altLang="zh-CN" dirty="0"/>
-              <a:t>if (</a:t>
-            </a:r>
-            <a:r>
-              <a:rPr lang="en-US" altLang="zh-CN" dirty="0" err="1"/>
-              <a:t>timeStep</a:t>
-            </a:r>
-            <a:r>
-              <a:rPr lang="en-US" altLang="zh-CN" dirty="0"/>
-              <a:t> &lt;= 0)</a:t>
-            </a:r>
-          </a:p>
-          <a:p>
-            <a:r>
-              <a:rPr lang="en-US" altLang="zh-CN" dirty="0"/>
-              <a:t>return;</a:t>
-            </a:r>
-          </a:p>
-          <a:p>
-            <a:r>
-              <a:rPr lang="en-US" altLang="zh-CN" dirty="0" err="1"/>
-              <a:t>gScene</a:t>
-            </a:r>
-            <a:r>
-              <a:rPr lang="en-US" altLang="zh-CN" dirty="0"/>
-              <a:t>-&gt;simulate(</a:t>
-            </a:r>
-            <a:r>
-              <a:rPr lang="en-US" altLang="zh-CN" dirty="0" err="1"/>
-              <a:t>timeStep</a:t>
-            </a:r>
-            <a:r>
-              <a:rPr lang="en-US" altLang="zh-CN" dirty="0"/>
-              <a:t>);</a:t>
-            </a:r>
-          </a:p>
-          <a:p>
-            <a:r>
-              <a:rPr lang="en-US" altLang="zh-CN" dirty="0" err="1"/>
-              <a:t>gScene</a:t>
-            </a:r>
-            <a:r>
-              <a:rPr lang="en-US" altLang="zh-CN" dirty="0"/>
-              <a:t>-&gt;</a:t>
-            </a:r>
-            <a:r>
-              <a:rPr lang="en-US" altLang="zh-CN" dirty="0" err="1"/>
-              <a:t>fetchResults</a:t>
-            </a:r>
-            <a:r>
-              <a:rPr lang="en-US" altLang="zh-CN" dirty="0"/>
-              <a:t>(true);</a:t>
-            </a:r>
-          </a:p>
-          <a:p>
-            <a:r>
-              <a:rPr lang="en-US" altLang="zh-CN" dirty="0"/>
-              <a:t>}</a:t>
-            </a:r>
+              <a:t>raycasts</a:t>
+            </a:r>
+            <a:r>
+              <a:rPr lang="en-US" altLang="zh-CN" dirty="0"/>
+              <a:t> and volume overlap checks, against the actors it </a:t>
+            </a:r>
+            <a:r>
+              <a:rPr lang="en-US" altLang="zh-CN" dirty="0" smtClean="0"/>
+              <a:t>contains</a:t>
+            </a:r>
+            <a:endParaRPr lang="en-US" altLang="zh-CN" dirty="0"/>
+          </a:p>
+          <a:p>
             <a:endParaRPr lang="zh-CN" altLang="en-US" dirty="0"/>
           </a:p>
         </p:txBody>
@@ -8377,7 +8844,7 @@
     </p:spTree>
     <p:extLst>
       <p:ext uri="{BB962C8B-B14F-4D97-AF65-F5344CB8AC3E}">
-        <p14:creationId xmlns:p14="http://schemas.microsoft.com/office/powerpoint/2010/main" val="4041440251"/>
+        <p14:creationId xmlns:p14="http://schemas.microsoft.com/office/powerpoint/2010/main" val="933663259"/>
       </p:ext>
     </p:extLst>
   </p:cSld>
@@ -8427,8 +8894,8 @@
           <a:lstStyle/>
           <a:p>
             <a:r>
-              <a:rPr lang="en-US" altLang="zh-CN" b="1" dirty="0"/>
-              <a:t>Materials</a:t>
+              <a:rPr lang="en-US" altLang="zh-CN" dirty="0" smtClean="0"/>
+              <a:t>scene</a:t>
             </a:r>
             <a:endParaRPr lang="zh-CN" altLang="en-US" dirty="0"/>
           </a:p>
@@ -8451,82 +8918,54 @@
           <a:p>
             <a:r>
               <a:rPr lang="en-US" altLang="zh-CN" dirty="0"/>
-              <a:t>All physical objects have at least one material, which defines the friction and restitution properties used to resolve a collision with the objects. To create a material, call </a:t>
+              <a:t>The </a:t>
             </a:r>
             <a:r>
               <a:rPr lang="en-US" altLang="zh-CN" dirty="0" err="1"/>
-              <a:t>PxPhysics</a:t>
-            </a:r>
-            <a:r>
-              <a:rPr lang="en-US" altLang="zh-CN" dirty="0"/>
-              <a:t>::</a:t>
+              <a:t>PxScene</a:t>
+            </a:r>
+            <a:r>
+              <a:rPr lang="en-US" altLang="zh-CN" dirty="0"/>
+              <a:t> object is the representation of the world in PhysX</a:t>
+            </a:r>
+            <a:r>
+              <a:rPr lang="en-US" altLang="zh-CN" dirty="0" smtClean="0"/>
+              <a:t>.</a:t>
+            </a:r>
+          </a:p>
+          <a:p>
+            <a:r>
+              <a:rPr lang="en-US" altLang="zh-CN" dirty="0" smtClean="0"/>
+              <a:t> </a:t>
+            </a:r>
+            <a:r>
+              <a:rPr lang="en-US" altLang="zh-CN" dirty="0"/>
+              <a:t>Creating the scene requires a number of immutable parameters to be specified in the </a:t>
             </a:r>
             <a:r>
               <a:rPr lang="en-US" altLang="zh-CN" dirty="0" err="1"/>
-              <a:t>createMaterial</a:t>
-            </a:r>
-            <a:r>
-              <a:rPr lang="en-US" altLang="zh-CN" dirty="0"/>
-              <a:t>():</a:t>
-            </a:r>
-          </a:p>
-          <a:p>
+              <a:t>PxSceneDesc</a:t>
+            </a:r>
+            <a:r>
+              <a:rPr lang="en-US" altLang="zh-CN" dirty="0"/>
+              <a:t> </a:t>
+            </a:r>
+            <a:r>
+              <a:rPr lang="en-US" altLang="zh-CN" dirty="0" err="1"/>
+              <a:t>struct</a:t>
+            </a:r>
+            <a:r>
+              <a:rPr lang="en-US" altLang="zh-CN" dirty="0"/>
+              <a:t>.</a:t>
+            </a:r>
             <a:endParaRPr lang="zh-CN" altLang="en-US" dirty="0"/>
-          </a:p>
-        </p:txBody>
-      </p:sp>
-      <p:sp>
-        <p:nvSpPr>
-          <p:cNvPr id="4" name="矩形 3"/>
-          <p:cNvSpPr/>
-          <p:nvPr/>
-        </p:nvSpPr>
-        <p:spPr>
-          <a:xfrm>
-            <a:off x="971600" y="4011910"/>
-            <a:ext cx="6408712" cy="369332"/>
-          </a:xfrm>
-          <a:prstGeom prst="rect">
-            <a:avLst/>
-          </a:prstGeom>
-        </p:spPr>
-        <p:txBody>
-          <a:bodyPr wrap="square">
-            <a:spAutoFit/>
-          </a:bodyPr>
-          <a:lstStyle/>
-          <a:p>
-            <a:r>
-              <a:rPr lang="en-US" altLang="zh-CN" dirty="0" err="1"/>
-              <a:t>gMaterial</a:t>
-            </a:r>
-            <a:r>
-              <a:rPr lang="en-US" altLang="zh-CN" dirty="0"/>
-              <a:t> = </a:t>
-            </a:r>
-            <a:r>
-              <a:rPr lang="en-US" altLang="zh-CN" dirty="0" err="1"/>
-              <a:t>gPhysics</a:t>
-            </a:r>
-            <a:r>
-              <a:rPr lang="en-US" altLang="zh-CN" dirty="0"/>
-              <a:t>-&gt;</a:t>
-            </a:r>
-            <a:r>
-              <a:rPr lang="en-US" altLang="zh-CN" dirty="0" err="1"/>
-              <a:t>createMaterial</a:t>
-            </a:r>
-            <a:r>
-              <a:rPr lang="en-US" altLang="zh-CN" dirty="0"/>
-              <a:t>(0.5f, 0.5f, 0.6f);</a:t>
-            </a:r>
           </a:p>
         </p:txBody>
       </p:sp>
     </p:spTree>
     <p:extLst>
       <p:ext uri="{BB962C8B-B14F-4D97-AF65-F5344CB8AC3E}">
-        <p14:creationId xmlns:p14="http://schemas.microsoft.com/office/powerpoint/2010/main" val="830757363"/>
+        <p14:creationId xmlns:p14="http://schemas.microsoft.com/office/powerpoint/2010/main" val="1840516375"/>
       </p:ext>
     </p:extLst>
   </p:cSld>
@@ -8575,11 +9014,7 @@
           <a:bodyPr/>
           <a:lstStyle/>
           <a:p>
-            <a:r>
-              <a:rPr lang="en-US" altLang="zh-CN" b="1" dirty="0"/>
-              <a:t>Rigid Actors</a:t>
-            </a:r>
-            <a:endParaRPr lang="zh-CN" altLang="en-US" dirty="0"/>
+            <a:endParaRPr lang="zh-CN" altLang="en-US"/>
           </a:p>
         </p:txBody>
       </p:sp>
@@ -8595,102 +9030,171 @@
         </p:nvSpPr>
         <p:spPr/>
         <p:txBody>
+          <a:bodyPr/>
+          <a:lstStyle/>
+          <a:p>
+            <a:endParaRPr lang="zh-CN" altLang="en-US"/>
+          </a:p>
+        </p:txBody>
+      </p:sp>
+      <p:sp>
+        <p:nvSpPr>
+          <p:cNvPr id="4" name="矩形 3"/>
+          <p:cNvSpPr/>
+          <p:nvPr/>
+        </p:nvSpPr>
+        <p:spPr>
+          <a:xfrm>
+            <a:off x="2286000" y="1279089"/>
+            <a:ext cx="4572000" cy="2585323"/>
+          </a:xfrm>
+          <a:prstGeom prst="rect">
+            <a:avLst/>
+          </a:prstGeom>
+        </p:spPr>
+        <p:txBody>
           <a:bodyPr>
-            <a:normAutofit fontScale="62500" lnSpcReduction="20000"/>
+            <a:spAutoFit/>
           </a:bodyPr>
           <a:lstStyle/>
           <a:p>
             <a:r>
-              <a:rPr lang="en-US" altLang="zh-CN" dirty="0"/>
-              <a:t>Rigid actors are of two principal kinds: </a:t>
-            </a:r>
-            <a:r>
-              <a:rPr lang="en-US" altLang="zh-CN" i="1" dirty="0"/>
-              <a:t>static</a:t>
-            </a:r>
-            <a:r>
-              <a:rPr lang="en-US" altLang="zh-CN" dirty="0"/>
-              <a:t> and </a:t>
-            </a:r>
-            <a:r>
-              <a:rPr lang="en-US" altLang="zh-CN" i="1" dirty="0"/>
-              <a:t>dynamic</a:t>
-            </a:r>
-            <a:r>
-              <a:rPr lang="en-US" altLang="zh-CN" dirty="0"/>
-              <a:t>, corresponding to the PhysX classes </a:t>
-            </a:r>
-            <a:r>
               <a:rPr lang="en-US" altLang="zh-CN" dirty="0" err="1"/>
-              <a:t>PxRigidStatic</a:t>
-            </a:r>
-            <a:r>
-              <a:rPr lang="en-US" altLang="zh-CN" dirty="0"/>
-              <a:t> and </a:t>
-            </a:r>
-            <a:r>
-              <a:rPr lang="en-US" altLang="zh-CN" dirty="0" err="1" smtClean="0"/>
-              <a:t>PxRigidDynamic</a:t>
-            </a:r>
-            <a:endParaRPr lang="en-US" altLang="zh-CN" dirty="0" smtClean="0"/>
-          </a:p>
-          <a:p>
-            <a:r>
-              <a:rPr lang="en-US" altLang="zh-CN" dirty="0" smtClean="0"/>
-              <a:t>Static </a:t>
-            </a:r>
-            <a:r>
-              <a:rPr lang="en-US" altLang="zh-CN" dirty="0"/>
-              <a:t>actors are immovable by the simulation, whereas dynamic actors have their positions updated by the simulation when simulate() is </a:t>
-            </a:r>
-            <a:r>
-              <a:rPr lang="en-US" altLang="zh-CN" dirty="0" smtClean="0"/>
-              <a:t>called</a:t>
-            </a:r>
-          </a:p>
-          <a:p>
-            <a:r>
-              <a:rPr lang="en-US" altLang="zh-CN" dirty="0" smtClean="0"/>
-              <a:t>Dynamic </a:t>
-            </a:r>
-            <a:r>
-              <a:rPr lang="en-US" altLang="zh-CN" dirty="0"/>
-              <a:t>actors may be controlled either directly by the application updating their position on a frame-by-frame basis (such actors are called </a:t>
-            </a:r>
-            <a:r>
-              <a:rPr lang="en-US" altLang="zh-CN" i="1" dirty="0"/>
-              <a:t>kinematic</a:t>
-            </a:r>
-            <a:r>
-              <a:rPr lang="en-US" altLang="zh-CN" dirty="0"/>
-              <a:t>), or by the simulation engine according to Newton's Laws of Motion.</a:t>
-            </a:r>
-          </a:p>
-          <a:p>
-            <a:r>
-              <a:rPr lang="en-US" altLang="zh-CN" dirty="0"/>
-              <a:t>PhysX provides helper methods in </a:t>
+              <a:t>PxSceneDesc</a:t>
+            </a:r>
+            <a:r>
+              <a:rPr lang="en-US" altLang="zh-CN" dirty="0"/>
+              <a:t> </a:t>
             </a:r>
             <a:r>
               <a:rPr lang="en-US" altLang="zh-CN" dirty="0" err="1"/>
-              <a:t>PxSimpleFactory.h</a:t>
-            </a:r>
-            <a:r>
-              <a:rPr lang="en-US" altLang="zh-CN" dirty="0"/>
-              <a:t> to quickly create simple </a:t>
-            </a:r>
-            <a:r>
-              <a:rPr lang="en-US" altLang="zh-CN" dirty="0" smtClean="0"/>
-              <a:t>actors</a:t>
-            </a:r>
-            <a:endParaRPr lang="zh-CN" altLang="en-US" dirty="0"/>
+              <a:t>sceneDesc</a:t>
+            </a:r>
+            <a:r>
+              <a:rPr lang="en-US" altLang="zh-CN" dirty="0"/>
+              <a:t>(</a:t>
+            </a:r>
+            <a:r>
+              <a:rPr lang="en-US" altLang="zh-CN" dirty="0" err="1"/>
+              <a:t>gPhysics</a:t>
+            </a:r>
+            <a:r>
+              <a:rPr lang="en-US" altLang="zh-CN" dirty="0"/>
+              <a:t>-&gt;</a:t>
+            </a:r>
+            <a:r>
+              <a:rPr lang="en-US" altLang="zh-CN" dirty="0" err="1"/>
+              <a:t>getTolerancesScale</a:t>
+            </a:r>
+            <a:r>
+              <a:rPr lang="en-US" altLang="zh-CN" dirty="0"/>
+              <a:t>());</a:t>
+            </a:r>
+          </a:p>
+          <a:p>
+            <a:r>
+              <a:rPr lang="en-US" altLang="zh-CN" dirty="0" err="1"/>
+              <a:t>sceneDesc.gravity</a:t>
+            </a:r>
+            <a:r>
+              <a:rPr lang="en-US" altLang="zh-CN" dirty="0"/>
+              <a:t> = PxVec3(0.0f, -9.81f, 0.0f);</a:t>
+            </a:r>
+          </a:p>
+          <a:p>
+            <a:r>
+              <a:rPr lang="en-US" altLang="zh-CN" dirty="0" err="1"/>
+              <a:t>gDispatcher</a:t>
+            </a:r>
+            <a:r>
+              <a:rPr lang="en-US" altLang="zh-CN" dirty="0"/>
+              <a:t> = </a:t>
+            </a:r>
+            <a:r>
+              <a:rPr lang="en-US" altLang="zh-CN" dirty="0" err="1"/>
+              <a:t>PxDefaultCpuDispatcherCreate</a:t>
+            </a:r>
+            <a:r>
+              <a:rPr lang="en-US" altLang="zh-CN" dirty="0"/>
+              <a:t>(2);</a:t>
+            </a:r>
+          </a:p>
+          <a:p>
+            <a:r>
+              <a:rPr lang="en-US" altLang="zh-CN" dirty="0" err="1"/>
+              <a:t>sceneDesc.cpuDispatcher</a:t>
+            </a:r>
+            <a:r>
+              <a:rPr lang="en-US" altLang="zh-CN" dirty="0"/>
+              <a:t> = </a:t>
+            </a:r>
+            <a:r>
+              <a:rPr lang="en-US" altLang="zh-CN" dirty="0" err="1"/>
+              <a:t>gDispatcher</a:t>
+            </a:r>
+            <a:r>
+              <a:rPr lang="en-US" altLang="zh-CN" dirty="0"/>
+              <a:t>;</a:t>
+            </a:r>
+          </a:p>
+          <a:p>
+            <a:r>
+              <a:rPr lang="en-US" altLang="zh-CN" dirty="0" err="1"/>
+              <a:t>sceneDesc.filterShader</a:t>
+            </a:r>
+            <a:r>
+              <a:rPr lang="en-US" altLang="zh-CN" dirty="0"/>
+              <a:t> = </a:t>
+            </a:r>
+            <a:r>
+              <a:rPr lang="en-US" altLang="zh-CN" dirty="0" err="1"/>
+              <a:t>PxDefaultSimulationFilterShader</a:t>
+            </a:r>
+            <a:r>
+              <a:rPr lang="en-US" altLang="zh-CN" dirty="0"/>
+              <a:t>;</a:t>
+            </a:r>
+          </a:p>
+          <a:p>
+            <a:r>
+              <a:rPr lang="en-US" altLang="zh-CN" dirty="0" err="1"/>
+              <a:t>gScene</a:t>
+            </a:r>
+            <a:r>
+              <a:rPr lang="en-US" altLang="zh-CN" dirty="0"/>
+              <a:t> = </a:t>
+            </a:r>
+            <a:r>
+              <a:rPr lang="en-US" altLang="zh-CN" dirty="0" err="1"/>
+              <a:t>gPhysics</a:t>
+            </a:r>
+            <a:r>
+              <a:rPr lang="en-US" altLang="zh-CN" dirty="0"/>
+              <a:t>-&gt;</a:t>
+            </a:r>
+            <a:r>
+              <a:rPr lang="en-US" altLang="zh-CN" dirty="0" err="1"/>
+              <a:t>createScene</a:t>
+            </a:r>
+            <a:r>
+              <a:rPr lang="en-US" altLang="zh-CN" dirty="0"/>
+              <a:t>(</a:t>
+            </a:r>
+            <a:r>
+              <a:rPr lang="en-US" altLang="zh-CN" dirty="0" err="1"/>
+              <a:t>sceneDesc</a:t>
+            </a:r>
+            <a:r>
+              <a:rPr lang="en-US" altLang="zh-CN" dirty="0"/>
+              <a:t>);</a:t>
+            </a:r>
           </a:p>
         </p:txBody>
       </p:sp>
     </p:spTree>
     <p:extLst>
       <p:ext uri="{BB962C8B-B14F-4D97-AF65-F5344CB8AC3E}">
-        <p14:creationId xmlns:p14="http://schemas.microsoft.com/office/powerpoint/2010/main" val="2629757602"/>
+        <p14:creationId xmlns:p14="http://schemas.microsoft.com/office/powerpoint/2010/main" val="483475025"/>
       </p:ext>
     </p:extLst>
   </p:cSld>
@@ -8736,6 +9240,35 @@
         </p:nvSpPr>
         <p:spPr/>
         <p:txBody>
+          <a:bodyPr>
+            <a:normAutofit/>
+          </a:bodyPr>
+          <a:lstStyle/>
+          <a:p>
+            <a:r>
+              <a:rPr lang="en-US" altLang="zh-CN" b="1" dirty="0"/>
+              <a:t>The Simulation </a:t>
+            </a:r>
+            <a:r>
+              <a:rPr lang="en-US" altLang="zh-CN" b="1" dirty="0" smtClean="0"/>
+              <a:t>Loop</a:t>
+            </a:r>
+            <a:endParaRPr lang="zh-CN" altLang="en-US" dirty="0"/>
+          </a:p>
+        </p:txBody>
+      </p:sp>
+      <p:sp>
+        <p:nvSpPr>
+          <p:cNvPr id="3" name="内容占位符 2"/>
+          <p:cNvSpPr>
+            <a:spLocks noGrp="1"/>
+          </p:cNvSpPr>
+          <p:nvPr>
+            <p:ph idx="1"/>
+          </p:nvPr>
+        </p:nvSpPr>
+        <p:spPr/>
+        <p:txBody>
           <a:bodyPr/>
           <a:lstStyle/>
           <a:p>
@@ -8745,109 +9278,127 @@
       </p:sp>
       <p:sp>
         <p:nvSpPr>
-          <p:cNvPr id="3" name="内容占位符 2"/>
-          <p:cNvSpPr>
-            <a:spLocks noGrp="1"/>
-          </p:cNvSpPr>
-          <p:nvPr>
-            <p:ph idx="1"/>
-          </p:nvPr>
-        </p:nvSpPr>
-        <p:spPr/>
+          <p:cNvPr id="4" name="矩形 3"/>
+          <p:cNvSpPr/>
+          <p:nvPr/>
+        </p:nvSpPr>
+        <p:spPr>
+          <a:xfrm>
+            <a:off x="2286000" y="1417588"/>
+            <a:ext cx="4572000" cy="2308324"/>
+          </a:xfrm>
+          <a:prstGeom prst="rect">
+            <a:avLst/>
+          </a:prstGeom>
+        </p:spPr>
         <p:txBody>
           <a:bodyPr>
-            <a:normAutofit fontScale="70000" lnSpcReduction="20000"/>
+            <a:spAutoFit/>
           </a:bodyPr>
           <a:lstStyle/>
           <a:p>
             <a:r>
               <a:rPr lang="en-US" altLang="zh-CN" dirty="0"/>
-              <a:t>To procedurally create and simulate more complex actors, follow these steps:</a:t>
-            </a:r>
-          </a:p>
-          <a:p>
-            <a:pPr marL="514350" indent="-514350">
-              <a:buFont typeface="+mj-lt"/>
-              <a:buAutoNum type="arabicPeriod"/>
-            </a:pPr>
-            <a:r>
-              <a:rPr lang="en-US" altLang="zh-CN" dirty="0"/>
-              <a:t>create a </a:t>
+              <a:t>// update PhysX</a:t>
+            </a:r>
+          </a:p>
+          <a:p>
+            <a:r>
+              <a:rPr lang="en-US" altLang="zh-CN" dirty="0"/>
+              <a:t>void </a:t>
             </a:r>
             <a:r>
               <a:rPr lang="en-US" altLang="zh-CN" dirty="0" err="1"/>
-              <a:t>PxRigidStatic</a:t>
-            </a:r>
-            <a:r>
-              <a:rPr lang="en-US" altLang="zh-CN" dirty="0"/>
-              <a:t> or </a:t>
+              <a:t>stepPhysics</a:t>
+            </a:r>
+            <a:r>
+              <a:rPr lang="en-US" altLang="zh-CN" dirty="0"/>
+              <a:t>(</a:t>
             </a:r>
             <a:r>
               <a:rPr lang="en-US" altLang="zh-CN" dirty="0" err="1"/>
-              <a:t>PxRigidDynamic</a:t>
-            </a:r>
-            <a:r>
-              <a:rPr lang="en-US" altLang="zh-CN" dirty="0"/>
-              <a:t> object through the </a:t>
+              <a:t>PxReal</a:t>
+            </a:r>
+            <a:r>
+              <a:rPr lang="en-US" altLang="zh-CN" dirty="0"/>
+              <a:t> </a:t>
             </a:r>
             <a:r>
               <a:rPr lang="en-US" altLang="zh-CN" dirty="0" err="1"/>
-              <a:t>PxPhysics</a:t>
-            </a:r>
-            <a:r>
-              <a:rPr lang="en-US" altLang="zh-CN" dirty="0"/>
-              <a:t> object, specifying its pose (orientation and position) in the world </a:t>
-            </a:r>
-          </a:p>
-          <a:p>
-            <a:pPr marL="514350" indent="-514350">
-              <a:buFont typeface="+mj-lt"/>
-              <a:buAutoNum type="arabicPeriod"/>
-            </a:pPr>
-            <a:r>
-              <a:rPr lang="en-US" altLang="zh-CN" dirty="0"/>
-              <a:t>create one or more </a:t>
+              <a:t>timeStep</a:t>
+            </a:r>
+            <a:r>
+              <a:rPr lang="en-US" altLang="zh-CN" dirty="0"/>
+              <a:t>)</a:t>
+            </a:r>
+          </a:p>
+          <a:p>
+            <a:r>
+              <a:rPr lang="en-US" altLang="zh-CN" dirty="0"/>
+              <a:t>{</a:t>
+            </a:r>
+          </a:p>
+          <a:p>
+            <a:r>
+              <a:rPr lang="en-US" altLang="zh-CN" dirty="0"/>
+              <a:t>if (</a:t>
             </a:r>
             <a:r>
               <a:rPr lang="en-US" altLang="zh-CN" dirty="0" err="1"/>
-              <a:t>PxShapes</a:t>
-            </a:r>
-            <a:r>
-              <a:rPr lang="en-US" altLang="zh-CN" dirty="0"/>
-              <a:t> to define the collision geometry of the actor </a:t>
-            </a:r>
-          </a:p>
-          <a:p>
-            <a:pPr marL="514350" indent="-514350">
-              <a:buFont typeface="+mj-lt"/>
-              <a:buAutoNum type="arabicPeriod"/>
-            </a:pPr>
-            <a:r>
-              <a:rPr lang="en-US" altLang="zh-CN" dirty="0"/>
-              <a:t>for dynamics, update the mass and inertia properties of the actor </a:t>
-            </a:r>
-          </a:p>
-          <a:p>
-            <a:pPr marL="514350" indent="-514350">
-              <a:buFont typeface="+mj-lt"/>
-              <a:buAutoNum type="arabicPeriod"/>
-            </a:pPr>
-            <a:r>
-              <a:rPr lang="en-US" altLang="zh-CN" dirty="0"/>
-              <a:t>customize the properties of the actor and shapes as necessary </a:t>
-            </a:r>
-          </a:p>
-          <a:p>
-            <a:pPr marL="514350" indent="-514350">
-              <a:buFont typeface="+mj-lt"/>
-              <a:buAutoNum type="arabicPeriod"/>
-            </a:pPr>
-            <a:r>
-              <a:rPr lang="en-US" altLang="zh-CN" dirty="0"/>
-              <a:t>add the actor to the scene </a:t>
-            </a:r>
-          </a:p>
-          <a:p>
+              <a:t>timeStep</a:t>
+            </a:r>
+            <a:r>
+              <a:rPr lang="en-US" altLang="zh-CN" dirty="0"/>
+              <a:t> &lt;= 0)</a:t>
+            </a:r>
+          </a:p>
+          <a:p>
+            <a:r>
+              <a:rPr lang="en-US" altLang="zh-CN" dirty="0"/>
+              <a:t>return;</a:t>
+            </a:r>
+          </a:p>
+          <a:p>
+            <a:r>
+              <a:rPr lang="en-US" altLang="zh-CN" dirty="0" err="1"/>
+              <a:t>gScene</a:t>
+            </a:r>
+            <a:r>
+              <a:rPr lang="en-US" altLang="zh-CN" dirty="0"/>
+              <a:t>-&gt;simulate(</a:t>
+            </a:r>
+            <a:r>
+              <a:rPr lang="en-US" altLang="zh-CN" dirty="0" err="1"/>
+              <a:t>timeStep</a:t>
+            </a:r>
+            <a:r>
+              <a:rPr lang="en-US" altLang="zh-CN" dirty="0"/>
+              <a:t>);</a:t>
+            </a:r>
+          </a:p>
+          <a:p>
+            <a:r>
+              <a:rPr lang="en-US" altLang="zh-CN" dirty="0" err="1"/>
+              <a:t>gScene</a:t>
+            </a:r>
+            <a:r>
+              <a:rPr lang="en-US" altLang="zh-CN" dirty="0"/>
+              <a:t>-&gt;</a:t>
+            </a:r>
+            <a:r>
+              <a:rPr lang="en-US" altLang="zh-CN" dirty="0" err="1"/>
+              <a:t>fetchResults</a:t>
+            </a:r>
+            <a:r>
+              <a:rPr lang="en-US" altLang="zh-CN" dirty="0"/>
+              <a:t>(true);</a:t>
+            </a:r>
+          </a:p>
+          <a:p>
+            <a:r>
+              <a:rPr lang="en-US" altLang="zh-CN" dirty="0"/>
+              <a:t>}</a:t>
+            </a:r>
             <a:endParaRPr lang="zh-CN" altLang="en-US" dirty="0"/>
           </a:p>
         </p:txBody>
@@ -8855,7 +9406,7 @@
     </p:spTree>
     <p:extLst>
       <p:ext uri="{BB962C8B-B14F-4D97-AF65-F5344CB8AC3E}">
-        <p14:creationId xmlns:p14="http://schemas.microsoft.com/office/powerpoint/2010/main" val="2800521491"/>
+        <p14:creationId xmlns:p14="http://schemas.microsoft.com/office/powerpoint/2010/main" val="4041440251"/>
       </p:ext>
     </p:extLst>
   </p:cSld>
@@ -8906,7 +9457,7 @@
           <a:p>
             <a:r>
               <a:rPr lang="en-US" altLang="zh-CN" b="1" dirty="0"/>
-              <a:t>Shapes</a:t>
+              <a:t>Materials</a:t>
             </a:r>
             <a:endParaRPr lang="zh-CN" altLang="en-US" dirty="0"/>
           </a:p>
@@ -8924,158 +9475,87 @@
         </p:nvSpPr>
         <p:spPr/>
         <p:txBody>
-          <a:bodyPr>
-            <a:normAutofit fontScale="70000" lnSpcReduction="20000"/>
+          <a:bodyPr/>
+          <a:lstStyle/>
+          <a:p>
+            <a:r>
+              <a:rPr lang="en-US" altLang="zh-CN" dirty="0"/>
+              <a:t>All physical objects have at least one material, which defines the friction and restitution properties used to resolve a collision with the objects. To create a material, call </a:t>
+            </a:r>
+            <a:r>
+              <a:rPr lang="en-US" altLang="zh-CN" dirty="0" err="1"/>
+              <a:t>PxPhysics</a:t>
+            </a:r>
+            <a:r>
+              <a:rPr lang="en-US" altLang="zh-CN" dirty="0"/>
+              <a:t>::</a:t>
+            </a:r>
+            <a:r>
+              <a:rPr lang="en-US" altLang="zh-CN" dirty="0" err="1"/>
+              <a:t>createMaterial</a:t>
+            </a:r>
+            <a:r>
+              <a:rPr lang="en-US" altLang="zh-CN" dirty="0"/>
+              <a:t>():</a:t>
+            </a:r>
+          </a:p>
+          <a:p>
+            <a:endParaRPr lang="zh-CN" altLang="en-US" dirty="0"/>
+          </a:p>
+        </p:txBody>
+      </p:sp>
+      <p:sp>
+        <p:nvSpPr>
+          <p:cNvPr id="4" name="矩形 3"/>
+          <p:cNvSpPr/>
+          <p:nvPr/>
+        </p:nvSpPr>
+        <p:spPr>
+          <a:xfrm>
+            <a:off x="971600" y="4011910"/>
+            <a:ext cx="6408712" cy="369332"/>
+          </a:xfrm>
+          <a:prstGeom prst="rect">
+            <a:avLst/>
+          </a:prstGeom>
+        </p:spPr>
+        <p:txBody>
+          <a:bodyPr wrap="square">
+            <a:spAutoFit/>
           </a:bodyPr>
           <a:lstStyle/>
           <a:p>
             <a:r>
-              <a:rPr lang="en-US" altLang="zh-CN" dirty="0"/>
-              <a:t>Shapes describe the spatial extent and collision properties of </a:t>
-            </a:r>
-            <a:r>
-              <a:rPr lang="en-US" altLang="zh-CN" dirty="0" smtClean="0"/>
-              <a:t>actors</a:t>
-            </a:r>
-          </a:p>
-          <a:p>
-            <a:r>
-              <a:rPr lang="en-US" altLang="zh-CN" dirty="0" smtClean="0"/>
-              <a:t>Each </a:t>
-            </a:r>
-            <a:r>
-              <a:rPr lang="en-US" altLang="zh-CN" dirty="0"/>
-              <a:t>shape contains a </a:t>
-            </a:r>
-            <a:r>
               <a:rPr lang="en-US" altLang="zh-CN" dirty="0" err="1"/>
-              <a:t>PxGeometry</a:t>
-            </a:r>
-            <a:r>
-              <a:rPr lang="en-US" altLang="zh-CN" dirty="0"/>
-              <a:t> object and a reference to a </a:t>
-            </a:r>
-            <a:r>
-              <a:rPr lang="en-US" altLang="zh-CN" dirty="0" err="1" smtClean="0"/>
-              <a:t>PxMaterial</a:t>
-            </a:r>
-            <a:endParaRPr lang="en-US" altLang="zh-CN" dirty="0" smtClean="0"/>
-          </a:p>
-          <a:p>
-            <a:r>
-              <a:rPr lang="en-US" altLang="zh-CN" dirty="0" smtClean="0"/>
-              <a:t>A </a:t>
-            </a:r>
-            <a:r>
-              <a:rPr lang="en-US" altLang="zh-CN" dirty="0"/>
-              <a:t>shape may also have a transform relative to its parent </a:t>
-            </a:r>
-            <a:r>
-              <a:rPr lang="en-US" altLang="zh-CN" dirty="0" smtClean="0"/>
-              <a:t>actor</a:t>
-            </a:r>
-          </a:p>
-          <a:p>
-            <a:pPr lvl="1"/>
-            <a:r>
-              <a:rPr lang="en-US" altLang="zh-CN" dirty="0" smtClean="0"/>
-              <a:t>To </a:t>
-            </a:r>
-            <a:r>
-              <a:rPr lang="en-US" altLang="zh-CN" dirty="0"/>
-              <a:t>create an actor with several shapes (sometimes referred to as a </a:t>
-            </a:r>
-            <a:r>
-              <a:rPr lang="en-US" altLang="zh-CN" i="1" dirty="0"/>
-              <a:t>compound</a:t>
-            </a:r>
-            <a:r>
-              <a:rPr lang="en-US" altLang="zh-CN" dirty="0"/>
-              <a:t>), just call </a:t>
+              <a:t>gMaterial</a:t>
+            </a:r>
+            <a:r>
+              <a:rPr lang="en-US" altLang="zh-CN" dirty="0"/>
+              <a:t> = </a:t>
             </a:r>
             <a:r>
               <a:rPr lang="en-US" altLang="zh-CN" dirty="0" err="1"/>
-              <a:t>PxRigidActor</a:t>
-            </a:r>
-            <a:r>
-              <a:rPr lang="en-US" altLang="zh-CN" dirty="0"/>
-              <a:t>::</a:t>
+              <a:t>gPhysics</a:t>
+            </a:r>
+            <a:r>
+              <a:rPr lang="en-US" altLang="zh-CN" dirty="0"/>
+              <a:t>-&gt;</a:t>
             </a:r>
             <a:r>
               <a:rPr lang="en-US" altLang="zh-CN" dirty="0" err="1"/>
-              <a:t>createShape</a:t>
-            </a:r>
-            <a:r>
-              <a:rPr lang="en-US" altLang="zh-CN" dirty="0"/>
-              <a:t>() several </a:t>
-            </a:r>
-            <a:r>
-              <a:rPr lang="en-US" altLang="zh-CN" dirty="0" smtClean="0"/>
-              <a:t>times</a:t>
-            </a:r>
-          </a:p>
-          <a:p>
-            <a:r>
-              <a:rPr lang="en-US" altLang="zh-CN" dirty="0" smtClean="0"/>
-              <a:t>There </a:t>
-            </a:r>
-            <a:r>
-              <a:rPr lang="en-US" altLang="zh-CN" dirty="0"/>
-              <a:t>are no persistence requirements on the </a:t>
-            </a:r>
-            <a:r>
-              <a:rPr lang="en-US" altLang="zh-CN" dirty="0" err="1"/>
-              <a:t>PxGeometry</a:t>
-            </a:r>
-            <a:r>
-              <a:rPr lang="en-US" altLang="zh-CN" dirty="0"/>
-              <a:t> instance that is passed as a function argument in </a:t>
-            </a:r>
-            <a:r>
-              <a:rPr lang="en-US" altLang="zh-CN" dirty="0" err="1"/>
-              <a:t>PxRigidActor</a:t>
-            </a:r>
-            <a:r>
-              <a:rPr lang="en-US" altLang="zh-CN" dirty="0"/>
-              <a:t>::</a:t>
-            </a:r>
-            <a:r>
-              <a:rPr lang="en-US" altLang="zh-CN" dirty="0" err="1"/>
-              <a:t>createShape</a:t>
-            </a:r>
-            <a:r>
-              <a:rPr lang="en-US" altLang="zh-CN" dirty="0" smtClean="0"/>
-              <a:t>()</a:t>
-            </a:r>
-          </a:p>
-          <a:p>
-            <a:pPr lvl="1"/>
-            <a:r>
-              <a:rPr lang="en-US" altLang="zh-CN" dirty="0" smtClean="0"/>
-              <a:t>The </a:t>
-            </a:r>
-            <a:r>
-              <a:rPr lang="en-US" altLang="zh-CN" dirty="0"/>
-              <a:t>PhysX SDK takes a copy of the </a:t>
-            </a:r>
-            <a:r>
-              <a:rPr lang="en-US" altLang="zh-CN" dirty="0" err="1"/>
-              <a:t>PxGeometry</a:t>
-            </a:r>
-            <a:r>
-              <a:rPr lang="en-US" altLang="zh-CN" dirty="0"/>
-              <a:t> object rather than maintaining a reference to it.</a:t>
-            </a:r>
-          </a:p>
-          <a:p>
-            <a:endParaRPr lang="zh-CN" altLang="en-US" dirty="0"/>
+              <a:t>createMaterial</a:t>
+            </a:r>
+            <a:r>
+              <a:rPr lang="en-US" altLang="zh-CN" dirty="0"/>
+              <a:t>(0.5f, 0.5f, 0.6f);</a:t>
+            </a:r>
           </a:p>
         </p:txBody>
       </p:sp>
     </p:spTree>
     <p:extLst>
       <p:ext uri="{BB962C8B-B14F-4D97-AF65-F5344CB8AC3E}">
-        <p14:creationId xmlns:p14="http://schemas.microsoft.com/office/powerpoint/2010/main" val="4056047839"/>
+        <p14:creationId xmlns:p14="http://schemas.microsoft.com/office/powerpoint/2010/main" val="830757363"/>
       </p:ext>
     </p:extLst>
   </p:cSld>

--- a/Slides/3 建立物理仿真程序基础/NewVersion.pptx
+++ b/Slides/3 建立物理仿真程序基础/NewVersion.pptx
@@ -27,6 +27,7 @@
     <p:sldId id="272" r:id="rId21"/>
     <p:sldId id="273" r:id="rId22"/>
     <p:sldId id="274" r:id="rId23"/>
+    <p:sldId id="279" r:id="rId24"/>
   </p:sldIdLst>
   <p:sldSz cx="9144000" cy="5143500" type="screen16x9"/>
   <p:notesSz cx="6858000" cy="9144000"/>
@@ -348,7 +349,7 @@
           <a:p>
             <a:fld id="{530820CF-B880-4189-942D-D702A7CBA730}" type="datetimeFigureOut">
               <a:rPr lang="zh-CN" altLang="en-US" smtClean="0"/>
-              <a:t>2018/9/26</a:t>
+              <a:t>2018/10/11</a:t>
             </a:fld>
             <a:endParaRPr lang="zh-CN" altLang="en-US"/>
           </a:p>
@@ -570,7 +571,7 @@
           <a:p>
             <a:fld id="{530820CF-B880-4189-942D-D702A7CBA730}" type="datetimeFigureOut">
               <a:rPr lang="zh-CN" altLang="en-US" smtClean="0"/>
-              <a:t>2018/9/26</a:t>
+              <a:t>2018/10/11</a:t>
             </a:fld>
             <a:endParaRPr lang="zh-CN" altLang="en-US"/>
           </a:p>
@@ -838,7 +839,7 @@
           <a:p>
             <a:fld id="{530820CF-B880-4189-942D-D702A7CBA730}" type="datetimeFigureOut">
               <a:rPr lang="zh-CN" altLang="en-US" smtClean="0"/>
-              <a:t>2018/9/26</a:t>
+              <a:t>2018/10/11</a:t>
             </a:fld>
             <a:endParaRPr lang="zh-CN" altLang="en-US"/>
           </a:p>
@@ -1088,7 +1089,7 @@
           <a:p>
             <a:fld id="{530820CF-B880-4189-942D-D702A7CBA730}" type="datetimeFigureOut">
               <a:rPr lang="zh-CN" altLang="en-US" smtClean="0"/>
-              <a:t>2018/9/26</a:t>
+              <a:t>2018/10/11</a:t>
             </a:fld>
             <a:endParaRPr lang="zh-CN" altLang="en-US"/>
           </a:p>
@@ -1347,7 +1348,7 @@
           <a:p>
             <a:fld id="{530820CF-B880-4189-942D-D702A7CBA730}" type="datetimeFigureOut">
               <a:rPr lang="zh-CN" altLang="en-US" smtClean="0"/>
-              <a:t>2018/9/26</a:t>
+              <a:t>2018/10/11</a:t>
             </a:fld>
             <a:endParaRPr lang="zh-CN" altLang="en-US"/>
           </a:p>
@@ -1712,7 +1713,7 @@
           <a:p>
             <a:fld id="{530820CF-B880-4189-942D-D702A7CBA730}" type="datetimeFigureOut">
               <a:rPr lang="zh-CN" altLang="en-US" smtClean="0"/>
-              <a:t>2018/9/26</a:t>
+              <a:t>2018/10/11</a:t>
             </a:fld>
             <a:endParaRPr lang="zh-CN" altLang="en-US"/>
           </a:p>
@@ -2210,7 +2211,7 @@
           <a:p>
             <a:fld id="{530820CF-B880-4189-942D-D702A7CBA730}" type="datetimeFigureOut">
               <a:rPr lang="zh-CN" altLang="en-US" smtClean="0"/>
-              <a:t>2018/9/26</a:t>
+              <a:t>2018/10/11</a:t>
             </a:fld>
             <a:endParaRPr lang="zh-CN" altLang="en-US"/>
           </a:p>
@@ -2404,7 +2405,7 @@
           <a:p>
             <a:fld id="{530820CF-B880-4189-942D-D702A7CBA730}" type="datetimeFigureOut">
               <a:rPr lang="zh-CN" altLang="en-US" smtClean="0"/>
-              <a:t>2018/9/26</a:t>
+              <a:t>2018/10/11</a:t>
             </a:fld>
             <a:endParaRPr lang="zh-CN" altLang="en-US"/>
           </a:p>
@@ -2575,7 +2576,7 @@
           <a:p>
             <a:fld id="{530820CF-B880-4189-942D-D702A7CBA730}" type="datetimeFigureOut">
               <a:rPr lang="zh-CN" altLang="en-US" smtClean="0"/>
-              <a:t>2018/9/26</a:t>
+              <a:t>2018/10/11</a:t>
             </a:fld>
             <a:endParaRPr lang="zh-CN" altLang="en-US"/>
           </a:p>
@@ -2975,7 +2976,7 @@
           <a:p>
             <a:fld id="{530820CF-B880-4189-942D-D702A7CBA730}" type="datetimeFigureOut">
               <a:rPr lang="zh-CN" altLang="en-US" smtClean="0"/>
-              <a:t>2018/9/26</a:t>
+              <a:t>2018/10/11</a:t>
             </a:fld>
             <a:endParaRPr lang="zh-CN" altLang="en-US"/>
           </a:p>
@@ -3355,7 +3356,7 @@
           <a:p>
             <a:fld id="{530820CF-B880-4189-942D-D702A7CBA730}" type="datetimeFigureOut">
               <a:rPr lang="zh-CN" altLang="en-US" smtClean="0"/>
-              <a:t>2018/9/26</a:t>
+              <a:t>2018/10/11</a:t>
             </a:fld>
             <a:endParaRPr lang="zh-CN" altLang="en-US"/>
           </a:p>
@@ -3629,7 +3630,7 @@
           <a:p>
             <a:fld id="{530820CF-B880-4189-942D-D702A7CBA730}" type="datetimeFigureOut">
               <a:rPr lang="zh-CN" altLang="en-US" smtClean="0"/>
-              <a:t>2018/9/26</a:t>
+              <a:t>2018/10/11</a:t>
             </a:fld>
             <a:endParaRPr lang="zh-CN" altLang="en-US"/>
           </a:p>
@@ -8369,6 +8370,97 @@
 </p:sld>
 </file>
 
+<file path=ppt/slides/slide23.xml><?xml version="1.0" encoding="utf-8"?>
+<p:sld xmlns:a="http://schemas.openxmlformats.org/drawingml/2006/main" xmlns:r="http://schemas.openxmlformats.org/officeDocument/2006/relationships" xmlns:p="http://schemas.openxmlformats.org/presentationml/2006/main">
+  <p:cSld>
+    <p:spTree>
+      <p:nvGrpSpPr>
+        <p:cNvPr id="1" name=""/>
+        <p:cNvGrpSpPr/>
+        <p:nvPr/>
+      </p:nvGrpSpPr>
+      <p:grpSpPr>
+        <a:xfrm>
+          <a:off x="0" y="0"/>
+          <a:ext cx="0" cy="0"/>
+          <a:chOff x="0" y="0"/>
+          <a:chExt cx="0" cy="0"/>
+        </a:xfrm>
+      </p:grpSpPr>
+      <p:sp>
+        <p:nvSpPr>
+          <p:cNvPr id="2" name="标题 1"/>
+          <p:cNvSpPr>
+            <a:spLocks noGrp="1"/>
+          </p:cNvSpPr>
+          <p:nvPr>
+            <p:ph type="title"/>
+          </p:nvPr>
+        </p:nvSpPr>
+        <p:spPr/>
+        <p:txBody>
+          <a:bodyPr/>
+          <a:lstStyle/>
+          <a:p>
+            <a:r>
+              <a:rPr lang="zh-CN" altLang="en-US" dirty="0" smtClean="0"/>
+              <a:t>练习</a:t>
+            </a:r>
+            <a:endParaRPr lang="zh-CN" altLang="en-US" dirty="0"/>
+          </a:p>
+        </p:txBody>
+      </p:sp>
+      <p:sp>
+        <p:nvSpPr>
+          <p:cNvPr id="3" name="内容占位符 2"/>
+          <p:cNvSpPr>
+            <a:spLocks noGrp="1"/>
+          </p:cNvSpPr>
+          <p:nvPr>
+            <p:ph idx="1"/>
+          </p:nvPr>
+        </p:nvSpPr>
+        <p:spPr/>
+        <p:txBody>
+          <a:bodyPr/>
+          <a:lstStyle/>
+          <a:p>
+            <a:r>
+              <a:rPr lang="zh-CN" altLang="en-US" dirty="0" smtClean="0"/>
+              <a:t>动态添加物理体</a:t>
+            </a:r>
+            <a:endParaRPr lang="en-US" altLang="zh-CN" dirty="0" smtClean="0"/>
+          </a:p>
+          <a:p>
+            <a:r>
+              <a:rPr lang="zh-CN" altLang="en-US" dirty="0" smtClean="0"/>
+              <a:t>生成新的形状的物理体（比如</a:t>
+            </a:r>
+            <a:r>
+              <a:rPr lang="en-US" altLang="zh-CN" dirty="0" smtClean="0"/>
+              <a:t>capsule</a:t>
+            </a:r>
+            <a:r>
+              <a:rPr lang="zh-CN" altLang="en-US" smtClean="0"/>
+              <a:t>）</a:t>
+            </a:r>
+            <a:endParaRPr lang="zh-CN" altLang="en-US" dirty="0"/>
+          </a:p>
+        </p:txBody>
+      </p:sp>
+    </p:spTree>
+    <p:extLst>
+      <p:ext uri="{BB962C8B-B14F-4D97-AF65-F5344CB8AC3E}">
+        <p14:creationId xmlns:p14="http://schemas.microsoft.com/office/powerpoint/2010/main" val="585265478"/>
+      </p:ext>
+    </p:extLst>
+  </p:cSld>
+  <p:clrMapOvr>
+    <a:masterClrMapping/>
+  </p:clrMapOvr>
+</p:sld>
+</file>
+
 <file path=ppt/slides/slide3.xml><?xml version="1.0" encoding="utf-8"?>
 <p:sld xmlns:a="http://schemas.openxmlformats.org/drawingml/2006/main" xmlns:r="http://schemas.openxmlformats.org/officeDocument/2006/relationships" xmlns:p="http://schemas.openxmlformats.org/presentationml/2006/main">
   <p:cSld>

--- a/Slides/3 建立物理仿真程序基础/NewVersion.pptx
+++ b/Slides/3 建立物理仿真程序基础/NewVersion.pptx
@@ -8441,8 +8441,15 @@
               <a:t>capsule</a:t>
             </a:r>
             <a:r>
-              <a:rPr lang="zh-CN" altLang="en-US" smtClean="0"/>
+              <a:rPr lang="zh-CN" altLang="en-US" dirty="0" smtClean="0"/>
               <a:t>）</a:t>
+            </a:r>
+            <a:endParaRPr lang="en-US" altLang="zh-CN" dirty="0" smtClean="0"/>
+          </a:p>
+          <a:p>
+            <a:r>
+              <a:rPr lang="zh-CN" altLang="en-US" dirty="0" smtClean="0"/>
+              <a:t>不同形状使用不同颜色绘制</a:t>
             </a:r>
             <a:endParaRPr lang="zh-CN" altLang="en-US" dirty="0"/>
           </a:p>
@@ -8458,6 +8465,13 @@
   <p:clrMapOvr>
     <a:masterClrMapping/>
   </p:clrMapOvr>
+  <p:timing>
+    <p:tnLst>
+      <p:par>
+        <p:cTn id="1" dur="indefinite" restart="never" nodeType="tmRoot"/>
+      </p:par>
+    </p:tnLst>
+  </p:timing>
 </p:sld>
 </file>
 
